--- a/Exploring Potential Contributing Factors to Diabetes.pptx
+++ b/Exploring Potential Contributing Factors to Diabetes.pptx
@@ -4,22 +4,23 @@
   <p:sldMasterIdLst>
     <p:sldMasterId id="2147483660" r:id="rId1"/>
   </p:sldMasterIdLst>
+  <p:notesMasterIdLst>
+    <p:notesMasterId r:id="rId15"/>
+  </p:notesMasterIdLst>
   <p:sldIdLst>
     <p:sldId id="260" r:id="rId2"/>
     <p:sldId id="257" r:id="rId3"/>
-    <p:sldId id="258" r:id="rId4"/>
-    <p:sldId id="259" r:id="rId5"/>
-    <p:sldId id="272" r:id="rId6"/>
-    <p:sldId id="261" r:id="rId7"/>
-    <p:sldId id="264" r:id="rId8"/>
-    <p:sldId id="263" r:id="rId9"/>
-    <p:sldId id="262" r:id="rId10"/>
-    <p:sldId id="266" r:id="rId11"/>
-    <p:sldId id="267" r:id="rId12"/>
-    <p:sldId id="268" r:id="rId13"/>
-    <p:sldId id="271" r:id="rId14"/>
-    <p:sldId id="270" r:id="rId15"/>
-    <p:sldId id="273" r:id="rId16"/>
+    <p:sldId id="259" r:id="rId4"/>
+    <p:sldId id="272" r:id="rId5"/>
+    <p:sldId id="261" r:id="rId6"/>
+    <p:sldId id="264" r:id="rId7"/>
+    <p:sldId id="263" r:id="rId8"/>
+    <p:sldId id="262" r:id="rId9"/>
+    <p:sldId id="266" r:id="rId10"/>
+    <p:sldId id="267" r:id="rId11"/>
+    <p:sldId id="268" r:id="rId12"/>
+    <p:sldId id="271" r:id="rId13"/>
+    <p:sldId id="273" r:id="rId14"/>
   </p:sldIdLst>
   <p:sldSz cx="12192000" cy="6858000"/>
   <p:notesSz cx="6858000" cy="9144000"/>
@@ -142,19 +143,19 @@
 <pc:chgInfo xmlns:a="http://schemas.openxmlformats.org/drawingml/2006/main" xmlns:r="http://schemas.openxmlformats.org/officeDocument/2006/relationships" xmlns:ac="http://schemas.microsoft.com/office/drawing/2013/main/command" xmlns:pc="http://schemas.microsoft.com/office/powerpoint/2013/main/command">
   <pc:docChgLst>
     <pc:chgData name="Marsha Cole" userId="549ffbcad8f6772d" providerId="LiveId" clId="{3E559D2E-A028-4802-90C4-9CD664645BF2}"/>
-    <pc:docChg chg="undo custSel delSld modSld modMainMaster">
-      <pc:chgData name="Marsha Cole" userId="549ffbcad8f6772d" providerId="LiveId" clId="{3E559D2E-A028-4802-90C4-9CD664645BF2}" dt="2024-02-13T02:49:21.210" v="1069" actId="20577"/>
+    <pc:docChg chg="undo redo custSel delSld modSld modMainMaster">
+      <pc:chgData name="Marsha Cole" userId="549ffbcad8f6772d" providerId="LiveId" clId="{3E559D2E-A028-4802-90C4-9CD664645BF2}" dt="2024-02-14T04:48:55.672" v="2560" actId="1076"/>
       <pc:docMkLst>
         <pc:docMk/>
       </pc:docMkLst>
-      <pc:sldChg chg="modSp mod setBg">
-        <pc:chgData name="Marsha Cole" userId="549ffbcad8f6772d" providerId="LiveId" clId="{3E559D2E-A028-4802-90C4-9CD664645BF2}" dt="2024-02-13T02:08:42.764" v="757" actId="113"/>
+      <pc:sldChg chg="modSp mod setBg modNotesTx">
+        <pc:chgData name="Marsha Cole" userId="549ffbcad8f6772d" providerId="LiveId" clId="{3E559D2E-A028-4802-90C4-9CD664645BF2}" dt="2024-02-14T04:46:53.431" v="2537" actId="208"/>
         <pc:sldMkLst>
           <pc:docMk/>
           <pc:sldMk cId="3422077527" sldId="257"/>
         </pc:sldMkLst>
         <pc:spChg chg="mod">
-          <ac:chgData name="Marsha Cole" userId="549ffbcad8f6772d" providerId="LiveId" clId="{3E559D2E-A028-4802-90C4-9CD664645BF2}" dt="2024-02-13T02:08:42.764" v="757" actId="113"/>
+          <ac:chgData name="Marsha Cole" userId="549ffbcad8f6772d" providerId="LiveId" clId="{3E559D2E-A028-4802-90C4-9CD664645BF2}" dt="2024-02-14T04:46:53.431" v="2537" actId="208"/>
           <ac:spMkLst>
             <pc:docMk/>
             <pc:sldMk cId="3422077527" sldId="257"/>
@@ -162,7 +163,7 @@
           </ac:spMkLst>
         </pc:spChg>
         <pc:spChg chg="mod">
-          <ac:chgData name="Marsha Cole" userId="549ffbcad8f6772d" providerId="LiveId" clId="{3E559D2E-A028-4802-90C4-9CD664645BF2}" dt="2024-02-13T02:08:26.632" v="753" actId="207"/>
+          <ac:chgData name="Marsha Cole" userId="549ffbcad8f6772d" providerId="LiveId" clId="{3E559D2E-A028-4802-90C4-9CD664645BF2}" dt="2024-02-14T04:05:19.905" v="2245" actId="20577"/>
           <ac:spMkLst>
             <pc:docMk/>
             <pc:sldMk cId="3422077527" sldId="257"/>
@@ -170,8 +171,8 @@
           </ac:spMkLst>
         </pc:spChg>
       </pc:sldChg>
-      <pc:sldChg chg="modSp mod">
-        <pc:chgData name="Marsha Cole" userId="549ffbcad8f6772d" providerId="LiveId" clId="{3E559D2E-A028-4802-90C4-9CD664645BF2}" dt="2024-02-13T02:09:16.434" v="763" actId="207"/>
+      <pc:sldChg chg="modSp del mod">
+        <pc:chgData name="Marsha Cole" userId="549ffbcad8f6772d" providerId="LiveId" clId="{3E559D2E-A028-4802-90C4-9CD664645BF2}" dt="2024-02-13T03:14:18.386" v="1136" actId="2696"/>
         <pc:sldMkLst>
           <pc:docMk/>
           <pc:sldMk cId="3340900588" sldId="258"/>
@@ -185,7 +186,7 @@
           </ac:spMkLst>
         </pc:spChg>
         <pc:spChg chg="mod">
-          <ac:chgData name="Marsha Cole" userId="549ffbcad8f6772d" providerId="LiveId" clId="{3E559D2E-A028-4802-90C4-9CD664645BF2}" dt="2024-02-13T02:09:16.434" v="763" actId="207"/>
+          <ac:chgData name="Marsha Cole" userId="549ffbcad8f6772d" providerId="LiveId" clId="{3E559D2E-A028-4802-90C4-9CD664645BF2}" dt="2024-02-13T03:12:26.130" v="1072" actId="21"/>
           <ac:spMkLst>
             <pc:docMk/>
             <pc:sldMk cId="3340900588" sldId="258"/>
@@ -193,14 +194,14 @@
           </ac:spMkLst>
         </pc:spChg>
       </pc:sldChg>
-      <pc:sldChg chg="modSp mod">
-        <pc:chgData name="Marsha Cole" userId="549ffbcad8f6772d" providerId="LiveId" clId="{3E559D2E-A028-4802-90C4-9CD664645BF2}" dt="2024-02-13T02:09:11.946" v="762" actId="207"/>
+      <pc:sldChg chg="modSp mod modNotesTx">
+        <pc:chgData name="Marsha Cole" userId="549ffbcad8f6772d" providerId="LiveId" clId="{3E559D2E-A028-4802-90C4-9CD664645BF2}" dt="2024-02-14T04:45:56.727" v="2521" actId="1076"/>
         <pc:sldMkLst>
           <pc:docMk/>
           <pc:sldMk cId="2691476605" sldId="259"/>
         </pc:sldMkLst>
         <pc:spChg chg="mod">
-          <ac:chgData name="Marsha Cole" userId="549ffbcad8f6772d" providerId="LiveId" clId="{3E559D2E-A028-4802-90C4-9CD664645BF2}" dt="2024-02-13T02:09:09.195" v="761" actId="207"/>
+          <ac:chgData name="Marsha Cole" userId="549ffbcad8f6772d" providerId="LiveId" clId="{3E559D2E-A028-4802-90C4-9CD664645BF2}" dt="2024-02-14T04:45:56.727" v="2521" actId="1076"/>
           <ac:spMkLst>
             <pc:docMk/>
             <pc:sldMk cId="2691476605" sldId="259"/>
@@ -208,7 +209,7 @@
           </ac:spMkLst>
         </pc:spChg>
         <pc:spChg chg="mod">
-          <ac:chgData name="Marsha Cole" userId="549ffbcad8f6772d" providerId="LiveId" clId="{3E559D2E-A028-4802-90C4-9CD664645BF2}" dt="2024-02-13T02:09:11.946" v="762" actId="207"/>
+          <ac:chgData name="Marsha Cole" userId="549ffbcad8f6772d" providerId="LiveId" clId="{3E559D2E-A028-4802-90C4-9CD664645BF2}" dt="2024-02-14T03:59:56.867" v="2216" actId="27636"/>
           <ac:spMkLst>
             <pc:docMk/>
             <pc:sldMk cId="2691476605" sldId="259"/>
@@ -272,13 +273,13 @@
         </pc:picChg>
       </pc:sldChg>
       <pc:sldChg chg="modSp mod">
-        <pc:chgData name="Marsha Cole" userId="549ffbcad8f6772d" providerId="LiveId" clId="{3E559D2E-A028-4802-90C4-9CD664645BF2}" dt="2024-02-13T02:10:40.696" v="786" actId="14100"/>
+        <pc:chgData name="Marsha Cole" userId="549ffbcad8f6772d" providerId="LiveId" clId="{3E559D2E-A028-4802-90C4-9CD664645BF2}" dt="2024-02-14T04:46:23.697" v="2535" actId="1076"/>
         <pc:sldMkLst>
           <pc:docMk/>
           <pc:sldMk cId="101601641" sldId="261"/>
         </pc:sldMkLst>
         <pc:spChg chg="mod">
-          <ac:chgData name="Marsha Cole" userId="549ffbcad8f6772d" providerId="LiveId" clId="{3E559D2E-A028-4802-90C4-9CD664645BF2}" dt="2024-02-13T02:10:28.514" v="783" actId="1582"/>
+          <ac:chgData name="Marsha Cole" userId="549ffbcad8f6772d" providerId="LiveId" clId="{3E559D2E-A028-4802-90C4-9CD664645BF2}" dt="2024-02-14T04:46:23.697" v="2535" actId="1076"/>
           <ac:spMkLst>
             <pc:docMk/>
             <pc:sldMk cId="101601641" sldId="261"/>
@@ -286,7 +287,7 @@
           </ac:spMkLst>
         </pc:spChg>
         <pc:spChg chg="mod">
-          <ac:chgData name="Marsha Cole" userId="549ffbcad8f6772d" providerId="LiveId" clId="{3E559D2E-A028-4802-90C4-9CD664645BF2}" dt="2024-02-13T02:10:40.696" v="786" actId="14100"/>
+          <ac:chgData name="Marsha Cole" userId="549ffbcad8f6772d" providerId="LiveId" clId="{3E559D2E-A028-4802-90C4-9CD664645BF2}" dt="2024-02-13T06:20:55.108" v="1401" actId="20577"/>
           <ac:spMkLst>
             <pc:docMk/>
             <pc:sldMk cId="101601641" sldId="261"/>
@@ -295,13 +296,13 @@
         </pc:spChg>
       </pc:sldChg>
       <pc:sldChg chg="modSp mod">
-        <pc:chgData name="Marsha Cole" userId="549ffbcad8f6772d" providerId="LiveId" clId="{3E559D2E-A028-4802-90C4-9CD664645BF2}" dt="2024-02-13T02:30:00.795" v="999" actId="27636"/>
+        <pc:chgData name="Marsha Cole" userId="549ffbcad8f6772d" providerId="LiveId" clId="{3E559D2E-A028-4802-90C4-9CD664645BF2}" dt="2024-02-14T04:47:58.224" v="2548" actId="1076"/>
         <pc:sldMkLst>
           <pc:docMk/>
           <pc:sldMk cId="958934862" sldId="262"/>
         </pc:sldMkLst>
         <pc:spChg chg="mod">
-          <ac:chgData name="Marsha Cole" userId="549ffbcad8f6772d" providerId="LiveId" clId="{3E559D2E-A028-4802-90C4-9CD664645BF2}" dt="2024-02-13T02:23:14.630" v="905" actId="1076"/>
+          <ac:chgData name="Marsha Cole" userId="549ffbcad8f6772d" providerId="LiveId" clId="{3E559D2E-A028-4802-90C4-9CD664645BF2}" dt="2024-02-14T04:47:46.005" v="2545" actId="1076"/>
           <ac:spMkLst>
             <pc:docMk/>
             <pc:sldMk cId="958934862" sldId="262"/>
@@ -309,22 +310,38 @@
           </ac:spMkLst>
         </pc:spChg>
         <pc:spChg chg="mod">
-          <ac:chgData name="Marsha Cole" userId="549ffbcad8f6772d" providerId="LiveId" clId="{3E559D2E-A028-4802-90C4-9CD664645BF2}" dt="2024-02-13T02:30:00.795" v="999" actId="27636"/>
+          <ac:chgData name="Marsha Cole" userId="549ffbcad8f6772d" providerId="LiveId" clId="{3E559D2E-A028-4802-90C4-9CD664645BF2}" dt="2024-02-14T04:47:58.224" v="2548" actId="1076"/>
           <ac:spMkLst>
             <pc:docMk/>
             <pc:sldMk cId="958934862" sldId="262"/>
             <ac:spMk id="3" creationId="{82FD135C-BC6A-E99F-E999-3A5FCE7179FD}"/>
           </ac:spMkLst>
         </pc:spChg>
+        <pc:spChg chg="mod">
+          <ac:chgData name="Marsha Cole" userId="549ffbcad8f6772d" providerId="LiveId" clId="{3E559D2E-A028-4802-90C4-9CD664645BF2}" dt="2024-02-13T06:39:41.070" v="1531" actId="1076"/>
+          <ac:spMkLst>
+            <pc:docMk/>
+            <pc:sldMk cId="958934862" sldId="262"/>
+            <ac:spMk id="6" creationId="{1A256B3D-0232-59F3-4033-2BFA04C17FC0}"/>
+          </ac:spMkLst>
+        </pc:spChg>
+        <pc:picChg chg="mod modCrop">
+          <ac:chgData name="Marsha Cole" userId="549ffbcad8f6772d" providerId="LiveId" clId="{3E559D2E-A028-4802-90C4-9CD664645BF2}" dt="2024-02-13T06:39:34.896" v="1530" actId="1076"/>
+          <ac:picMkLst>
+            <pc:docMk/>
+            <pc:sldMk cId="958934862" sldId="262"/>
+            <ac:picMk id="4" creationId="{CA985B5E-9BB0-06CD-B487-7DB28706B7B5}"/>
+          </ac:picMkLst>
+        </pc:picChg>
       </pc:sldChg>
       <pc:sldChg chg="addSp delSp modSp mod">
-        <pc:chgData name="Marsha Cole" userId="549ffbcad8f6772d" providerId="LiveId" clId="{3E559D2E-A028-4802-90C4-9CD664645BF2}" dt="2024-02-13T02:31:37.293" v="1001" actId="20577"/>
+        <pc:chgData name="Marsha Cole" userId="549ffbcad8f6772d" providerId="LiveId" clId="{3E559D2E-A028-4802-90C4-9CD664645BF2}" dt="2024-02-14T04:48:07.646" v="2549" actId="1076"/>
         <pc:sldMkLst>
           <pc:docMk/>
           <pc:sldMk cId="3309570646" sldId="263"/>
         </pc:sldMkLst>
         <pc:spChg chg="mod">
-          <ac:chgData name="Marsha Cole" userId="549ffbcad8f6772d" providerId="LiveId" clId="{3E559D2E-A028-4802-90C4-9CD664645BF2}" dt="2024-02-13T02:16:35.452" v="871" actId="1076"/>
+          <ac:chgData name="Marsha Cole" userId="549ffbcad8f6772d" providerId="LiveId" clId="{3E559D2E-A028-4802-90C4-9CD664645BF2}" dt="2024-02-14T04:48:07.646" v="2549" actId="1076"/>
           <ac:spMkLst>
             <pc:docMk/>
             <pc:sldMk cId="3309570646" sldId="263"/>
@@ -332,7 +349,7 @@
           </ac:spMkLst>
         </pc:spChg>
         <pc:spChg chg="mod">
-          <ac:chgData name="Marsha Cole" userId="549ffbcad8f6772d" providerId="LiveId" clId="{3E559D2E-A028-4802-90C4-9CD664645BF2}" dt="2024-02-13T02:31:37.293" v="1001" actId="20577"/>
+          <ac:chgData name="Marsha Cole" userId="549ffbcad8f6772d" providerId="LiveId" clId="{3E559D2E-A028-4802-90C4-9CD664645BF2}" dt="2024-02-14T04:47:53.797" v="2547" actId="1076"/>
           <ac:spMkLst>
             <pc:docMk/>
             <pc:sldMk cId="3309570646" sldId="263"/>
@@ -340,15 +357,15 @@
           </ac:spMkLst>
         </pc:spChg>
         <pc:spChg chg="mod">
-          <ac:chgData name="Marsha Cole" userId="549ffbcad8f6772d" providerId="LiveId" clId="{3E559D2E-A028-4802-90C4-9CD664645BF2}" dt="2024-02-13T01:09:31.384" v="323" actId="20577"/>
+          <ac:chgData name="Marsha Cole" userId="549ffbcad8f6772d" providerId="LiveId" clId="{3E559D2E-A028-4802-90C4-9CD664645BF2}" dt="2024-02-13T06:34:10.027" v="1475" actId="20577"/>
           <ac:spMkLst>
             <pc:docMk/>
             <pc:sldMk cId="3309570646" sldId="263"/>
             <ac:spMk id="6" creationId="{9F4003D1-EB71-59DB-B6D8-C9C0BFB1E545}"/>
           </ac:spMkLst>
         </pc:spChg>
-        <pc:picChg chg="mod">
-          <ac:chgData name="Marsha Cole" userId="549ffbcad8f6772d" providerId="LiveId" clId="{3E559D2E-A028-4802-90C4-9CD664645BF2}" dt="2024-02-13T00:27:45.072" v="14" actId="1076"/>
+        <pc:picChg chg="mod modCrop">
+          <ac:chgData name="Marsha Cole" userId="549ffbcad8f6772d" providerId="LiveId" clId="{3E559D2E-A028-4802-90C4-9CD664645BF2}" dt="2024-02-14T03:35:37.622" v="2092" actId="14100"/>
           <ac:picMkLst>
             <pc:docMk/>
             <pc:sldMk cId="3309570646" sldId="263"/>
@@ -365,13 +382,13 @@
         </pc:picChg>
       </pc:sldChg>
       <pc:sldChg chg="addSp delSp modSp mod">
-        <pc:chgData name="Marsha Cole" userId="549ffbcad8f6772d" providerId="LiveId" clId="{3E559D2E-A028-4802-90C4-9CD664645BF2}" dt="2024-02-13T02:49:21.210" v="1069" actId="20577"/>
+        <pc:chgData name="Marsha Cole" userId="549ffbcad8f6772d" providerId="LiveId" clId="{3E559D2E-A028-4802-90C4-9CD664645BF2}" dt="2024-02-14T04:47:03" v="2538" actId="1076"/>
         <pc:sldMkLst>
           <pc:docMk/>
           <pc:sldMk cId="3036049857" sldId="264"/>
         </pc:sldMkLst>
         <pc:spChg chg="mod">
-          <ac:chgData name="Marsha Cole" userId="549ffbcad8f6772d" providerId="LiveId" clId="{3E559D2E-A028-4802-90C4-9CD664645BF2}" dt="2024-02-13T02:45:09.753" v="1031" actId="122"/>
+          <ac:chgData name="Marsha Cole" userId="549ffbcad8f6772d" providerId="LiveId" clId="{3E559D2E-A028-4802-90C4-9CD664645BF2}" dt="2024-02-14T04:47:03" v="2538" actId="1076"/>
           <ac:spMkLst>
             <pc:docMk/>
             <pc:sldMk cId="3036049857" sldId="264"/>
@@ -379,7 +396,7 @@
           </ac:spMkLst>
         </pc:spChg>
         <pc:spChg chg="mod">
-          <ac:chgData name="Marsha Cole" userId="549ffbcad8f6772d" providerId="LiveId" clId="{3E559D2E-A028-4802-90C4-9CD664645BF2}" dt="2024-02-13T02:49:21.210" v="1069" actId="20577"/>
+          <ac:chgData name="Marsha Cole" userId="549ffbcad8f6772d" providerId="LiveId" clId="{3E559D2E-A028-4802-90C4-9CD664645BF2}" dt="2024-02-14T04:21:36.165" v="2391" actId="20577"/>
           <ac:spMkLst>
             <pc:docMk/>
             <pc:sldMk cId="3036049857" sldId="264"/>
@@ -443,13 +460,13 @@
         </pc:spChg>
       </pc:sldChg>
       <pc:sldChg chg="modSp mod">
-        <pc:chgData name="Marsha Cole" userId="549ffbcad8f6772d" providerId="LiveId" clId="{3E559D2E-A028-4802-90C4-9CD664645BF2}" dt="2024-02-13T02:16:09.205" v="863" actId="207"/>
+        <pc:chgData name="Marsha Cole" userId="549ffbcad8f6772d" providerId="LiveId" clId="{3E559D2E-A028-4802-90C4-9CD664645BF2}" dt="2024-02-14T04:48:17.793" v="2551" actId="14100"/>
         <pc:sldMkLst>
           <pc:docMk/>
           <pc:sldMk cId="1250063133" sldId="266"/>
         </pc:sldMkLst>
         <pc:spChg chg="mod">
-          <ac:chgData name="Marsha Cole" userId="549ffbcad8f6772d" providerId="LiveId" clId="{3E559D2E-A028-4802-90C4-9CD664645BF2}" dt="2024-02-13T02:15:54.365" v="857" actId="27636"/>
+          <ac:chgData name="Marsha Cole" userId="549ffbcad8f6772d" providerId="LiveId" clId="{3E559D2E-A028-4802-90C4-9CD664645BF2}" dt="2024-02-14T04:48:17.793" v="2551" actId="14100"/>
           <ac:spMkLst>
             <pc:docMk/>
             <pc:sldMk cId="1250063133" sldId="266"/>
@@ -457,7 +474,7 @@
           </ac:spMkLst>
         </pc:spChg>
         <pc:spChg chg="mod">
-          <ac:chgData name="Marsha Cole" userId="549ffbcad8f6772d" providerId="LiveId" clId="{3E559D2E-A028-4802-90C4-9CD664645BF2}" dt="2024-02-13T02:16:09.205" v="863" actId="207"/>
+          <ac:chgData name="Marsha Cole" userId="549ffbcad8f6772d" providerId="LiveId" clId="{3E559D2E-A028-4802-90C4-9CD664645BF2}" dt="2024-02-14T04:42:41.877" v="2508" actId="20577"/>
           <ac:spMkLst>
             <pc:docMk/>
             <pc:sldMk cId="1250063133" sldId="266"/>
@@ -465,15 +482,15 @@
           </ac:spMkLst>
         </pc:spChg>
         <pc:spChg chg="mod">
-          <ac:chgData name="Marsha Cole" userId="549ffbcad8f6772d" providerId="LiveId" clId="{3E559D2E-A028-4802-90C4-9CD664645BF2}" dt="2024-02-13T02:16:02.150" v="859" actId="1076"/>
+          <ac:chgData name="Marsha Cole" userId="549ffbcad8f6772d" providerId="LiveId" clId="{3E559D2E-A028-4802-90C4-9CD664645BF2}" dt="2024-02-13T06:45:44.763" v="1620" actId="1038"/>
           <ac:spMkLst>
             <pc:docMk/>
             <pc:sldMk cId="1250063133" sldId="266"/>
             <ac:spMk id="8" creationId="{9155AA06-056F-6071-E87F-A1CD50471992}"/>
           </ac:spMkLst>
         </pc:spChg>
-        <pc:picChg chg="mod">
-          <ac:chgData name="Marsha Cole" userId="549ffbcad8f6772d" providerId="LiveId" clId="{3E559D2E-A028-4802-90C4-9CD664645BF2}" dt="2024-02-13T02:16:04.632" v="860" actId="1076"/>
+        <pc:picChg chg="mod modCrop">
+          <ac:chgData name="Marsha Cole" userId="549ffbcad8f6772d" providerId="LiveId" clId="{3E559D2E-A028-4802-90C4-9CD664645BF2}" dt="2024-02-13T06:45:36.303" v="1610" actId="1076"/>
           <ac:picMkLst>
             <pc:docMk/>
             <pc:sldMk cId="1250063133" sldId="266"/>
@@ -482,13 +499,13 @@
         </pc:picChg>
       </pc:sldChg>
       <pc:sldChg chg="addSp delSp modSp mod">
-        <pc:chgData name="Marsha Cole" userId="549ffbcad8f6772d" providerId="LiveId" clId="{3E559D2E-A028-4802-90C4-9CD664645BF2}" dt="2024-02-13T02:15:29.240" v="849" actId="6549"/>
+        <pc:chgData name="Marsha Cole" userId="549ffbcad8f6772d" providerId="LiveId" clId="{3E559D2E-A028-4802-90C4-9CD664645BF2}" dt="2024-02-14T04:48:40.548" v="2558" actId="1076"/>
         <pc:sldMkLst>
           <pc:docMk/>
           <pc:sldMk cId="426189485" sldId="267"/>
         </pc:sldMkLst>
         <pc:spChg chg="mod">
-          <ac:chgData name="Marsha Cole" userId="549ffbcad8f6772d" providerId="LiveId" clId="{3E559D2E-A028-4802-90C4-9CD664645BF2}" dt="2024-02-13T02:15:29.240" v="849" actId="6549"/>
+          <ac:chgData name="Marsha Cole" userId="549ffbcad8f6772d" providerId="LiveId" clId="{3E559D2E-A028-4802-90C4-9CD664645BF2}" dt="2024-02-14T04:48:33.225" v="2555" actId="1076"/>
           <ac:spMkLst>
             <pc:docMk/>
             <pc:sldMk cId="426189485" sldId="267"/>
@@ -496,7 +513,7 @@
           </ac:spMkLst>
         </pc:spChg>
         <pc:spChg chg="mod">
-          <ac:chgData name="Marsha Cole" userId="549ffbcad8f6772d" providerId="LiveId" clId="{3E559D2E-A028-4802-90C4-9CD664645BF2}" dt="2024-02-13T02:14:59.248" v="834" actId="207"/>
+          <ac:chgData name="Marsha Cole" userId="549ffbcad8f6772d" providerId="LiveId" clId="{3E559D2E-A028-4802-90C4-9CD664645BF2}" dt="2024-02-14T04:48:40.548" v="2558" actId="1076"/>
           <ac:spMkLst>
             <pc:docMk/>
             <pc:sldMk cId="426189485" sldId="267"/>
@@ -504,7 +521,7 @@
           </ac:spMkLst>
         </pc:spChg>
         <pc:spChg chg="mod">
-          <ac:chgData name="Marsha Cole" userId="549ffbcad8f6772d" providerId="LiveId" clId="{3E559D2E-A028-4802-90C4-9CD664645BF2}" dt="2024-02-13T01:09:48.246" v="329" actId="20577"/>
+          <ac:chgData name="Marsha Cole" userId="549ffbcad8f6772d" providerId="LiveId" clId="{3E559D2E-A028-4802-90C4-9CD664645BF2}" dt="2024-02-13T06:52:53.940" v="1688" actId="14100"/>
           <ac:spMkLst>
             <pc:docMk/>
             <pc:sldMk cId="426189485" sldId="267"/>
@@ -519,8 +536,8 @@
             <ac:picMk id="5" creationId="{54381A2D-B889-F13B-D0CC-33088D7F1C42}"/>
           </ac:picMkLst>
         </pc:picChg>
-        <pc:picChg chg="add mod">
-          <ac:chgData name="Marsha Cole" userId="549ffbcad8f6772d" providerId="LiveId" clId="{3E559D2E-A028-4802-90C4-9CD664645BF2}" dt="2024-02-13T01:02:45.047" v="171" actId="208"/>
+        <pc:picChg chg="add mod modCrop">
+          <ac:chgData name="Marsha Cole" userId="549ffbcad8f6772d" providerId="LiveId" clId="{3E559D2E-A028-4802-90C4-9CD664645BF2}" dt="2024-02-13T06:53:01.533" v="1690" actId="14100"/>
           <ac:picMkLst>
             <pc:docMk/>
             <pc:sldMk cId="426189485" sldId="267"/>
@@ -529,13 +546,13 @@
         </pc:picChg>
       </pc:sldChg>
       <pc:sldChg chg="addSp delSp modSp mod">
-        <pc:chgData name="Marsha Cole" userId="549ffbcad8f6772d" providerId="LiveId" clId="{3E559D2E-A028-4802-90C4-9CD664645BF2}" dt="2024-02-13T02:21:56.587" v="897" actId="478"/>
+        <pc:chgData name="Marsha Cole" userId="549ffbcad8f6772d" providerId="LiveId" clId="{3E559D2E-A028-4802-90C4-9CD664645BF2}" dt="2024-02-14T04:48:47.958" v="2559" actId="1076"/>
         <pc:sldMkLst>
           <pc:docMk/>
           <pc:sldMk cId="2019232186" sldId="268"/>
         </pc:sldMkLst>
         <pc:spChg chg="mod">
-          <ac:chgData name="Marsha Cole" userId="549ffbcad8f6772d" providerId="LiveId" clId="{3E559D2E-A028-4802-90C4-9CD664645BF2}" dt="2024-02-13T02:12:05.083" v="803" actId="1582"/>
+          <ac:chgData name="Marsha Cole" userId="549ffbcad8f6772d" providerId="LiveId" clId="{3E559D2E-A028-4802-90C4-9CD664645BF2}" dt="2024-02-14T04:48:47.958" v="2559" actId="1076"/>
           <ac:spMkLst>
             <pc:docMk/>
             <pc:sldMk cId="2019232186" sldId="268"/>
@@ -543,7 +560,7 @@
           </ac:spMkLst>
         </pc:spChg>
         <pc:spChg chg="mod">
-          <ac:chgData name="Marsha Cole" userId="549ffbcad8f6772d" providerId="LiveId" clId="{3E559D2E-A028-4802-90C4-9CD664645BF2}" dt="2024-02-13T02:13:27.556" v="809" actId="1076"/>
+          <ac:chgData name="Marsha Cole" userId="549ffbcad8f6772d" providerId="LiveId" clId="{3E559D2E-A028-4802-90C4-9CD664645BF2}" dt="2024-02-14T04:34:36.423" v="2498" actId="20577"/>
           <ac:spMkLst>
             <pc:docMk/>
             <pc:sldMk cId="2019232186" sldId="268"/>
@@ -559,14 +576,14 @@
           </ac:picMkLst>
         </pc:picChg>
       </pc:sldChg>
-      <pc:sldChg chg="addSp modSp mod">
-        <pc:chgData name="Marsha Cole" userId="549ffbcad8f6772d" providerId="LiveId" clId="{3E559D2E-A028-4802-90C4-9CD664645BF2}" dt="2024-02-13T02:19:53.305" v="892" actId="1076"/>
+      <pc:sldChg chg="addSp delSp modSp del mod">
+        <pc:chgData name="Marsha Cole" userId="549ffbcad8f6772d" providerId="LiveId" clId="{3E559D2E-A028-4802-90C4-9CD664645BF2}" dt="2024-02-13T03:19:51.470" v="1157" actId="2696"/>
         <pc:sldMkLst>
           <pc:docMk/>
           <pc:sldMk cId="3108928043" sldId="270"/>
         </pc:sldMkLst>
-        <pc:spChg chg="mod">
-          <ac:chgData name="Marsha Cole" userId="549ffbcad8f6772d" providerId="LiveId" clId="{3E559D2E-A028-4802-90C4-9CD664645BF2}" dt="2024-02-13T02:14:39.839" v="830" actId="1076"/>
+        <pc:spChg chg="del mod">
+          <ac:chgData name="Marsha Cole" userId="549ffbcad8f6772d" providerId="LiveId" clId="{3E559D2E-A028-4802-90C4-9CD664645BF2}" dt="2024-02-13T03:19:38.627" v="1154" actId="21"/>
           <ac:spMkLst>
             <pc:docMk/>
             <pc:sldMk cId="3108928043" sldId="270"/>
@@ -581,6 +598,14 @@
             <ac:spMk id="3" creationId="{9C9F7A8E-6308-6869-9BFC-5F66D282E48F}"/>
           </ac:spMkLst>
         </pc:spChg>
+        <pc:spChg chg="add mod">
+          <ac:chgData name="Marsha Cole" userId="549ffbcad8f6772d" providerId="LiveId" clId="{3E559D2E-A028-4802-90C4-9CD664645BF2}" dt="2024-02-13T03:19:38.627" v="1154" actId="21"/>
+          <ac:spMkLst>
+            <pc:docMk/>
+            <pc:sldMk cId="3108928043" sldId="270"/>
+            <ac:spMk id="6" creationId="{FC8E662C-1EEB-8129-E569-DB3EB0D60F25}"/>
+          </ac:spMkLst>
+        </pc:spChg>
         <pc:picChg chg="add mod">
           <ac:chgData name="Marsha Cole" userId="549ffbcad8f6772d" providerId="LiveId" clId="{3E559D2E-A028-4802-90C4-9CD664645BF2}" dt="2024-02-13T02:19:53.305" v="892" actId="1076"/>
           <ac:picMkLst>
@@ -590,14 +615,14 @@
           </ac:picMkLst>
         </pc:picChg>
       </pc:sldChg>
-      <pc:sldChg chg="modSp mod">
-        <pc:chgData name="Marsha Cole" userId="549ffbcad8f6772d" providerId="LiveId" clId="{3E559D2E-A028-4802-90C4-9CD664645BF2}" dt="2024-02-13T02:34:08.607" v="1016" actId="207"/>
+      <pc:sldChg chg="addSp modSp mod">
+        <pc:chgData name="Marsha Cole" userId="549ffbcad8f6772d" providerId="LiveId" clId="{3E559D2E-A028-4802-90C4-9CD664645BF2}" dt="2024-02-14T04:33:03.463" v="2491" actId="20577"/>
         <pc:sldMkLst>
           <pc:docMk/>
           <pc:sldMk cId="1268331661" sldId="271"/>
         </pc:sldMkLst>
         <pc:spChg chg="mod">
-          <ac:chgData name="Marsha Cole" userId="549ffbcad8f6772d" providerId="LiveId" clId="{3E559D2E-A028-4802-90C4-9CD664645BF2}" dt="2024-02-13T02:34:08.607" v="1016" actId="207"/>
+          <ac:chgData name="Marsha Cole" userId="549ffbcad8f6772d" providerId="LiveId" clId="{3E559D2E-A028-4802-90C4-9CD664645BF2}" dt="2024-02-13T21:00:48.517" v="1899" actId="1076"/>
           <ac:spMkLst>
             <pc:docMk/>
             <pc:sldMk cId="1268331661" sldId="271"/>
@@ -605,22 +630,38 @@
           </ac:spMkLst>
         </pc:spChg>
         <pc:spChg chg="mod">
-          <ac:chgData name="Marsha Cole" userId="549ffbcad8f6772d" providerId="LiveId" clId="{3E559D2E-A028-4802-90C4-9CD664645BF2}" dt="2024-02-13T02:14:15.795" v="822" actId="20577"/>
+          <ac:chgData name="Marsha Cole" userId="549ffbcad8f6772d" providerId="LiveId" clId="{3E559D2E-A028-4802-90C4-9CD664645BF2}" dt="2024-02-14T04:31:18.576" v="2475" actId="20577"/>
           <ac:spMkLst>
             <pc:docMk/>
             <pc:sldMk cId="1268331661" sldId="271"/>
             <ac:spMk id="3" creationId="{EF183D15-C275-341A-3611-DAD2CBB2B12A}"/>
           </ac:spMkLst>
         </pc:spChg>
+        <pc:spChg chg="add mod">
+          <ac:chgData name="Marsha Cole" userId="549ffbcad8f6772d" providerId="LiveId" clId="{3E559D2E-A028-4802-90C4-9CD664645BF2}" dt="2024-02-14T04:33:03.463" v="2491" actId="20577"/>
+          <ac:spMkLst>
+            <pc:docMk/>
+            <pc:sldMk cId="1268331661" sldId="271"/>
+            <ac:spMk id="4" creationId="{2F28EB8A-816E-8446-71A0-3296DAE97884}"/>
+          </ac:spMkLst>
+        </pc:spChg>
+        <pc:spChg chg="add mod">
+          <ac:chgData name="Marsha Cole" userId="549ffbcad8f6772d" providerId="LiveId" clId="{3E559D2E-A028-4802-90C4-9CD664645BF2}" dt="2024-02-13T21:00:56.530" v="1901" actId="14100"/>
+          <ac:spMkLst>
+            <pc:docMk/>
+            <pc:sldMk cId="1268331661" sldId="271"/>
+            <ac:spMk id="5" creationId="{4C90C864-036D-F730-3895-6FA88EC9F781}"/>
+          </ac:spMkLst>
+        </pc:spChg>
       </pc:sldChg>
       <pc:sldChg chg="modSp mod">
-        <pc:chgData name="Marsha Cole" userId="549ffbcad8f6772d" providerId="LiveId" clId="{3E559D2E-A028-4802-90C4-9CD664645BF2}" dt="2024-02-13T02:09:59.215" v="774" actId="14100"/>
+        <pc:chgData name="Marsha Cole" userId="549ffbcad8f6772d" providerId="LiveId" clId="{3E559D2E-A028-4802-90C4-9CD664645BF2}" dt="2024-02-14T04:46:18.939" v="2534" actId="1035"/>
         <pc:sldMkLst>
           <pc:docMk/>
           <pc:sldMk cId="1200574377" sldId="272"/>
         </pc:sldMkLst>
         <pc:spChg chg="mod">
-          <ac:chgData name="Marsha Cole" userId="549ffbcad8f6772d" providerId="LiveId" clId="{3E559D2E-A028-4802-90C4-9CD664645BF2}" dt="2024-02-13T02:09:36.081" v="769" actId="207"/>
+          <ac:chgData name="Marsha Cole" userId="549ffbcad8f6772d" providerId="LiveId" clId="{3E559D2E-A028-4802-90C4-9CD664645BF2}" dt="2024-02-14T04:46:18.939" v="2534" actId="1035"/>
           <ac:spMkLst>
             <pc:docMk/>
             <pc:sldMk cId="1200574377" sldId="272"/>
@@ -628,7 +669,7 @@
           </ac:spMkLst>
         </pc:spChg>
         <pc:spChg chg="mod">
-          <ac:chgData name="Marsha Cole" userId="549ffbcad8f6772d" providerId="LiveId" clId="{3E559D2E-A028-4802-90C4-9CD664645BF2}" dt="2024-02-13T02:09:59.215" v="774" actId="14100"/>
+          <ac:chgData name="Marsha Cole" userId="549ffbcad8f6772d" providerId="LiveId" clId="{3E559D2E-A028-4802-90C4-9CD664645BF2}" dt="2024-02-14T04:46:15.009" v="2532" actId="1076"/>
           <ac:spMkLst>
             <pc:docMk/>
             <pc:sldMk cId="1200574377" sldId="272"/>
@@ -637,13 +678,13 @@
         </pc:spChg>
       </pc:sldChg>
       <pc:sldChg chg="modSp mod">
-        <pc:chgData name="Marsha Cole" userId="549ffbcad8f6772d" providerId="LiveId" clId="{3E559D2E-A028-4802-90C4-9CD664645BF2}" dt="2024-02-13T02:33:54.887" v="1015" actId="207"/>
+        <pc:chgData name="Marsha Cole" userId="549ffbcad8f6772d" providerId="LiveId" clId="{3E559D2E-A028-4802-90C4-9CD664645BF2}" dt="2024-02-14T04:48:55.672" v="2560" actId="1076"/>
         <pc:sldMkLst>
           <pc:docMk/>
           <pc:sldMk cId="788707490" sldId="273"/>
         </pc:sldMkLst>
         <pc:spChg chg="mod">
-          <ac:chgData name="Marsha Cole" userId="549ffbcad8f6772d" providerId="LiveId" clId="{3E559D2E-A028-4802-90C4-9CD664645BF2}" dt="2024-02-13T02:33:19.742" v="1006" actId="14100"/>
+          <ac:chgData name="Marsha Cole" userId="549ffbcad8f6772d" providerId="LiveId" clId="{3E559D2E-A028-4802-90C4-9CD664645BF2}" dt="2024-02-14T04:48:55.672" v="2560" actId="1076"/>
           <ac:spMkLst>
             <pc:docMk/>
             <pc:sldMk cId="788707490" sldId="273"/>
@@ -651,7 +692,7 @@
           </ac:spMkLst>
         </pc:spChg>
         <pc:spChg chg="mod">
-          <ac:chgData name="Marsha Cole" userId="549ffbcad8f6772d" providerId="LiveId" clId="{3E559D2E-A028-4802-90C4-9CD664645BF2}" dt="2024-02-13T02:33:54.887" v="1015" actId="207"/>
+          <ac:chgData name="Marsha Cole" userId="549ffbcad8f6772d" providerId="LiveId" clId="{3E559D2E-A028-4802-90C4-9CD664645BF2}" dt="2024-02-14T04:35:00.127" v="2499" actId="20577"/>
           <ac:spMkLst>
             <pc:docMk/>
             <pc:sldMk cId="788707490" sldId="273"/>
@@ -759,6 +800,526 @@
 </pc:chgInfo>
 </file>
 
+<file path=ppt/notesMasters/notesMaster1.xml><?xml version="1.0" encoding="utf-8"?>
+<p:notesMaster xmlns:a="http://schemas.openxmlformats.org/drawingml/2006/main" xmlns:r="http://schemas.openxmlformats.org/officeDocument/2006/relationships" xmlns:p="http://schemas.openxmlformats.org/presentationml/2006/main">
+  <p:cSld>
+    <p:bg>
+      <p:bgRef idx="1001">
+        <a:schemeClr val="bg1"/>
+      </p:bgRef>
+    </p:bg>
+    <p:spTree>
+      <p:nvGrpSpPr>
+        <p:cNvPr id="1" name=""/>
+        <p:cNvGrpSpPr/>
+        <p:nvPr/>
+      </p:nvGrpSpPr>
+      <p:grpSpPr>
+        <a:xfrm>
+          <a:off x="0" y="0"/>
+          <a:ext cx="0" cy="0"/>
+          <a:chOff x="0" y="0"/>
+          <a:chExt cx="0" cy="0"/>
+        </a:xfrm>
+      </p:grpSpPr>
+      <p:sp>
+        <p:nvSpPr>
+          <p:cNvPr id="2" name="Header Placeholder 1"/>
+          <p:cNvSpPr>
+            <a:spLocks noGrp="1"/>
+          </p:cNvSpPr>
+          <p:nvPr>
+            <p:ph type="hdr" sz="quarter"/>
+          </p:nvPr>
+        </p:nvSpPr>
+        <p:spPr>
+          <a:xfrm>
+            <a:off x="0" y="0"/>
+            <a:ext cx="2971800" cy="458788"/>
+          </a:xfrm>
+          <a:prstGeom prst="rect">
+            <a:avLst/>
+          </a:prstGeom>
+        </p:spPr>
+        <p:txBody>
+          <a:bodyPr vert="horz" lIns="91440" tIns="45720" rIns="91440" bIns="45720" rtlCol="0"/>
+          <a:lstStyle>
+            <a:lvl1pPr algn="l">
+              <a:defRPr sz="1200"/>
+            </a:lvl1pPr>
+          </a:lstStyle>
+          <a:p>
+            <a:endParaRPr lang="en-US"/>
+          </a:p>
+        </p:txBody>
+      </p:sp>
+      <p:sp>
+        <p:nvSpPr>
+          <p:cNvPr id="3" name="Date Placeholder 2"/>
+          <p:cNvSpPr>
+            <a:spLocks noGrp="1"/>
+          </p:cNvSpPr>
+          <p:nvPr>
+            <p:ph type="dt" idx="1"/>
+          </p:nvPr>
+        </p:nvSpPr>
+        <p:spPr>
+          <a:xfrm>
+            <a:off x="3884613" y="0"/>
+            <a:ext cx="2971800" cy="458788"/>
+          </a:xfrm>
+          <a:prstGeom prst="rect">
+            <a:avLst/>
+          </a:prstGeom>
+        </p:spPr>
+        <p:txBody>
+          <a:bodyPr vert="horz" lIns="91440" tIns="45720" rIns="91440" bIns="45720" rtlCol="0"/>
+          <a:lstStyle>
+            <a:lvl1pPr algn="r">
+              <a:defRPr sz="1200"/>
+            </a:lvl1pPr>
+          </a:lstStyle>
+          <a:p>
+            <a:fld id="{064B0D10-3400-4670-A253-40263541A0B0}" type="datetimeFigureOut">
+              <a:rPr lang="en-US" smtClean="0"/>
+              <a:t>2/13/2024</a:t>
+            </a:fld>
+            <a:endParaRPr lang="en-US"/>
+          </a:p>
+        </p:txBody>
+      </p:sp>
+      <p:sp>
+        <p:nvSpPr>
+          <p:cNvPr id="4" name="Slide Image Placeholder 3"/>
+          <p:cNvSpPr>
+            <a:spLocks noGrp="1" noRot="1" noChangeAspect="1"/>
+          </p:cNvSpPr>
+          <p:nvPr>
+            <p:ph type="sldImg" idx="2"/>
+          </p:nvPr>
+        </p:nvSpPr>
+        <p:spPr>
+          <a:xfrm>
+            <a:off x="685800" y="1143000"/>
+            <a:ext cx="5486400" cy="3086100"/>
+          </a:xfrm>
+          <a:prstGeom prst="rect">
+            <a:avLst/>
+          </a:prstGeom>
+          <a:noFill/>
+          <a:ln w="12700">
+            <a:solidFill>
+              <a:prstClr val="black"/>
+            </a:solidFill>
+          </a:ln>
+        </p:spPr>
+        <p:txBody>
+          <a:bodyPr vert="horz" lIns="91440" tIns="45720" rIns="91440" bIns="45720" rtlCol="0" anchor="ctr"/>
+          <a:lstStyle/>
+          <a:p>
+            <a:endParaRPr lang="en-US"/>
+          </a:p>
+        </p:txBody>
+      </p:sp>
+      <p:sp>
+        <p:nvSpPr>
+          <p:cNvPr id="5" name="Notes Placeholder 4"/>
+          <p:cNvSpPr>
+            <a:spLocks noGrp="1"/>
+          </p:cNvSpPr>
+          <p:nvPr>
+            <p:ph type="body" sz="quarter" idx="3"/>
+          </p:nvPr>
+        </p:nvSpPr>
+        <p:spPr>
+          <a:xfrm>
+            <a:off x="685800" y="4400550"/>
+            <a:ext cx="5486400" cy="3600450"/>
+          </a:xfrm>
+          <a:prstGeom prst="rect">
+            <a:avLst/>
+          </a:prstGeom>
+        </p:spPr>
+        <p:txBody>
+          <a:bodyPr vert="horz" lIns="91440" tIns="45720" rIns="91440" bIns="45720" rtlCol="0"/>
+          <a:lstStyle/>
+          <a:p>
+            <a:pPr lvl="0"/>
+            <a:r>
+              <a:rPr lang="en-US"/>
+              <a:t>Click to edit Master text styles</a:t>
+            </a:r>
+          </a:p>
+          <a:p>
+            <a:pPr lvl="1"/>
+            <a:r>
+              <a:rPr lang="en-US"/>
+              <a:t>Second level</a:t>
+            </a:r>
+          </a:p>
+          <a:p>
+            <a:pPr lvl="2"/>
+            <a:r>
+              <a:rPr lang="en-US"/>
+              <a:t>Third level</a:t>
+            </a:r>
+          </a:p>
+          <a:p>
+            <a:pPr lvl="3"/>
+            <a:r>
+              <a:rPr lang="en-US"/>
+              <a:t>Fourth level</a:t>
+            </a:r>
+          </a:p>
+          <a:p>
+            <a:pPr lvl="4"/>
+            <a:r>
+              <a:rPr lang="en-US"/>
+              <a:t>Fifth level</a:t>
+            </a:r>
+          </a:p>
+        </p:txBody>
+      </p:sp>
+      <p:sp>
+        <p:nvSpPr>
+          <p:cNvPr id="6" name="Footer Placeholder 5"/>
+          <p:cNvSpPr>
+            <a:spLocks noGrp="1"/>
+          </p:cNvSpPr>
+          <p:nvPr>
+            <p:ph type="ftr" sz="quarter" idx="4"/>
+          </p:nvPr>
+        </p:nvSpPr>
+        <p:spPr>
+          <a:xfrm>
+            <a:off x="0" y="8685213"/>
+            <a:ext cx="2971800" cy="458787"/>
+          </a:xfrm>
+          <a:prstGeom prst="rect">
+            <a:avLst/>
+          </a:prstGeom>
+        </p:spPr>
+        <p:txBody>
+          <a:bodyPr vert="horz" lIns="91440" tIns="45720" rIns="91440" bIns="45720" rtlCol="0" anchor="b"/>
+          <a:lstStyle>
+            <a:lvl1pPr algn="l">
+              <a:defRPr sz="1200"/>
+            </a:lvl1pPr>
+          </a:lstStyle>
+          <a:p>
+            <a:endParaRPr lang="en-US"/>
+          </a:p>
+        </p:txBody>
+      </p:sp>
+      <p:sp>
+        <p:nvSpPr>
+          <p:cNvPr id="7" name="Slide Number Placeholder 6"/>
+          <p:cNvSpPr>
+            <a:spLocks noGrp="1"/>
+          </p:cNvSpPr>
+          <p:nvPr>
+            <p:ph type="sldNum" sz="quarter" idx="5"/>
+          </p:nvPr>
+        </p:nvSpPr>
+        <p:spPr>
+          <a:xfrm>
+            <a:off x="3884613" y="8685213"/>
+            <a:ext cx="2971800" cy="458787"/>
+          </a:xfrm>
+          <a:prstGeom prst="rect">
+            <a:avLst/>
+          </a:prstGeom>
+        </p:spPr>
+        <p:txBody>
+          <a:bodyPr vert="horz" lIns="91440" tIns="45720" rIns="91440" bIns="45720" rtlCol="0" anchor="b"/>
+          <a:lstStyle>
+            <a:lvl1pPr algn="r">
+              <a:defRPr sz="1200"/>
+            </a:lvl1pPr>
+          </a:lstStyle>
+          <a:p>
+            <a:fld id="{7CB6B2CA-9F2E-4164-A3E8-45CB15A3CE00}" type="slidenum">
+              <a:rPr lang="en-US" smtClean="0"/>
+              <a:t>‹#›</a:t>
+            </a:fld>
+            <a:endParaRPr lang="en-US"/>
+          </a:p>
+        </p:txBody>
+      </p:sp>
+    </p:spTree>
+    <p:extLst>
+      <p:ext uri="{BB962C8B-B14F-4D97-AF65-F5344CB8AC3E}">
+        <p14:creationId xmlns:p14="http://schemas.microsoft.com/office/powerpoint/2010/main" val="3669107003"/>
+      </p:ext>
+    </p:extLst>
+  </p:cSld>
+  <p:clrMap bg1="lt1" tx1="dk1" bg2="lt2" tx2="dk2" accent1="accent1" accent2="accent2" accent3="accent3" accent4="accent4" accent5="accent5" accent6="accent6" hlink="hlink" folHlink="folHlink"/>
+  <p:notesStyle>
+    <a:lvl1pPr marL="0" algn="l" defTabSz="914400" rtl="0" eaLnBrk="1" latinLnBrk="0" hangingPunct="1">
+      <a:defRPr sz="1200" kern="1200">
+        <a:solidFill>
+          <a:schemeClr val="tx1"/>
+        </a:solidFill>
+        <a:latin typeface="+mn-lt"/>
+        <a:ea typeface="+mn-ea"/>
+        <a:cs typeface="+mn-cs"/>
+      </a:defRPr>
+    </a:lvl1pPr>
+    <a:lvl2pPr marL="457200" algn="l" defTabSz="914400" rtl="0" eaLnBrk="1" latinLnBrk="0" hangingPunct="1">
+      <a:defRPr sz="1200" kern="1200">
+        <a:solidFill>
+          <a:schemeClr val="tx1"/>
+        </a:solidFill>
+        <a:latin typeface="+mn-lt"/>
+        <a:ea typeface="+mn-ea"/>
+        <a:cs typeface="+mn-cs"/>
+      </a:defRPr>
+    </a:lvl2pPr>
+    <a:lvl3pPr marL="914400" algn="l" defTabSz="914400" rtl="0" eaLnBrk="1" latinLnBrk="0" hangingPunct="1">
+      <a:defRPr sz="1200" kern="1200">
+        <a:solidFill>
+          <a:schemeClr val="tx1"/>
+        </a:solidFill>
+        <a:latin typeface="+mn-lt"/>
+        <a:ea typeface="+mn-ea"/>
+        <a:cs typeface="+mn-cs"/>
+      </a:defRPr>
+    </a:lvl3pPr>
+    <a:lvl4pPr marL="1371600" algn="l" defTabSz="914400" rtl="0" eaLnBrk="1" latinLnBrk="0" hangingPunct="1">
+      <a:defRPr sz="1200" kern="1200">
+        <a:solidFill>
+          <a:schemeClr val="tx1"/>
+        </a:solidFill>
+        <a:latin typeface="+mn-lt"/>
+        <a:ea typeface="+mn-ea"/>
+        <a:cs typeface="+mn-cs"/>
+      </a:defRPr>
+    </a:lvl4pPr>
+    <a:lvl5pPr marL="1828800" algn="l" defTabSz="914400" rtl="0" eaLnBrk="1" latinLnBrk="0" hangingPunct="1">
+      <a:defRPr sz="1200" kern="1200">
+        <a:solidFill>
+          <a:schemeClr val="tx1"/>
+        </a:solidFill>
+        <a:latin typeface="+mn-lt"/>
+        <a:ea typeface="+mn-ea"/>
+        <a:cs typeface="+mn-cs"/>
+      </a:defRPr>
+    </a:lvl5pPr>
+    <a:lvl6pPr marL="2286000" algn="l" defTabSz="914400" rtl="0" eaLnBrk="1" latinLnBrk="0" hangingPunct="1">
+      <a:defRPr sz="1200" kern="1200">
+        <a:solidFill>
+          <a:schemeClr val="tx1"/>
+        </a:solidFill>
+        <a:latin typeface="+mn-lt"/>
+        <a:ea typeface="+mn-ea"/>
+        <a:cs typeface="+mn-cs"/>
+      </a:defRPr>
+    </a:lvl6pPr>
+    <a:lvl7pPr marL="2743200" algn="l" defTabSz="914400" rtl="0" eaLnBrk="1" latinLnBrk="0" hangingPunct="1">
+      <a:defRPr sz="1200" kern="1200">
+        <a:solidFill>
+          <a:schemeClr val="tx1"/>
+        </a:solidFill>
+        <a:latin typeface="+mn-lt"/>
+        <a:ea typeface="+mn-ea"/>
+        <a:cs typeface="+mn-cs"/>
+      </a:defRPr>
+    </a:lvl7pPr>
+    <a:lvl8pPr marL="3200400" algn="l" defTabSz="914400" rtl="0" eaLnBrk="1" latinLnBrk="0" hangingPunct="1">
+      <a:defRPr sz="1200" kern="1200">
+        <a:solidFill>
+          <a:schemeClr val="tx1"/>
+        </a:solidFill>
+        <a:latin typeface="+mn-lt"/>
+        <a:ea typeface="+mn-ea"/>
+        <a:cs typeface="+mn-cs"/>
+      </a:defRPr>
+    </a:lvl8pPr>
+    <a:lvl9pPr marL="3657600" algn="l" defTabSz="914400" rtl="0" eaLnBrk="1" latinLnBrk="0" hangingPunct="1">
+      <a:defRPr sz="1200" kern="1200">
+        <a:solidFill>
+          <a:schemeClr val="tx1"/>
+        </a:solidFill>
+        <a:latin typeface="+mn-lt"/>
+        <a:ea typeface="+mn-ea"/>
+        <a:cs typeface="+mn-cs"/>
+      </a:defRPr>
+    </a:lvl9pPr>
+  </p:notesStyle>
+</p:notesMaster>
+</file>
+
+<file path=ppt/notesSlides/notesSlide1.xml><?xml version="1.0" encoding="utf-8"?>
+<p:notes xmlns:a="http://schemas.openxmlformats.org/drawingml/2006/main" xmlns:r="http://schemas.openxmlformats.org/officeDocument/2006/relationships" xmlns:p="http://schemas.openxmlformats.org/presentationml/2006/main">
+  <p:cSld>
+    <p:spTree>
+      <p:nvGrpSpPr>
+        <p:cNvPr id="1" name=""/>
+        <p:cNvGrpSpPr/>
+        <p:nvPr/>
+      </p:nvGrpSpPr>
+      <p:grpSpPr>
+        <a:xfrm>
+          <a:off x="0" y="0"/>
+          <a:ext cx="0" cy="0"/>
+          <a:chOff x="0" y="0"/>
+          <a:chExt cx="0" cy="0"/>
+        </a:xfrm>
+      </p:grpSpPr>
+      <p:sp>
+        <p:nvSpPr>
+          <p:cNvPr id="2" name="Slide Image Placeholder 1"/>
+          <p:cNvSpPr>
+            <a:spLocks noGrp="1" noRot="1" noChangeAspect="1"/>
+          </p:cNvSpPr>
+          <p:nvPr>
+            <p:ph type="sldImg"/>
+          </p:nvPr>
+        </p:nvSpPr>
+        <p:spPr/>
+      </p:sp>
+      <p:sp>
+        <p:nvSpPr>
+          <p:cNvPr id="3" name="Notes Placeholder 2"/>
+          <p:cNvSpPr>
+            <a:spLocks noGrp="1"/>
+          </p:cNvSpPr>
+          <p:nvPr>
+            <p:ph type="body" idx="1"/>
+          </p:nvPr>
+        </p:nvSpPr>
+        <p:spPr/>
+        <p:txBody>
+          <a:bodyPr/>
+          <a:lstStyle/>
+          <a:p>
+            <a:endParaRPr lang="en-US" dirty="0"/>
+          </a:p>
+        </p:txBody>
+      </p:sp>
+      <p:sp>
+        <p:nvSpPr>
+          <p:cNvPr id="4" name="Slide Number Placeholder 3"/>
+          <p:cNvSpPr>
+            <a:spLocks noGrp="1"/>
+          </p:cNvSpPr>
+          <p:nvPr>
+            <p:ph type="sldNum" sz="quarter" idx="5"/>
+          </p:nvPr>
+        </p:nvSpPr>
+        <p:spPr/>
+        <p:txBody>
+          <a:bodyPr/>
+          <a:lstStyle/>
+          <a:p>
+            <a:fld id="{7CB6B2CA-9F2E-4164-A3E8-45CB15A3CE00}" type="slidenum">
+              <a:rPr lang="en-US" smtClean="0"/>
+              <a:t>2</a:t>
+            </a:fld>
+            <a:endParaRPr lang="en-US"/>
+          </a:p>
+        </p:txBody>
+      </p:sp>
+    </p:spTree>
+    <p:extLst>
+      <p:ext uri="{BB962C8B-B14F-4D97-AF65-F5344CB8AC3E}">
+        <p14:creationId xmlns:p14="http://schemas.microsoft.com/office/powerpoint/2010/main" val="3985516334"/>
+      </p:ext>
+    </p:extLst>
+  </p:cSld>
+  <p:clrMapOvr>
+    <a:masterClrMapping/>
+  </p:clrMapOvr>
+</p:notes>
+</file>
+
+<file path=ppt/notesSlides/notesSlide2.xml><?xml version="1.0" encoding="utf-8"?>
+<p:notes xmlns:a="http://schemas.openxmlformats.org/drawingml/2006/main" xmlns:r="http://schemas.openxmlformats.org/officeDocument/2006/relationships" xmlns:p="http://schemas.openxmlformats.org/presentationml/2006/main">
+  <p:cSld>
+    <p:spTree>
+      <p:nvGrpSpPr>
+        <p:cNvPr id="1" name=""/>
+        <p:cNvGrpSpPr/>
+        <p:nvPr/>
+      </p:nvGrpSpPr>
+      <p:grpSpPr>
+        <a:xfrm>
+          <a:off x="0" y="0"/>
+          <a:ext cx="0" cy="0"/>
+          <a:chOff x="0" y="0"/>
+          <a:chExt cx="0" cy="0"/>
+        </a:xfrm>
+      </p:grpSpPr>
+      <p:sp>
+        <p:nvSpPr>
+          <p:cNvPr id="2" name="Slide Image Placeholder 1"/>
+          <p:cNvSpPr>
+            <a:spLocks noGrp="1" noRot="1" noChangeAspect="1"/>
+          </p:cNvSpPr>
+          <p:nvPr>
+            <p:ph type="sldImg"/>
+          </p:nvPr>
+        </p:nvSpPr>
+        <p:spPr/>
+      </p:sp>
+      <p:sp>
+        <p:nvSpPr>
+          <p:cNvPr id="3" name="Notes Placeholder 2"/>
+          <p:cNvSpPr>
+            <a:spLocks noGrp="1"/>
+          </p:cNvSpPr>
+          <p:nvPr>
+            <p:ph type="body" idx="1"/>
+          </p:nvPr>
+        </p:nvSpPr>
+        <p:spPr/>
+        <p:txBody>
+          <a:bodyPr/>
+          <a:lstStyle/>
+          <a:p>
+            <a:r>
+              <a:rPr lang="en-US" dirty="0"/>
+              <a:t>Hemoglobin A1C or HbA1c test—is a simple blood test that measures your average blood sugar levels over the past 3 months.</a:t>
+            </a:r>
+          </a:p>
+        </p:txBody>
+      </p:sp>
+      <p:sp>
+        <p:nvSpPr>
+          <p:cNvPr id="4" name="Slide Number Placeholder 3"/>
+          <p:cNvSpPr>
+            <a:spLocks noGrp="1"/>
+          </p:cNvSpPr>
+          <p:nvPr>
+            <p:ph type="sldNum" sz="quarter" idx="5"/>
+          </p:nvPr>
+        </p:nvSpPr>
+        <p:spPr/>
+        <p:txBody>
+          <a:bodyPr/>
+          <a:lstStyle/>
+          <a:p>
+            <a:fld id="{7CB6B2CA-9F2E-4164-A3E8-45CB15A3CE00}" type="slidenum">
+              <a:rPr lang="en-US" smtClean="0"/>
+              <a:t>3</a:t>
+            </a:fld>
+            <a:endParaRPr lang="en-US"/>
+          </a:p>
+        </p:txBody>
+      </p:sp>
+    </p:spTree>
+    <p:extLst>
+      <p:ext uri="{BB962C8B-B14F-4D97-AF65-F5344CB8AC3E}">
+        <p14:creationId xmlns:p14="http://schemas.microsoft.com/office/powerpoint/2010/main" val="637245352"/>
+      </p:ext>
+    </p:extLst>
+  </p:cSld>
+  <p:clrMapOvr>
+    <a:masterClrMapping/>
+  </p:clrMapOvr>
+</p:notes>
+</file>
+
 <file path=ppt/slideLayouts/slideLayout1.xml><?xml version="1.0" encoding="utf-8"?>
 <p:sldLayout xmlns:a="http://schemas.openxmlformats.org/drawingml/2006/main" xmlns:r="http://schemas.openxmlformats.org/officeDocument/2006/relationships" xmlns:p="http://schemas.openxmlformats.org/presentationml/2006/main" type="title" preserve="1">
   <p:cSld name="Title Slide">
@@ -955,9 +1516,9 @@
           <a:p>
             <a:fld id="{0B654851-5A1B-4C41-9DD7-365FC1C1E8B7}" type="datetimeFigureOut">
               <a:rPr lang="en-US" smtClean="0"/>
-              <a:t>2/12/2024</a:t>
+              <a:t>2/13/2024</a:t>
             </a:fld>
-            <a:endParaRPr lang="en-US"/>
+            <a:endParaRPr lang="en-US" dirty="0"/>
           </a:p>
         </p:txBody>
       </p:sp>
@@ -984,7 +1545,7 @@
             </a:lvl1pPr>
           </a:lstStyle>
           <a:p>
-            <a:endParaRPr lang="en-US"/>
+            <a:endParaRPr lang="en-US" dirty="0"/>
           </a:p>
         </p:txBody>
       </p:sp>
@@ -1015,7 +1576,7 @@
               <a:rPr lang="en-US" smtClean="0"/>
               <a:t>‹#›</a:t>
             </a:fld>
-            <a:endParaRPr lang="en-US"/>
+            <a:endParaRPr lang="en-US" dirty="0"/>
           </a:p>
         </p:txBody>
       </p:sp>
@@ -1176,9 +1737,9 @@
           <a:p>
             <a:fld id="{0B654851-5A1B-4C41-9DD7-365FC1C1E8B7}" type="datetimeFigureOut">
               <a:rPr lang="en-US" smtClean="0"/>
-              <a:t>2/12/2024</a:t>
+              <a:t>2/13/2024</a:t>
             </a:fld>
-            <a:endParaRPr lang="en-US"/>
+            <a:endParaRPr lang="en-US" dirty="0"/>
           </a:p>
         </p:txBody>
       </p:sp>
@@ -1197,7 +1758,7 @@
           <a:bodyPr/>
           <a:lstStyle/>
           <a:p>
-            <a:endParaRPr lang="en-US"/>
+            <a:endParaRPr lang="en-US" dirty="0"/>
           </a:p>
         </p:txBody>
       </p:sp>
@@ -1220,7 +1781,7 @@
               <a:rPr lang="en-US" smtClean="0"/>
               <a:t>‹#›</a:t>
             </a:fld>
-            <a:endParaRPr lang="en-US"/>
+            <a:endParaRPr lang="en-US" dirty="0"/>
           </a:p>
         </p:txBody>
       </p:sp>
@@ -1356,9 +1917,9 @@
           <a:p>
             <a:fld id="{0B654851-5A1B-4C41-9DD7-365FC1C1E8B7}" type="datetimeFigureOut">
               <a:rPr lang="en-US" smtClean="0"/>
-              <a:t>2/12/2024</a:t>
+              <a:t>2/13/2024</a:t>
             </a:fld>
-            <a:endParaRPr lang="en-US"/>
+            <a:endParaRPr lang="en-US" dirty="0"/>
           </a:p>
         </p:txBody>
       </p:sp>
@@ -1377,7 +1938,7 @@
           <a:bodyPr/>
           <a:lstStyle/>
           <a:p>
-            <a:endParaRPr lang="en-US"/>
+            <a:endParaRPr lang="en-US" dirty="0"/>
           </a:p>
         </p:txBody>
       </p:sp>
@@ -1400,7 +1961,7 @@
               <a:rPr lang="en-US" smtClean="0"/>
               <a:t>‹#›</a:t>
             </a:fld>
-            <a:endParaRPr lang="en-US"/>
+            <a:endParaRPr lang="en-US" dirty="0"/>
           </a:p>
         </p:txBody>
       </p:sp>
@@ -1526,9 +2087,9 @@
           <a:p>
             <a:fld id="{0B654851-5A1B-4C41-9DD7-365FC1C1E8B7}" type="datetimeFigureOut">
               <a:rPr lang="en-US" smtClean="0"/>
-              <a:t>2/12/2024</a:t>
+              <a:t>2/13/2024</a:t>
             </a:fld>
-            <a:endParaRPr lang="en-US"/>
+            <a:endParaRPr lang="en-US" dirty="0"/>
           </a:p>
         </p:txBody>
       </p:sp>
@@ -1547,7 +2108,7 @@
           <a:bodyPr/>
           <a:lstStyle/>
           <a:p>
-            <a:endParaRPr lang="en-US"/>
+            <a:endParaRPr lang="en-US" dirty="0"/>
           </a:p>
         </p:txBody>
       </p:sp>
@@ -1570,7 +2131,7 @@
               <a:rPr lang="en-US" smtClean="0"/>
               <a:t>‹#›</a:t>
             </a:fld>
-            <a:endParaRPr lang="en-US"/>
+            <a:endParaRPr lang="en-US" dirty="0"/>
           </a:p>
         </p:txBody>
       </p:sp>
@@ -1777,9 +2338,9 @@
           <a:p>
             <a:fld id="{0B654851-5A1B-4C41-9DD7-365FC1C1E8B7}" type="datetimeFigureOut">
               <a:rPr lang="en-US" smtClean="0"/>
-              <a:t>2/12/2024</a:t>
+              <a:t>2/13/2024</a:t>
             </a:fld>
-            <a:endParaRPr lang="en-US"/>
+            <a:endParaRPr lang="en-US" dirty="0"/>
           </a:p>
         </p:txBody>
       </p:sp>
@@ -1798,7 +2359,7 @@
           <a:bodyPr/>
           <a:lstStyle/>
           <a:p>
-            <a:endParaRPr lang="en-US"/>
+            <a:endParaRPr lang="en-US" dirty="0"/>
           </a:p>
         </p:txBody>
       </p:sp>
@@ -1821,7 +2382,7 @@
               <a:rPr lang="en-US" smtClean="0"/>
               <a:t>‹#›</a:t>
             </a:fld>
-            <a:endParaRPr lang="en-US"/>
+            <a:endParaRPr lang="en-US" dirty="0"/>
           </a:p>
         </p:txBody>
       </p:sp>
@@ -2100,9 +2661,9 @@
           <a:p>
             <a:fld id="{0B654851-5A1B-4C41-9DD7-365FC1C1E8B7}" type="datetimeFigureOut">
               <a:rPr lang="en-US" smtClean="0"/>
-              <a:t>2/12/2024</a:t>
+              <a:t>2/13/2024</a:t>
             </a:fld>
-            <a:endParaRPr lang="en-US"/>
+            <a:endParaRPr lang="en-US" dirty="0"/>
           </a:p>
         </p:txBody>
       </p:sp>
@@ -2121,7 +2682,7 @@
           <a:bodyPr/>
           <a:lstStyle/>
           <a:p>
-            <a:endParaRPr lang="en-US"/>
+            <a:endParaRPr lang="en-US" dirty="0"/>
           </a:p>
         </p:txBody>
       </p:sp>
@@ -2144,7 +2705,7 @@
               <a:rPr lang="en-US" smtClean="0"/>
               <a:t>‹#›</a:t>
             </a:fld>
-            <a:endParaRPr lang="en-US"/>
+            <a:endParaRPr lang="en-US" dirty="0"/>
           </a:p>
         </p:txBody>
       </p:sp>
@@ -2524,9 +3085,9 @@
           <a:p>
             <a:fld id="{0B654851-5A1B-4C41-9DD7-365FC1C1E8B7}" type="datetimeFigureOut">
               <a:rPr lang="en-US" smtClean="0"/>
-              <a:t>2/12/2024</a:t>
+              <a:t>2/13/2024</a:t>
             </a:fld>
-            <a:endParaRPr lang="en-US"/>
+            <a:endParaRPr lang="en-US" dirty="0"/>
           </a:p>
         </p:txBody>
       </p:sp>
@@ -2545,7 +3106,7 @@
           <a:bodyPr/>
           <a:lstStyle/>
           <a:p>
-            <a:endParaRPr lang="en-US"/>
+            <a:endParaRPr lang="en-US" dirty="0"/>
           </a:p>
         </p:txBody>
       </p:sp>
@@ -2568,7 +3129,7 @@
               <a:rPr lang="en-US" smtClean="0"/>
               <a:t>‹#›</a:t>
             </a:fld>
-            <a:endParaRPr lang="en-US"/>
+            <a:endParaRPr lang="en-US" dirty="0"/>
           </a:p>
         </p:txBody>
       </p:sp>
@@ -2642,9 +3203,9 @@
           <a:p>
             <a:fld id="{0B654851-5A1B-4C41-9DD7-365FC1C1E8B7}" type="datetimeFigureOut">
               <a:rPr lang="en-US" smtClean="0"/>
-              <a:t>2/12/2024</a:t>
+              <a:t>2/13/2024</a:t>
             </a:fld>
-            <a:endParaRPr lang="en-US"/>
+            <a:endParaRPr lang="en-US" dirty="0"/>
           </a:p>
         </p:txBody>
       </p:sp>
@@ -2663,7 +3224,7 @@
           <a:bodyPr/>
           <a:lstStyle/>
           <a:p>
-            <a:endParaRPr lang="en-US"/>
+            <a:endParaRPr lang="en-US" dirty="0"/>
           </a:p>
         </p:txBody>
       </p:sp>
@@ -2686,7 +3247,7 @@
               <a:rPr lang="en-US" smtClean="0"/>
               <a:t>‹#›</a:t>
             </a:fld>
-            <a:endParaRPr lang="en-US"/>
+            <a:endParaRPr lang="en-US" dirty="0"/>
           </a:p>
         </p:txBody>
       </p:sp>
@@ -2737,9 +3298,9 @@
           <a:p>
             <a:fld id="{0B654851-5A1B-4C41-9DD7-365FC1C1E8B7}" type="datetimeFigureOut">
               <a:rPr lang="en-US" smtClean="0"/>
-              <a:t>2/12/2024</a:t>
+              <a:t>2/13/2024</a:t>
             </a:fld>
-            <a:endParaRPr lang="en-US"/>
+            <a:endParaRPr lang="en-US" dirty="0"/>
           </a:p>
         </p:txBody>
       </p:sp>
@@ -2758,7 +3319,7 @@
           <a:bodyPr/>
           <a:lstStyle/>
           <a:p>
-            <a:endParaRPr lang="en-US"/>
+            <a:endParaRPr lang="en-US" dirty="0"/>
           </a:p>
         </p:txBody>
       </p:sp>
@@ -2781,7 +3342,7 @@
               <a:rPr lang="en-US" smtClean="0"/>
               <a:t>‹#›</a:t>
             </a:fld>
-            <a:endParaRPr lang="en-US"/>
+            <a:endParaRPr lang="en-US" dirty="0"/>
           </a:p>
         </p:txBody>
       </p:sp>
@@ -3027,9 +3588,9 @@
           <a:p>
             <a:fld id="{0B654851-5A1B-4C41-9DD7-365FC1C1E8B7}" type="datetimeFigureOut">
               <a:rPr lang="en-US" smtClean="0"/>
-              <a:t>2/12/2024</a:t>
+              <a:t>2/13/2024</a:t>
             </a:fld>
-            <a:endParaRPr lang="en-US"/>
+            <a:endParaRPr lang="en-US" dirty="0"/>
           </a:p>
         </p:txBody>
       </p:sp>
@@ -3048,7 +3609,7 @@
           <a:bodyPr/>
           <a:lstStyle/>
           <a:p>
-            <a:endParaRPr lang="en-US"/>
+            <a:endParaRPr lang="en-US" dirty="0"/>
           </a:p>
         </p:txBody>
       </p:sp>
@@ -3071,7 +3632,7 @@
               <a:rPr lang="en-US" smtClean="0"/>
               <a:t>‹#›</a:t>
             </a:fld>
-            <a:endParaRPr lang="en-US"/>
+            <a:endParaRPr lang="en-US" dirty="0"/>
           </a:p>
         </p:txBody>
       </p:sp>
@@ -3202,10 +3763,9 @@
           </a:lstStyle>
           <a:p>
             <a:r>
-              <a:rPr lang="en-US"/>
+              <a:rPr lang="en-US" dirty="0"/>
               <a:t>Click icon to add picture</a:t>
             </a:r>
-            <a:endParaRPr lang="en-US" dirty="0"/>
           </a:p>
         </p:txBody>
       </p:sp>
@@ -3299,9 +3859,9 @@
           <a:p>
             <a:fld id="{0B654851-5A1B-4C41-9DD7-365FC1C1E8B7}" type="datetimeFigureOut">
               <a:rPr lang="en-US" smtClean="0"/>
-              <a:t>2/12/2024</a:t>
+              <a:t>2/13/2024</a:t>
             </a:fld>
-            <a:endParaRPr lang="en-US"/>
+            <a:endParaRPr lang="en-US" dirty="0"/>
           </a:p>
         </p:txBody>
       </p:sp>
@@ -3320,7 +3880,7 @@
           <a:bodyPr/>
           <a:lstStyle/>
           <a:p>
-            <a:endParaRPr lang="en-US"/>
+            <a:endParaRPr lang="en-US" dirty="0"/>
           </a:p>
         </p:txBody>
       </p:sp>
@@ -3343,7 +3903,7 @@
               <a:rPr lang="en-US" smtClean="0"/>
               <a:t>‹#›</a:t>
             </a:fld>
-            <a:endParaRPr lang="en-US"/>
+            <a:endParaRPr lang="en-US" dirty="0"/>
           </a:p>
         </p:txBody>
       </p:sp>
@@ -3553,9 +4113,9 @@
           <a:p>
             <a:fld id="{0B654851-5A1B-4C41-9DD7-365FC1C1E8B7}" type="datetimeFigureOut">
               <a:rPr lang="en-US" smtClean="0"/>
-              <a:t>2/12/2024</a:t>
+              <a:t>2/13/2024</a:t>
             </a:fld>
-            <a:endParaRPr lang="en-US"/>
+            <a:endParaRPr lang="en-US" dirty="0"/>
           </a:p>
         </p:txBody>
       </p:sp>
@@ -3590,7 +4150,7 @@
             </a:lvl1pPr>
           </a:lstStyle>
           <a:p>
-            <a:endParaRPr lang="en-US"/>
+            <a:endParaRPr lang="en-US" dirty="0"/>
           </a:p>
         </p:txBody>
       </p:sp>
@@ -3629,7 +4189,7 @@
               <a:rPr lang="en-US" smtClean="0"/>
               <a:t>‹#›</a:t>
             </a:fld>
-            <a:endParaRPr lang="en-US"/>
+            <a:endParaRPr lang="en-US" dirty="0"/>
           </a:p>
         </p:txBody>
       </p:sp>
@@ -4271,7 +4831,7 @@
         <p:cNvPr id="1" name="">
           <a:extLst>
             <a:ext uri="{FF2B5EF4-FFF2-40B4-BE49-F238E27FC236}">
-              <a16:creationId xmlns:a16="http://schemas.microsoft.com/office/drawing/2014/main" id="{D343DBF5-0881-B4F6-F7DA-5567E11226E3}"/>
+              <a16:creationId xmlns:a16="http://schemas.microsoft.com/office/drawing/2014/main" id="{FB91B509-B3F0-6061-925F-BB2C186BFFBA}"/>
             </a:ext>
           </a:extLst>
         </p:cNvPr>
@@ -4291,7 +4851,7 @@
           <p:cNvPr id="2" name="Title 1">
             <a:extLst>
               <a:ext uri="{FF2B5EF4-FFF2-40B4-BE49-F238E27FC236}">
-                <a16:creationId xmlns:a16="http://schemas.microsoft.com/office/drawing/2014/main" id="{EB68D823-075E-DD52-D461-BDEF98ED38D7}"/>
+                <a16:creationId xmlns:a16="http://schemas.microsoft.com/office/drawing/2014/main" id="{A45D0A72-0EBC-DF29-A70F-33CC58A5C3CB}"/>
               </a:ext>
             </a:extLst>
           </p:cNvPr>
@@ -4304,8 +4864,8 @@
         </p:nvSpPr>
         <p:spPr>
           <a:xfrm>
-            <a:off x="313268" y="365126"/>
-            <a:ext cx="4301066" cy="1075748"/>
+            <a:off x="297712" y="343971"/>
+            <a:ext cx="5556241" cy="929017"/>
           </a:xfrm>
           <a:solidFill>
             <a:schemeClr val="accent1">
@@ -4323,7 +4883,7 @@
         </p:spPr>
         <p:txBody>
           <a:bodyPr>
-            <a:normAutofit fontScale="90000"/>
+            <a:normAutofit/>
           </a:bodyPr>
           <a:lstStyle/>
           <a:p>
@@ -4337,7 +4897,7 @@
                   </a:schemeClr>
                 </a:solidFill>
               </a:rPr>
-              <a:t>Heart Disease and Hypertension</a:t>
+              <a:t>Diabetes by BMI and Age</a:t>
             </a:r>
           </a:p>
         </p:txBody>
@@ -4347,7 +4907,7 @@
           <p:cNvPr id="3" name="Content Placeholder 2">
             <a:extLst>
               <a:ext uri="{FF2B5EF4-FFF2-40B4-BE49-F238E27FC236}">
-                <a16:creationId xmlns:a16="http://schemas.microsoft.com/office/drawing/2014/main" id="{E4BCD4A1-3265-4FC2-5CF1-E3FF1B5016FF}"/>
+                <a16:creationId xmlns:a16="http://schemas.microsoft.com/office/drawing/2014/main" id="{CA440836-0236-9DB2-1073-95CFAAE9D9E8}"/>
               </a:ext>
             </a:extLst>
           </p:cNvPr>
@@ -4360,8 +4920,8 @@
         </p:nvSpPr>
         <p:spPr>
           <a:xfrm>
-            <a:off x="423333" y="1825625"/>
-            <a:ext cx="4434993" cy="4351338"/>
+            <a:off x="378395" y="1571726"/>
+            <a:ext cx="5188688" cy="4351338"/>
           </a:xfrm>
         </p:spPr>
         <p:txBody>
@@ -4379,10 +4939,35 @@
                   </a:schemeClr>
                 </a:solidFill>
               </a:rPr>
-              <a:t>The majority (65%) of Diabetes do not have heart disease or hypertension. </a:t>
-            </a:r>
-          </a:p>
-          <a:p>
+              <a:t>The majority (80%) were aged 45 and older and had a BMI of 25 kg/m</a:t>
+            </a:r>
+            <a:r>
+              <a:rPr lang="en-US" baseline="30000" dirty="0">
+                <a:solidFill>
+                  <a:schemeClr val="tx1">
+                    <a:lumMod val="95000"/>
+                    <a:lumOff val="5000"/>
+                  </a:schemeClr>
+                </a:solidFill>
+              </a:rPr>
+              <a:t>2</a:t>
+            </a:r>
+            <a:r>
+              <a:rPr lang="en-US" dirty="0">
+                <a:solidFill>
+                  <a:schemeClr val="tx1">
+                    <a:lumMod val="95000"/>
+                    <a:lumOff val="5000"/>
+                  </a:schemeClr>
+                </a:solidFill>
+              </a:rPr>
+              <a:t> or higher.</a:t>
+            </a:r>
+          </a:p>
+          <a:p>
+            <a:pPr marL="45720" indent="0">
+              <a:buNone/>
+            </a:pPr>
             <a:endParaRPr lang="en-US" dirty="0">
               <a:solidFill>
                 <a:schemeClr val="tx1">
@@ -4402,10 +4987,35 @@
                   </a:schemeClr>
                 </a:solidFill>
               </a:rPr>
-              <a:t>21% have hypertension but no heart disease.</a:t>
-            </a:r>
-          </a:p>
-          <a:p>
+              <a:t>10% were under 45 and had a BMI of 25 kg/m</a:t>
+            </a:r>
+            <a:r>
+              <a:rPr lang="en-US" baseline="30000" dirty="0">
+                <a:solidFill>
+                  <a:schemeClr val="tx1">
+                    <a:lumMod val="95000"/>
+                    <a:lumOff val="5000"/>
+                  </a:schemeClr>
+                </a:solidFill>
+              </a:rPr>
+              <a:t>2</a:t>
+            </a:r>
+            <a:r>
+              <a:rPr lang="en-US" dirty="0">
+                <a:solidFill>
+                  <a:schemeClr val="tx1">
+                    <a:lumMod val="95000"/>
+                    <a:lumOff val="5000"/>
+                  </a:schemeClr>
+                </a:solidFill>
+              </a:rPr>
+              <a:t> or higher.</a:t>
+            </a:r>
+          </a:p>
+          <a:p>
+            <a:pPr marL="45720" indent="0">
+              <a:buNone/>
+            </a:pPr>
             <a:endParaRPr lang="en-US" dirty="0">
               <a:solidFill>
                 <a:schemeClr val="tx1">
@@ -4425,10 +5035,35 @@
                   </a:schemeClr>
                 </a:solidFill>
               </a:rPr>
-              <a:t>11% have heart disease but no hypertension.</a:t>
-            </a:r>
-          </a:p>
-          <a:p>
+              <a:t>9% were 45 and older but had a BMI below 25 kg/m</a:t>
+            </a:r>
+            <a:r>
+              <a:rPr lang="en-US" baseline="30000" dirty="0">
+                <a:solidFill>
+                  <a:schemeClr val="tx1">
+                    <a:lumMod val="95000"/>
+                    <a:lumOff val="5000"/>
+                  </a:schemeClr>
+                </a:solidFill>
+              </a:rPr>
+              <a:t>2</a:t>
+            </a:r>
+            <a:r>
+              <a:rPr lang="en-US" dirty="0">
+                <a:solidFill>
+                  <a:schemeClr val="tx1">
+                    <a:lumMod val="95000"/>
+                    <a:lumOff val="5000"/>
+                  </a:schemeClr>
+                </a:solidFill>
+              </a:rPr>
+              <a:t>.</a:t>
+            </a:r>
+          </a:p>
+          <a:p>
+            <a:pPr marL="45720" indent="0">
+              <a:buNone/>
+            </a:pPr>
             <a:endParaRPr lang="en-US" dirty="0">
               <a:solidFill>
                 <a:schemeClr val="tx1">
@@ -4448,206 +5083,19 @@
                   </a:schemeClr>
                 </a:solidFill>
               </a:rPr>
-              <a:t>4% have both hypertension and heart disease.</a:t>
-            </a:r>
-          </a:p>
-          <a:p>
-            <a:endParaRPr lang="en-US" dirty="0">
-              <a:solidFill>
-                <a:schemeClr val="tx1">
-                  <a:lumMod val="95000"/>
-                  <a:lumOff val="5000"/>
-                </a:schemeClr>
-              </a:solidFill>
-            </a:endParaRPr>
-          </a:p>
-        </p:txBody>
-      </p:sp>
-      <p:pic>
-        <p:nvPicPr>
-          <p:cNvPr id="5" name="Picture 4">
-            <a:extLst>
-              <a:ext uri="{FF2B5EF4-FFF2-40B4-BE49-F238E27FC236}">
-                <a16:creationId xmlns:a16="http://schemas.microsoft.com/office/drawing/2014/main" id="{699AD447-8C47-189D-0C90-D45A8A0963F9}"/>
-              </a:ext>
-            </a:extLst>
-          </p:cNvPr>
-          <p:cNvPicPr>
-            <a:picLocks noChangeAspect="1"/>
-          </p:cNvPicPr>
-          <p:nvPr/>
-        </p:nvPicPr>
-        <p:blipFill>
-          <a:blip r:embed="rId2"/>
-          <a:stretch>
-            <a:fillRect/>
-          </a:stretch>
-        </p:blipFill>
-        <p:spPr>
-          <a:xfrm>
-            <a:off x="5413103" y="619123"/>
-            <a:ext cx="5767692" cy="5453499"/>
-          </a:xfrm>
-          <a:prstGeom prst="rect">
-            <a:avLst/>
-          </a:prstGeom>
-        </p:spPr>
-      </p:pic>
-      <p:sp>
-        <p:nvSpPr>
-          <p:cNvPr id="8" name="TextBox 7">
-            <a:extLst>
-              <a:ext uri="{FF2B5EF4-FFF2-40B4-BE49-F238E27FC236}">
-                <a16:creationId xmlns:a16="http://schemas.microsoft.com/office/drawing/2014/main" id="{9155AA06-056F-6071-E87F-A1CD50471992}"/>
-              </a:ext>
-            </a:extLst>
-          </p:cNvPr>
-          <p:cNvSpPr txBox="1"/>
-          <p:nvPr/>
-        </p:nvSpPr>
-        <p:spPr>
-          <a:xfrm>
-            <a:off x="4461934" y="6201946"/>
-            <a:ext cx="7670031" cy="338554"/>
-          </a:xfrm>
-          <a:prstGeom prst="rect">
-            <a:avLst/>
-          </a:prstGeom>
-          <a:noFill/>
-        </p:spPr>
-        <p:txBody>
-          <a:bodyPr wrap="square">
-            <a:spAutoFit/>
-          </a:bodyPr>
-          <a:lstStyle/>
-          <a:p>
-            <a:r>
-              <a:rPr lang="en-US" sz="1600" dirty="0"/>
-              <a:t>Figure 5: Bar chart showing percentage of Diabetics by Heart Disease and Hypertension</a:t>
-            </a:r>
-          </a:p>
-        </p:txBody>
-      </p:sp>
-    </p:spTree>
-    <p:extLst>
-      <p:ext uri="{BB962C8B-B14F-4D97-AF65-F5344CB8AC3E}">
-        <p14:creationId xmlns:p14="http://schemas.microsoft.com/office/powerpoint/2010/main" val="1250063133"/>
-      </p:ext>
-    </p:extLst>
-  </p:cSld>
-  <p:clrMapOvr>
-    <a:masterClrMapping/>
-  </p:clrMapOvr>
-</p:sld>
-</file>
-
-<file path=ppt/slides/slide11.xml><?xml version="1.0" encoding="utf-8"?>
-<p:sld xmlns:a="http://schemas.openxmlformats.org/drawingml/2006/main" xmlns:r="http://schemas.openxmlformats.org/officeDocument/2006/relationships" xmlns:p="http://schemas.openxmlformats.org/presentationml/2006/main">
-  <p:cSld>
-    <p:spTree>
-      <p:nvGrpSpPr>
-        <p:cNvPr id="1" name="">
-          <a:extLst>
-            <a:ext uri="{FF2B5EF4-FFF2-40B4-BE49-F238E27FC236}">
-              <a16:creationId xmlns:a16="http://schemas.microsoft.com/office/drawing/2014/main" id="{FB91B509-B3F0-6061-925F-BB2C186BFFBA}"/>
-            </a:ext>
-          </a:extLst>
-        </p:cNvPr>
-        <p:cNvGrpSpPr/>
-        <p:nvPr/>
-      </p:nvGrpSpPr>
-      <p:grpSpPr>
-        <a:xfrm>
-          <a:off x="0" y="0"/>
-          <a:ext cx="0" cy="0"/>
-          <a:chOff x="0" y="0"/>
-          <a:chExt cx="0" cy="0"/>
-        </a:xfrm>
-      </p:grpSpPr>
-      <p:sp>
-        <p:nvSpPr>
-          <p:cNvPr id="2" name="Title 1">
-            <a:extLst>
-              <a:ext uri="{FF2B5EF4-FFF2-40B4-BE49-F238E27FC236}">
-                <a16:creationId xmlns:a16="http://schemas.microsoft.com/office/drawing/2014/main" id="{A45D0A72-0EBC-DF29-A70F-33CC58A5C3CB}"/>
-              </a:ext>
-            </a:extLst>
-          </p:cNvPr>
-          <p:cNvSpPr>
-            <a:spLocks noGrp="1"/>
-          </p:cNvSpPr>
-          <p:nvPr>
-            <p:ph type="title"/>
-          </p:nvPr>
-        </p:nvSpPr>
-        <p:spPr>
-          <a:xfrm>
-            <a:off x="450142" y="365125"/>
-            <a:ext cx="4020258" cy="1214293"/>
-          </a:xfrm>
-          <a:solidFill>
-            <a:schemeClr val="accent1">
-              <a:lumMod val="20000"/>
-              <a:lumOff val="80000"/>
-            </a:schemeClr>
-          </a:solidFill>
-          <a:ln w="57150">
-            <a:solidFill>
-              <a:schemeClr val="accent6">
-                <a:lumMod val="50000"/>
-              </a:schemeClr>
-            </a:solidFill>
-          </a:ln>
-        </p:spPr>
-        <p:txBody>
-          <a:bodyPr>
-            <a:normAutofit/>
-          </a:bodyPr>
-          <a:lstStyle/>
-          <a:p>
-            <a:pPr algn="ctr"/>
-            <a:r>
-              <a:rPr lang="en-US" sz="3600" b="1" dirty="0">
-                <a:solidFill>
-                  <a:schemeClr val="tx1">
-                    <a:lumMod val="95000"/>
-                    <a:lumOff val="5000"/>
-                  </a:schemeClr>
-                </a:solidFill>
-              </a:rPr>
-              <a:t>Diabetes by BMI and Age</a:t>
-            </a:r>
-          </a:p>
-        </p:txBody>
-      </p:sp>
-      <p:sp>
-        <p:nvSpPr>
-          <p:cNvPr id="3" name="Content Placeholder 2">
-            <a:extLst>
-              <a:ext uri="{FF2B5EF4-FFF2-40B4-BE49-F238E27FC236}">
-                <a16:creationId xmlns:a16="http://schemas.microsoft.com/office/drawing/2014/main" id="{CA440836-0236-9DB2-1073-95CFAAE9D9E8}"/>
-              </a:ext>
-            </a:extLst>
-          </p:cNvPr>
-          <p:cNvSpPr>
-            <a:spLocks noGrp="1"/>
-          </p:cNvSpPr>
-          <p:nvPr>
-            <p:ph idx="1"/>
-          </p:nvPr>
-        </p:nvSpPr>
-        <p:spPr>
-          <a:xfrm>
-            <a:off x="450142" y="2010291"/>
-            <a:ext cx="4020258" cy="4351338"/>
-          </a:xfrm>
-        </p:spPr>
-        <p:txBody>
-          <a:bodyPr>
-            <a:normAutofit fontScale="92500" lnSpcReduction="10000"/>
-          </a:bodyPr>
-          <a:lstStyle/>
-          <a:p>
+              <a:t>1% were under 45 and had a BMI below 25 kg/m</a:t>
+            </a:r>
+            <a:r>
+              <a:rPr lang="en-US" baseline="30000" dirty="0">
+                <a:solidFill>
+                  <a:schemeClr val="tx1">
+                    <a:lumMod val="95000"/>
+                    <a:lumOff val="5000"/>
+                  </a:schemeClr>
+                </a:solidFill>
+              </a:rPr>
+              <a:t>2</a:t>
+            </a:r>
             <a:r>
               <a:rPr lang="en-US" dirty="0">
                 <a:solidFill>
@@ -4657,87 +5105,8 @@
                   </a:schemeClr>
                 </a:solidFill>
               </a:rPr>
-              <a:t>The majority (80%) were  aged 45 or older and have a BMI of 25 or higher. </a:t>
-            </a:r>
-          </a:p>
-          <a:p>
-            <a:endParaRPr lang="en-US" dirty="0">
-              <a:solidFill>
-                <a:schemeClr val="tx1">
-                  <a:lumMod val="95000"/>
-                  <a:lumOff val="5000"/>
-                </a:schemeClr>
-              </a:solidFill>
-            </a:endParaRPr>
-          </a:p>
-          <a:p>
-            <a:r>
-              <a:rPr lang="en-US" dirty="0">
-                <a:solidFill>
-                  <a:schemeClr val="tx1">
-                    <a:lumMod val="95000"/>
-                    <a:lumOff val="5000"/>
-                  </a:schemeClr>
-                </a:solidFill>
-              </a:rPr>
-              <a:t>10% were under the age of 45 and had a BMI of 25 or higher.</a:t>
-            </a:r>
-          </a:p>
-          <a:p>
-            <a:endParaRPr lang="en-US" dirty="0">
-              <a:solidFill>
-                <a:schemeClr val="tx1">
-                  <a:lumMod val="95000"/>
-                  <a:lumOff val="5000"/>
-                </a:schemeClr>
-              </a:solidFill>
-            </a:endParaRPr>
-          </a:p>
-          <a:p>
-            <a:r>
-              <a:rPr lang="en-US" dirty="0">
-                <a:solidFill>
-                  <a:schemeClr val="tx1">
-                    <a:lumMod val="95000"/>
-                    <a:lumOff val="5000"/>
-                  </a:schemeClr>
-                </a:solidFill>
-              </a:rPr>
-              <a:t>9% were are aged 45 or older but had a BMI under 25.</a:t>
-            </a:r>
-          </a:p>
-          <a:p>
-            <a:endParaRPr lang="en-US" dirty="0">
-              <a:solidFill>
-                <a:schemeClr val="tx1">
-                  <a:lumMod val="95000"/>
-                  <a:lumOff val="5000"/>
-                </a:schemeClr>
-              </a:solidFill>
-            </a:endParaRPr>
-          </a:p>
-          <a:p>
-            <a:r>
-              <a:rPr lang="en-US" dirty="0">
-                <a:solidFill>
-                  <a:schemeClr val="tx1">
-                    <a:lumMod val="95000"/>
-                    <a:lumOff val="5000"/>
-                  </a:schemeClr>
-                </a:solidFill>
-              </a:rPr>
-              <a:t>1% were under the age of 45 and had a BMI under 25.</a:t>
-            </a:r>
-          </a:p>
-          <a:p>
-            <a:endParaRPr lang="en-US" dirty="0">
-              <a:solidFill>
-                <a:schemeClr val="tx1">
-                  <a:lumMod val="95000"/>
-                  <a:lumOff val="5000"/>
-                </a:schemeClr>
-              </a:solidFill>
-            </a:endParaRPr>
+              <a:t>.</a:t>
+            </a:r>
           </a:p>
         </p:txBody>
       </p:sp>
@@ -4755,8 +5124,8 @@
         </p:nvSpPr>
         <p:spPr>
           <a:xfrm>
-            <a:off x="4934957" y="5992297"/>
-            <a:ext cx="6806901" cy="369332"/>
+            <a:off x="6096000" y="5931608"/>
+            <a:ext cx="5645858" cy="646331"/>
           </a:xfrm>
           <a:prstGeom prst="rect">
             <a:avLst/>
@@ -4769,9 +5138,17 @@
           </a:bodyPr>
           <a:lstStyle/>
           <a:p>
+            <a:pPr algn="ctr"/>
             <a:r>
               <a:rPr lang="en-US" dirty="0"/>
-              <a:t>Figure 6: Bar chart showing percentage of Diabetics by BMI and age</a:t>
+              <a:t>Figure 4: Bar chart showing percentage of diabetics </a:t>
+            </a:r>
+          </a:p>
+          <a:p>
+            <a:pPr algn="ctr"/>
+            <a:r>
+              <a:rPr lang="en-US" dirty="0"/>
+              <a:t>by BMI and age</a:t>
             </a:r>
           </a:p>
         </p:txBody>
@@ -4790,16 +5167,15 @@
           </p:cNvPicPr>
           <p:nvPr/>
         </p:nvPicPr>
-        <p:blipFill>
+        <p:blipFill rotWithShape="1">
           <a:blip r:embed="rId2"/>
-          <a:stretch>
-            <a:fillRect/>
-          </a:stretch>
+          <a:srcRect l="3887" r="3832"/>
+          <a:stretch/>
         </p:blipFill>
         <p:spPr>
           <a:xfrm>
-            <a:off x="4776159" y="496371"/>
-            <a:ext cx="6509908" cy="5426694"/>
+            <a:off x="5996763" y="595619"/>
+            <a:ext cx="5897525" cy="5327445"/>
           </a:xfrm>
           <a:prstGeom prst="rect">
             <a:avLst/>
@@ -4815,6 +5191,176 @@
     <p:extLst>
       <p:ext uri="{BB962C8B-B14F-4D97-AF65-F5344CB8AC3E}">
         <p14:creationId xmlns:p14="http://schemas.microsoft.com/office/powerpoint/2010/main" val="426189485"/>
+      </p:ext>
+    </p:extLst>
+  </p:cSld>
+  <p:clrMapOvr>
+    <a:masterClrMapping/>
+  </p:clrMapOvr>
+</p:sld>
+</file>
+
+<file path=ppt/slides/slide11.xml><?xml version="1.0" encoding="utf-8"?>
+<p:sld xmlns:a="http://schemas.openxmlformats.org/drawingml/2006/main" xmlns:r="http://schemas.openxmlformats.org/officeDocument/2006/relationships" xmlns:p="http://schemas.openxmlformats.org/presentationml/2006/main">
+  <p:cSld>
+    <p:spTree>
+      <p:nvGrpSpPr>
+        <p:cNvPr id="1" name=""/>
+        <p:cNvGrpSpPr/>
+        <p:nvPr/>
+      </p:nvGrpSpPr>
+      <p:grpSpPr>
+        <a:xfrm>
+          <a:off x="0" y="0"/>
+          <a:ext cx="0" cy="0"/>
+          <a:chOff x="0" y="0"/>
+          <a:chExt cx="0" cy="0"/>
+        </a:xfrm>
+      </p:grpSpPr>
+      <p:sp>
+        <p:nvSpPr>
+          <p:cNvPr id="2" name="Title 1">
+            <a:extLst>
+              <a:ext uri="{FF2B5EF4-FFF2-40B4-BE49-F238E27FC236}">
+                <a16:creationId xmlns:a16="http://schemas.microsoft.com/office/drawing/2014/main" id="{188D6072-BBD7-813F-9398-B7CEA92FCDEB}"/>
+              </a:ext>
+            </a:extLst>
+          </p:cNvPr>
+          <p:cNvSpPr>
+            <a:spLocks noGrp="1"/>
+          </p:cNvSpPr>
+          <p:nvPr>
+            <p:ph type="title"/>
+          </p:nvPr>
+        </p:nvSpPr>
+        <p:spPr>
+          <a:xfrm>
+            <a:off x="1158240" y="365650"/>
+            <a:ext cx="9875520" cy="968433"/>
+          </a:xfrm>
+          <a:solidFill>
+            <a:schemeClr val="accent1">
+              <a:lumMod val="20000"/>
+              <a:lumOff val="80000"/>
+            </a:schemeClr>
+          </a:solidFill>
+          <a:ln w="57150">
+            <a:solidFill>
+              <a:schemeClr val="tx1"/>
+            </a:solidFill>
+          </a:ln>
+        </p:spPr>
+        <p:txBody>
+          <a:bodyPr/>
+          <a:lstStyle/>
+          <a:p>
+            <a:pPr algn="ctr"/>
+            <a:r>
+              <a:rPr lang="en-US" b="1" dirty="0">
+                <a:solidFill>
+                  <a:schemeClr val="tx1">
+                    <a:lumMod val="95000"/>
+                    <a:lumOff val="5000"/>
+                  </a:schemeClr>
+                </a:solidFill>
+              </a:rPr>
+              <a:t>Conclusion and Implications</a:t>
+            </a:r>
+          </a:p>
+        </p:txBody>
+      </p:sp>
+      <p:sp>
+        <p:nvSpPr>
+          <p:cNvPr id="3" name="Content Placeholder 2">
+            <a:extLst>
+              <a:ext uri="{FF2B5EF4-FFF2-40B4-BE49-F238E27FC236}">
+                <a16:creationId xmlns:a16="http://schemas.microsoft.com/office/drawing/2014/main" id="{8FF656B3-6A2A-D017-785B-BFD8066F26BE}"/>
+              </a:ext>
+            </a:extLst>
+          </p:cNvPr>
+          <p:cNvSpPr>
+            <a:spLocks noGrp="1"/>
+          </p:cNvSpPr>
+          <p:nvPr>
+            <p:ph idx="1"/>
+          </p:nvPr>
+        </p:nvSpPr>
+        <p:spPr>
+          <a:xfrm>
+            <a:off x="723015" y="1945758"/>
+            <a:ext cx="10868622" cy="4367298"/>
+          </a:xfrm>
+        </p:spPr>
+        <p:txBody>
+          <a:bodyPr>
+            <a:normAutofit/>
+          </a:bodyPr>
+          <a:lstStyle/>
+          <a:p>
+            <a:r>
+              <a:rPr lang="en-US" dirty="0">
+                <a:solidFill>
+                  <a:schemeClr val="tx1">
+                    <a:lumMod val="95000"/>
+                    <a:lumOff val="5000"/>
+                  </a:schemeClr>
+                </a:solidFill>
+              </a:rPr>
+              <a:t>Our findings align with established risk factors for Type 2 Diabetes: age 45 or older, overweight (BMI ≥ 25 kg/m²), and physical inactivity (&lt;3 times a week) (CDC, 2022).</a:t>
+            </a:r>
+          </a:p>
+          <a:p>
+            <a:endParaRPr lang="en-US" dirty="0">
+              <a:solidFill>
+                <a:schemeClr val="tx1">
+                  <a:lumMod val="95000"/>
+                  <a:lumOff val="5000"/>
+                </a:schemeClr>
+              </a:solidFill>
+            </a:endParaRPr>
+          </a:p>
+          <a:p>
+            <a:r>
+              <a:rPr lang="en-US" dirty="0">
+                <a:solidFill>
+                  <a:schemeClr val="tx1">
+                    <a:lumMod val="95000"/>
+                    <a:lumOff val="5000"/>
+                  </a:schemeClr>
+                </a:solidFill>
+              </a:rPr>
+              <a:t>Understanding demographic trends in diabetes diagnoses enables targeted interventions tailored to specific populations, emphasizing weight management and lifestyle adjustments due to the strong correlation between obesity (BMI) and diabetes.</a:t>
+            </a:r>
+          </a:p>
+          <a:p>
+            <a:endParaRPr lang="en-US" dirty="0">
+              <a:solidFill>
+                <a:schemeClr val="tx1">
+                  <a:lumMod val="95000"/>
+                  <a:lumOff val="5000"/>
+                </a:schemeClr>
+              </a:solidFill>
+            </a:endParaRPr>
+          </a:p>
+          <a:p>
+            <a:r>
+              <a:rPr lang="en-US" dirty="0">
+                <a:solidFill>
+                  <a:schemeClr val="tx1">
+                    <a:lumMod val="95000"/>
+                    <a:lumOff val="5000"/>
+                  </a:schemeClr>
+                </a:solidFill>
+              </a:rPr>
+              <a:t>These findings underscore the need for multifaceted approaches to diabetes prevention and management, addressing the diverse factors influencing diabetes risk and outcomes comprehensively.</a:t>
+            </a:r>
+          </a:p>
+        </p:txBody>
+      </p:sp>
+    </p:spTree>
+    <p:extLst>
+      <p:ext uri="{BB962C8B-B14F-4D97-AF65-F5344CB8AC3E}">
+        <p14:creationId xmlns:p14="http://schemas.microsoft.com/office/powerpoint/2010/main" val="2019232186"/>
       </p:ext>
     </p:extLst>
   </p:cSld>
@@ -4846,7 +5392,7 @@
           <p:cNvPr id="2" name="Title 1">
             <a:extLst>
               <a:ext uri="{FF2B5EF4-FFF2-40B4-BE49-F238E27FC236}">
-                <a16:creationId xmlns:a16="http://schemas.microsoft.com/office/drawing/2014/main" id="{188D6072-BBD7-813F-9398-B7CEA92FCDEB}"/>
+                <a16:creationId xmlns:a16="http://schemas.microsoft.com/office/drawing/2014/main" id="{FCFD4C45-94EC-02FF-3477-0E2AA85D766A}"/>
               </a:ext>
             </a:extLst>
           </p:cNvPr>
@@ -4859,8 +5405,8 @@
         </p:nvSpPr>
         <p:spPr>
           <a:xfrm>
-            <a:off x="1143000" y="544944"/>
-            <a:ext cx="9875520" cy="968433"/>
+            <a:off x="685677" y="480291"/>
+            <a:ext cx="4955553" cy="940724"/>
           </a:xfrm>
           <a:solidFill>
             <a:schemeClr val="accent1">
@@ -4870,7 +5416,9 @@
           </a:solidFill>
           <a:ln w="57150">
             <a:solidFill>
-              <a:schemeClr val="tx1"/>
+              <a:schemeClr val="accent6">
+                <a:lumMod val="50000"/>
+              </a:schemeClr>
             </a:solidFill>
           </a:ln>
         </p:spPr>
@@ -4888,7 +5436,7 @@
                   </a:schemeClr>
                 </a:solidFill>
               </a:rPr>
-              <a:t>Implications</a:t>
+              <a:t>Limitations</a:t>
             </a:r>
           </a:p>
         </p:txBody>
@@ -4898,7 +5446,7 @@
           <p:cNvPr id="3" name="Content Placeholder 2">
             <a:extLst>
               <a:ext uri="{FF2B5EF4-FFF2-40B4-BE49-F238E27FC236}">
-                <a16:creationId xmlns:a16="http://schemas.microsoft.com/office/drawing/2014/main" id="{8FF656B3-6A2A-D017-785B-BFD8066F26BE}"/>
+                <a16:creationId xmlns:a16="http://schemas.microsoft.com/office/drawing/2014/main" id="{EF183D15-C275-341A-3611-DAD2CBB2B12A}"/>
               </a:ext>
             </a:extLst>
           </p:cNvPr>
@@ -4911,13 +5459,13 @@
         </p:nvSpPr>
         <p:spPr>
           <a:xfrm>
-            <a:off x="840509" y="2262909"/>
-            <a:ext cx="10751127" cy="3749964"/>
+            <a:off x="434110" y="2032000"/>
+            <a:ext cx="5288402" cy="4038600"/>
           </a:xfrm>
         </p:spPr>
         <p:txBody>
           <a:bodyPr>
-            <a:normAutofit/>
+            <a:normAutofit lnSpcReduction="10000"/>
           </a:bodyPr>
           <a:lstStyle/>
           <a:p>
@@ -4930,7 +5478,7 @@
                   </a:schemeClr>
                 </a:solidFill>
               </a:rPr>
-              <a:t>An understanding of the demographic patterns associated with diabetes diagnosis allows for targeted interventions that are tailored to specific populations. </a:t>
+              <a:t>The classification of diabetes types (e.g., type 1, type 2, or gestational diabetes) was not provided in the dataset.</a:t>
             </a:r>
           </a:p>
           <a:p>
@@ -4953,10 +5501,13 @@
                   </a:schemeClr>
                 </a:solidFill>
               </a:rPr>
-              <a:t>Given the association between obesity (indicated by BMI) and diabetes, interventions focusing on weight management and lifestyle modifications are vital. </a:t>
-            </a:r>
-          </a:p>
-          <a:p>
+              <a:t>The dataset did not specify the blood glucose level measurement type (e.g., fasting or random blood glucose tests).</a:t>
+            </a:r>
+          </a:p>
+          <a:p>
+            <a:pPr marL="45720" indent="0">
+              <a:buNone/>
+            </a:pPr>
             <a:endParaRPr lang="en-US" dirty="0">
               <a:solidFill>
                 <a:schemeClr val="tx1">
@@ -4976,7 +5527,273 @@
                   </a:schemeClr>
                 </a:solidFill>
               </a:rPr>
-              <a:t>Overall, the implications of these findings highlight the need for comprehensive, multifaceted approaches to diabetes prevention, management, and intervention strategies that consider the diverse factors influencing diabetes risk and outcomes. </a:t>
+              <a:t>Some individuals were excluded from the analysis due to discrepancies in their smoking history labeling.</a:t>
+            </a:r>
+          </a:p>
+        </p:txBody>
+      </p:sp>
+      <p:sp>
+        <p:nvSpPr>
+          <p:cNvPr id="4" name="Content Placeholder 2">
+            <a:extLst>
+              <a:ext uri="{FF2B5EF4-FFF2-40B4-BE49-F238E27FC236}">
+                <a16:creationId xmlns:a16="http://schemas.microsoft.com/office/drawing/2014/main" id="{2F28EB8A-816E-8446-71A0-3296DAE97884}"/>
+              </a:ext>
+            </a:extLst>
+          </p:cNvPr>
+          <p:cNvSpPr txBox="1">
+            <a:spLocks/>
+          </p:cNvSpPr>
+          <p:nvPr/>
+        </p:nvSpPr>
+        <p:spPr>
+          <a:xfrm>
+            <a:off x="6096000" y="2032000"/>
+            <a:ext cx="5288401" cy="3907751"/>
+          </a:xfrm>
+          <a:prstGeom prst="rect">
+            <a:avLst/>
+          </a:prstGeom>
+        </p:spPr>
+        <p:txBody>
+          <a:bodyPr vert="horz" lIns="91440" tIns="45720" rIns="91440" bIns="45720" rtlCol="0">
+            <a:normAutofit/>
+          </a:bodyPr>
+          <a:lstStyle>
+            <a:lvl1pPr marL="228600" indent="-182880" algn="l" defTabSz="914400" rtl="0" eaLnBrk="1" latinLnBrk="0" hangingPunct="1">
+              <a:lnSpc>
+                <a:spcPct val="90000"/>
+              </a:lnSpc>
+              <a:spcBef>
+                <a:spcPts val="1400"/>
+              </a:spcBef>
+              <a:buClr>
+                <a:schemeClr val="accent1"/>
+              </a:buClr>
+              <a:buSzPct val="80000"/>
+              <a:buFont typeface="Corbel" pitchFamily="34" charset="0"/>
+              <a:buChar char="•"/>
+              <a:defRPr sz="2200" kern="1200">
+                <a:solidFill>
+                  <a:schemeClr val="accent1"/>
+                </a:solidFill>
+                <a:latin typeface="+mn-lt"/>
+                <a:ea typeface="+mn-ea"/>
+                <a:cs typeface="+mn-cs"/>
+              </a:defRPr>
+            </a:lvl1pPr>
+            <a:lvl2pPr marL="457200" indent="-182880" algn="l" defTabSz="914400" rtl="0" eaLnBrk="1" latinLnBrk="0" hangingPunct="1">
+              <a:lnSpc>
+                <a:spcPct val="90000"/>
+              </a:lnSpc>
+              <a:spcBef>
+                <a:spcPts val="200"/>
+              </a:spcBef>
+              <a:spcAft>
+                <a:spcPts val="400"/>
+              </a:spcAft>
+              <a:buClr>
+                <a:schemeClr val="accent1"/>
+              </a:buClr>
+              <a:buSzPct val="80000"/>
+              <a:buFont typeface="Corbel" pitchFamily="34" charset="0"/>
+              <a:buChar char="•"/>
+              <a:defRPr sz="2000" kern="1200">
+                <a:solidFill>
+                  <a:schemeClr val="accent1"/>
+                </a:solidFill>
+                <a:latin typeface="+mn-lt"/>
+                <a:ea typeface="+mn-ea"/>
+                <a:cs typeface="+mn-cs"/>
+              </a:defRPr>
+            </a:lvl2pPr>
+            <a:lvl3pPr marL="731520" indent="-182880" algn="l" defTabSz="914400" rtl="0" eaLnBrk="1" latinLnBrk="0" hangingPunct="1">
+              <a:lnSpc>
+                <a:spcPct val="90000"/>
+              </a:lnSpc>
+              <a:spcBef>
+                <a:spcPts val="200"/>
+              </a:spcBef>
+              <a:spcAft>
+                <a:spcPts val="400"/>
+              </a:spcAft>
+              <a:buClr>
+                <a:schemeClr val="accent1"/>
+              </a:buClr>
+              <a:buSzPct val="80000"/>
+              <a:buFont typeface="Corbel" pitchFamily="34" charset="0"/>
+              <a:buChar char="•"/>
+              <a:defRPr sz="1800" kern="1200">
+                <a:solidFill>
+                  <a:schemeClr val="accent1"/>
+                </a:solidFill>
+                <a:latin typeface="+mn-lt"/>
+                <a:ea typeface="+mn-ea"/>
+                <a:cs typeface="+mn-cs"/>
+              </a:defRPr>
+            </a:lvl3pPr>
+            <a:lvl4pPr marL="1005840" indent="-182880" algn="l" defTabSz="914400" rtl="0" eaLnBrk="1" latinLnBrk="0" hangingPunct="1">
+              <a:lnSpc>
+                <a:spcPct val="90000"/>
+              </a:lnSpc>
+              <a:spcBef>
+                <a:spcPts val="200"/>
+              </a:spcBef>
+              <a:spcAft>
+                <a:spcPts val="400"/>
+              </a:spcAft>
+              <a:buClr>
+                <a:schemeClr val="accent1"/>
+              </a:buClr>
+              <a:buSzPct val="80000"/>
+              <a:buFont typeface="Corbel" pitchFamily="34" charset="0"/>
+              <a:buChar char="•"/>
+              <a:defRPr sz="1600" kern="1200">
+                <a:solidFill>
+                  <a:schemeClr val="accent1"/>
+                </a:solidFill>
+                <a:latin typeface="+mn-lt"/>
+                <a:ea typeface="+mn-ea"/>
+                <a:cs typeface="+mn-cs"/>
+              </a:defRPr>
+            </a:lvl4pPr>
+            <a:lvl5pPr marL="1280160" indent="-182880" algn="l" defTabSz="914400" rtl="0" eaLnBrk="1" latinLnBrk="0" hangingPunct="1">
+              <a:lnSpc>
+                <a:spcPct val="90000"/>
+              </a:lnSpc>
+              <a:spcBef>
+                <a:spcPts val="200"/>
+              </a:spcBef>
+              <a:spcAft>
+                <a:spcPts val="400"/>
+              </a:spcAft>
+              <a:buClr>
+                <a:schemeClr val="accent1"/>
+              </a:buClr>
+              <a:buSzPct val="80000"/>
+              <a:buFont typeface="Corbel" pitchFamily="34" charset="0"/>
+              <a:buChar char="•"/>
+              <a:defRPr sz="1600" kern="1200">
+                <a:solidFill>
+                  <a:schemeClr val="accent1"/>
+                </a:solidFill>
+                <a:latin typeface="+mn-lt"/>
+                <a:ea typeface="+mn-ea"/>
+                <a:cs typeface="+mn-cs"/>
+              </a:defRPr>
+            </a:lvl5pPr>
+            <a:lvl6pPr marL="1600000" indent="-228600" algn="l" defTabSz="914400" rtl="0" eaLnBrk="1" latinLnBrk="0" hangingPunct="1">
+              <a:lnSpc>
+                <a:spcPct val="90000"/>
+              </a:lnSpc>
+              <a:spcBef>
+                <a:spcPts val="200"/>
+              </a:spcBef>
+              <a:spcAft>
+                <a:spcPts val="400"/>
+              </a:spcAft>
+              <a:buClr>
+                <a:schemeClr val="accent1"/>
+              </a:buClr>
+              <a:buSzPct val="80000"/>
+              <a:buFont typeface="Corbel" pitchFamily="34" charset="0"/>
+              <a:buChar char="•"/>
+              <a:defRPr sz="1600" kern="1200">
+                <a:solidFill>
+                  <a:schemeClr val="accent1"/>
+                </a:solidFill>
+                <a:latin typeface="+mn-lt"/>
+                <a:ea typeface="+mn-ea"/>
+                <a:cs typeface="+mn-cs"/>
+              </a:defRPr>
+            </a:lvl6pPr>
+            <a:lvl7pPr marL="1900000" indent="-228600" algn="l" defTabSz="914400" rtl="0" eaLnBrk="1" latinLnBrk="0" hangingPunct="1">
+              <a:lnSpc>
+                <a:spcPct val="90000"/>
+              </a:lnSpc>
+              <a:spcBef>
+                <a:spcPts val="200"/>
+              </a:spcBef>
+              <a:spcAft>
+                <a:spcPts val="400"/>
+              </a:spcAft>
+              <a:buClr>
+                <a:schemeClr val="accent1"/>
+              </a:buClr>
+              <a:buSzPct val="80000"/>
+              <a:buFont typeface="Corbel" pitchFamily="34" charset="0"/>
+              <a:buChar char="•"/>
+              <a:defRPr sz="1600" kern="1200">
+                <a:solidFill>
+                  <a:schemeClr val="accent1"/>
+                </a:solidFill>
+                <a:latin typeface="+mn-lt"/>
+                <a:ea typeface="+mn-ea"/>
+                <a:cs typeface="+mn-cs"/>
+              </a:defRPr>
+            </a:lvl7pPr>
+            <a:lvl8pPr marL="2200000" indent="-228600" algn="l" defTabSz="914400" rtl="0" eaLnBrk="1" latinLnBrk="0" hangingPunct="1">
+              <a:lnSpc>
+                <a:spcPct val="90000"/>
+              </a:lnSpc>
+              <a:spcBef>
+                <a:spcPts val="200"/>
+              </a:spcBef>
+              <a:spcAft>
+                <a:spcPts val="400"/>
+              </a:spcAft>
+              <a:buClr>
+                <a:schemeClr val="accent1"/>
+              </a:buClr>
+              <a:buSzPct val="80000"/>
+              <a:buFont typeface="Corbel" pitchFamily="34" charset="0"/>
+              <a:buChar char="•"/>
+              <a:defRPr sz="1600" kern="1200">
+                <a:solidFill>
+                  <a:schemeClr val="accent1"/>
+                </a:solidFill>
+                <a:latin typeface="+mn-lt"/>
+                <a:ea typeface="+mn-ea"/>
+                <a:cs typeface="+mn-cs"/>
+              </a:defRPr>
+            </a:lvl8pPr>
+            <a:lvl9pPr marL="2500000" indent="-228600" algn="l" defTabSz="914400" rtl="0" eaLnBrk="1" latinLnBrk="0" hangingPunct="1">
+              <a:lnSpc>
+                <a:spcPct val="90000"/>
+              </a:lnSpc>
+              <a:spcBef>
+                <a:spcPts val="200"/>
+              </a:spcBef>
+              <a:spcAft>
+                <a:spcPts val="400"/>
+              </a:spcAft>
+              <a:buClr>
+                <a:schemeClr val="accent1"/>
+              </a:buClr>
+              <a:buSzPct val="80000"/>
+              <a:buFont typeface="Corbel" pitchFamily="34" charset="0"/>
+              <a:buChar char="•"/>
+              <a:defRPr sz="1600" kern="1200">
+                <a:solidFill>
+                  <a:schemeClr val="accent1"/>
+                </a:solidFill>
+                <a:latin typeface="+mn-lt"/>
+                <a:ea typeface="+mn-ea"/>
+                <a:cs typeface="+mn-cs"/>
+              </a:defRPr>
+            </a:lvl9pPr>
+          </a:lstStyle>
+          <a:p>
+            <a:r>
+              <a:rPr lang="en-US" dirty="0">
+                <a:solidFill>
+                  <a:schemeClr val="tx1">
+                    <a:lumMod val="95000"/>
+                    <a:lumOff val="5000"/>
+                  </a:schemeClr>
+                </a:solidFill>
+              </a:rPr>
+              <a:t>Development and implementation of comprehensive health promotion strategies encompassing targeted education campaigns, smoking cessation programs, and initiatives focused on managing obesity.</a:t>
             </a:r>
           </a:p>
           <a:p>
@@ -4989,12 +5806,100 @@
               </a:solidFill>
             </a:endParaRPr>
           </a:p>
+          <a:p>
+            <a:r>
+              <a:rPr lang="en-US" dirty="0">
+                <a:solidFill>
+                  <a:schemeClr val="tx1">
+                    <a:lumMod val="95000"/>
+                    <a:lumOff val="5000"/>
+                  </a:schemeClr>
+                </a:solidFill>
+              </a:rPr>
+              <a:t>Investigate other potential contributing factors such as alcohol consumption, family history, prediabetes, race, and ethnicity. </a:t>
+            </a:r>
+          </a:p>
+        </p:txBody>
+      </p:sp>
+      <p:sp>
+        <p:nvSpPr>
+          <p:cNvPr id="5" name="Title 1">
+            <a:extLst>
+              <a:ext uri="{FF2B5EF4-FFF2-40B4-BE49-F238E27FC236}">
+                <a16:creationId xmlns:a16="http://schemas.microsoft.com/office/drawing/2014/main" id="{4C90C864-036D-F730-3895-6FA88EC9F781}"/>
+              </a:ext>
+            </a:extLst>
+          </p:cNvPr>
+          <p:cNvSpPr txBox="1">
+            <a:spLocks/>
+          </p:cNvSpPr>
+          <p:nvPr/>
+        </p:nvSpPr>
+        <p:spPr>
+          <a:xfrm>
+            <a:off x="6254560" y="480291"/>
+            <a:ext cx="5288401" cy="940724"/>
+          </a:xfrm>
+          <a:prstGeom prst="rect">
+            <a:avLst/>
+          </a:prstGeom>
+          <a:solidFill>
+            <a:schemeClr val="accent1">
+              <a:lumMod val="20000"/>
+              <a:lumOff val="80000"/>
+            </a:schemeClr>
+          </a:solidFill>
+          <a:ln w="57150">
+            <a:solidFill>
+              <a:schemeClr val="accent6">
+                <a:lumMod val="50000"/>
+              </a:schemeClr>
+            </a:solidFill>
+          </a:ln>
+        </p:spPr>
+        <p:txBody>
+          <a:bodyPr vert="horz" lIns="91440" tIns="45720" rIns="91440" bIns="45720" rtlCol="0" anchor="ctr">
+            <a:normAutofit/>
+          </a:bodyPr>
+          <a:lstStyle>
+            <a:lvl1pPr algn="l" defTabSz="914400" rtl="0" eaLnBrk="1" latinLnBrk="0" hangingPunct="1">
+              <a:lnSpc>
+                <a:spcPct val="90000"/>
+              </a:lnSpc>
+              <a:spcBef>
+                <a:spcPct val="0"/>
+              </a:spcBef>
+              <a:buNone/>
+              <a:defRPr sz="4400" kern="1200">
+                <a:solidFill>
+                  <a:schemeClr val="accent1"/>
+                </a:solidFill>
+                <a:latin typeface="+mj-lt"/>
+                <a:ea typeface="+mj-ea"/>
+                <a:cs typeface="+mj-cs"/>
+              </a:defRPr>
+            </a:lvl1pPr>
+          </a:lstStyle>
+          <a:p>
+            <a:pPr algn="ctr"/>
+            <a:r>
+              <a:rPr lang="en-US" b="1" dirty="0">
+                <a:solidFill>
+                  <a:schemeClr val="tx1">
+                    <a:lumMod val="95000"/>
+                    <a:lumOff val="5000"/>
+                  </a:schemeClr>
+                </a:solidFill>
+              </a:rPr>
+              <a:t>Next Steps</a:t>
+            </a:r>
+          </a:p>
         </p:txBody>
       </p:sp>
     </p:spTree>
     <p:extLst>
       <p:ext uri="{BB962C8B-B14F-4D97-AF65-F5344CB8AC3E}">
-        <p14:creationId xmlns:p14="http://schemas.microsoft.com/office/powerpoint/2010/main" val="2019232186"/>
+        <p14:creationId xmlns:p14="http://schemas.microsoft.com/office/powerpoint/2010/main" val="1268331661"/>
       </p:ext>
     </p:extLst>
   </p:cSld>
@@ -5026,7 +5931,7 @@
           <p:cNvPr id="2" name="Title 1">
             <a:extLst>
               <a:ext uri="{FF2B5EF4-FFF2-40B4-BE49-F238E27FC236}">
-                <a16:creationId xmlns:a16="http://schemas.microsoft.com/office/drawing/2014/main" id="{FCFD4C45-94EC-02FF-3477-0E2AA85D766A}"/>
+                <a16:creationId xmlns:a16="http://schemas.microsoft.com/office/drawing/2014/main" id="{6E3AFF97-E991-0CBC-B9BF-018B1AE55CB0}"/>
               </a:ext>
             </a:extLst>
           </p:cNvPr>
@@ -5039,8 +5944,8 @@
         </p:nvSpPr>
         <p:spPr>
           <a:xfrm>
-            <a:off x="1140351" y="480291"/>
-            <a:ext cx="9875520" cy="940724"/>
+            <a:off x="946298" y="313764"/>
+            <a:ext cx="10558130" cy="956733"/>
           </a:xfrm>
           <a:solidFill>
             <a:schemeClr val="accent1">
@@ -5070,7 +5975,7 @@
                   </a:schemeClr>
                 </a:solidFill>
               </a:rPr>
-              <a:t>Limitations</a:t>
+              <a:t>References</a:t>
             </a:r>
           </a:p>
         </p:txBody>
@@ -5080,7 +5985,7 @@
           <p:cNvPr id="3" name="Content Placeholder 2">
             <a:extLst>
               <a:ext uri="{FF2B5EF4-FFF2-40B4-BE49-F238E27FC236}">
-                <a16:creationId xmlns:a16="http://schemas.microsoft.com/office/drawing/2014/main" id="{EF183D15-C275-341A-3611-DAD2CBB2B12A}"/>
+                <a16:creationId xmlns:a16="http://schemas.microsoft.com/office/drawing/2014/main" id="{53E33D0B-8928-FB74-0A8D-85D6F8E9E8B6}"/>
               </a:ext>
             </a:extLst>
           </p:cNvPr>
@@ -5093,16 +5998,19 @@
         </p:nvSpPr>
         <p:spPr>
           <a:xfrm>
-            <a:off x="637309" y="2057400"/>
-            <a:ext cx="11111346" cy="4038600"/>
+            <a:off x="691117" y="2209800"/>
+            <a:ext cx="11068493" cy="4038600"/>
           </a:xfrm>
         </p:spPr>
         <p:txBody>
           <a:bodyPr>
-            <a:normAutofit lnSpcReduction="10000"/>
+            <a:normAutofit/>
           </a:bodyPr>
           <a:lstStyle/>
           <a:p>
+            <a:pPr marL="45720" indent="0">
+              <a:buNone/>
+            </a:pPr>
             <a:r>
               <a:rPr lang="en-US" dirty="0">
                 <a:solidFill>
@@ -5112,11 +6020,11 @@
                   </a:schemeClr>
                 </a:solidFill>
               </a:rPr>
-              <a:t>The classification of Diabetes types (Type 1, Type 2, or Gestational Diabetes) was not provided in the dataset.</a:t>
-            </a:r>
-          </a:p>
-          <a:p>
-            <a:pPr marL="0" indent="0">
+              <a:t>Centers for Disease Control and Prevention (2022). Diabetes basics. Retrieved from https://www.cdc.gov/diabetes/basics/index.html</a:t>
+            </a:r>
+          </a:p>
+          <a:p>
+            <a:pPr marL="45720" indent="0">
               <a:buNone/>
             </a:pPr>
             <a:endParaRPr lang="en-US" dirty="0">
@@ -5129,6 +6037,9 @@
             </a:endParaRPr>
           </a:p>
           <a:p>
+            <a:pPr marL="45720" indent="0">
+              <a:buNone/>
+            </a:pPr>
             <a:r>
               <a:rPr lang="en-US" dirty="0">
                 <a:solidFill>
@@ -5138,7 +6049,7 @@
                   </a:schemeClr>
                 </a:solidFill>
               </a:rPr>
-              <a:t>The dataset did not specify the blood glucose level measurement type (e.g., fasting or random blood glucose tests). This omission limits our ability to differentiate between fasting and non-fasting blood glucose levels. </a:t>
+              <a:t>Mustafa, M. (2023). Diabetes prediction dataset: A comprehensive dataset for predicting Diabetes with medical and demographic data. Retrieved from  https://www.kaggle.com/datasets/iammustafatz/diabetes-prediction-dataset/data</a:t>
             </a:r>
           </a:p>
           <a:p>
@@ -5152,332 +6063,6 @@
             </a:endParaRPr>
           </a:p>
           <a:p>
-            <a:r>
-              <a:rPr lang="en-US" dirty="0">
-                <a:solidFill>
-                  <a:schemeClr val="tx1">
-                    <a:lumMod val="95000"/>
-                    <a:lumOff val="5000"/>
-                  </a:schemeClr>
-                </a:solidFill>
-              </a:rPr>
-              <a:t>Thirdly, some individuals were excluded from the analysis due to discrepancies in their smoking history labeling; this exclusion may introduce a potential bias. Uncertainty surrounding the accuracy of the labeling (whether "ever" was a mistyping of "never") highlights a limitation in the quality and reliability of the data.</a:t>
-            </a:r>
-          </a:p>
-          <a:p>
-            <a:endParaRPr lang="en-US" dirty="0">
-              <a:solidFill>
-                <a:schemeClr val="tx1">
-                  <a:lumMod val="95000"/>
-                  <a:lumOff val="5000"/>
-                </a:schemeClr>
-              </a:solidFill>
-            </a:endParaRPr>
-          </a:p>
-        </p:txBody>
-      </p:sp>
-    </p:spTree>
-    <p:extLst>
-      <p:ext uri="{BB962C8B-B14F-4D97-AF65-F5344CB8AC3E}">
-        <p14:creationId xmlns:p14="http://schemas.microsoft.com/office/powerpoint/2010/main" val="1268331661"/>
-      </p:ext>
-    </p:extLst>
-  </p:cSld>
-  <p:clrMapOvr>
-    <a:masterClrMapping/>
-  </p:clrMapOvr>
-</p:sld>
-</file>
-
-<file path=ppt/slides/slide14.xml><?xml version="1.0" encoding="utf-8"?>
-<p:sld xmlns:a="http://schemas.openxmlformats.org/drawingml/2006/main" xmlns:r="http://schemas.openxmlformats.org/officeDocument/2006/relationships" xmlns:p="http://schemas.openxmlformats.org/presentationml/2006/main">
-  <p:cSld>
-    <p:spTree>
-      <p:nvGrpSpPr>
-        <p:cNvPr id="1" name=""/>
-        <p:cNvGrpSpPr/>
-        <p:nvPr/>
-      </p:nvGrpSpPr>
-      <p:grpSpPr>
-        <a:xfrm>
-          <a:off x="0" y="0"/>
-          <a:ext cx="0" cy="0"/>
-          <a:chOff x="0" y="0"/>
-          <a:chExt cx="0" cy="0"/>
-        </a:xfrm>
-      </p:grpSpPr>
-      <p:sp>
-        <p:nvSpPr>
-          <p:cNvPr id="2" name="Title 1">
-            <a:extLst>
-              <a:ext uri="{FF2B5EF4-FFF2-40B4-BE49-F238E27FC236}">
-                <a16:creationId xmlns:a16="http://schemas.microsoft.com/office/drawing/2014/main" id="{A93D621E-BF36-D3E4-8A96-F6143FE21A31}"/>
-              </a:ext>
-            </a:extLst>
-          </p:cNvPr>
-          <p:cNvSpPr>
-            <a:spLocks noGrp="1"/>
-          </p:cNvSpPr>
-          <p:nvPr>
-            <p:ph type="title"/>
-          </p:nvPr>
-        </p:nvSpPr>
-        <p:spPr>
-          <a:xfrm>
-            <a:off x="1158240" y="609600"/>
-            <a:ext cx="9875520" cy="903778"/>
-          </a:xfrm>
-          <a:solidFill>
-            <a:schemeClr val="accent1">
-              <a:lumMod val="20000"/>
-              <a:lumOff val="80000"/>
-            </a:schemeClr>
-          </a:solidFill>
-          <a:ln w="57150">
-            <a:solidFill>
-              <a:schemeClr val="accent6">
-                <a:lumMod val="50000"/>
-              </a:schemeClr>
-            </a:solidFill>
-          </a:ln>
-        </p:spPr>
-        <p:txBody>
-          <a:bodyPr/>
-          <a:lstStyle/>
-          <a:p>
-            <a:pPr algn="ctr"/>
-            <a:r>
-              <a:rPr lang="en-US" b="1" dirty="0">
-                <a:solidFill>
-                  <a:schemeClr val="tx1">
-                    <a:lumMod val="95000"/>
-                    <a:lumOff val="5000"/>
-                  </a:schemeClr>
-                </a:solidFill>
-              </a:rPr>
-              <a:t>Next Steps</a:t>
-            </a:r>
-          </a:p>
-        </p:txBody>
-      </p:sp>
-      <p:sp>
-        <p:nvSpPr>
-          <p:cNvPr id="3" name="Content Placeholder 2">
-            <a:extLst>
-              <a:ext uri="{FF2B5EF4-FFF2-40B4-BE49-F238E27FC236}">
-                <a16:creationId xmlns:a16="http://schemas.microsoft.com/office/drawing/2014/main" id="{9C9F7A8E-6308-6869-9BFC-5F66D282E48F}"/>
-              </a:ext>
-            </a:extLst>
-          </p:cNvPr>
-          <p:cNvSpPr>
-            <a:spLocks noGrp="1"/>
-          </p:cNvSpPr>
-          <p:nvPr>
-            <p:ph idx="1"/>
-          </p:nvPr>
-        </p:nvSpPr>
-        <p:spPr>
-          <a:xfrm>
-            <a:off x="1160889" y="2408382"/>
-            <a:ext cx="9872871" cy="3133436"/>
-          </a:xfrm>
-        </p:spPr>
-        <p:txBody>
-          <a:bodyPr/>
-          <a:lstStyle/>
-          <a:p>
-            <a:r>
-              <a:rPr lang="en-US" dirty="0">
-                <a:solidFill>
-                  <a:schemeClr val="tx1">
-                    <a:lumMod val="95000"/>
-                    <a:lumOff val="5000"/>
-                  </a:schemeClr>
-                </a:solidFill>
-              </a:rPr>
-              <a:t>Should involve the developing and implementing comprehensive health promotion strategies, including targeted education campaigns, smoking cessation programs, and obesity management initiatives. </a:t>
-            </a:r>
-          </a:p>
-          <a:p>
-            <a:endParaRPr lang="en-US" dirty="0">
-              <a:solidFill>
-                <a:schemeClr val="tx1">
-                  <a:lumMod val="95000"/>
-                  <a:lumOff val="5000"/>
-                </a:schemeClr>
-              </a:solidFill>
-            </a:endParaRPr>
-          </a:p>
-          <a:p>
-            <a:r>
-              <a:rPr lang="en-US" dirty="0">
-                <a:solidFill>
-                  <a:schemeClr val="tx1">
-                    <a:lumMod val="95000"/>
-                    <a:lumOff val="5000"/>
-                  </a:schemeClr>
-                </a:solidFill>
-              </a:rPr>
-              <a:t>It is imperative to investigate additional contributing factors such as alcohol consumption, genetics, family history, prediabetes, race, and ethnicity. </a:t>
-            </a:r>
-          </a:p>
-        </p:txBody>
-      </p:sp>
-      <p:pic>
-        <p:nvPicPr>
-          <p:cNvPr id="4" name="Picture 3">
-            <a:extLst>
-              <a:ext uri="{FF2B5EF4-FFF2-40B4-BE49-F238E27FC236}">
-                <a16:creationId xmlns:a16="http://schemas.microsoft.com/office/drawing/2014/main" id="{BF664781-010F-59B4-6FE4-D2EC87D44545}"/>
-              </a:ext>
-            </a:extLst>
-          </p:cNvPr>
-          <p:cNvPicPr>
-            <a:picLocks noChangeAspect="1"/>
-          </p:cNvPicPr>
-          <p:nvPr/>
-        </p:nvPicPr>
-        <p:blipFill>
-          <a:blip r:embed="rId2">
-            <a:extLst>
-              <a:ext uri="{BEBA8EAE-BF5A-486C-A8C5-ECC9F3942E4B}">
-                <a14:imgProps xmlns:a14="http://schemas.microsoft.com/office/drawing/2010/main">
-                  <a14:imgLayer r:embed="rId3">
-                    <a14:imgEffect>
-                      <a14:artisticCement/>
-                    </a14:imgEffect>
-                  </a14:imgLayer>
-                </a14:imgProps>
-              </a:ext>
-            </a:extLst>
-          </a:blip>
-          <a:stretch>
-            <a:fillRect/>
-          </a:stretch>
-        </p:blipFill>
-        <p:spPr>
-          <a:xfrm>
-            <a:off x="8278675" y="5280466"/>
-            <a:ext cx="3525398" cy="1063992"/>
-          </a:xfrm>
-          <a:prstGeom prst="ellipse">
-            <a:avLst/>
-          </a:prstGeom>
-          <a:ln>
-            <a:noFill/>
-          </a:ln>
-          <a:effectLst>
-            <a:softEdge rad="112500"/>
-          </a:effectLst>
-        </p:spPr>
-      </p:pic>
-    </p:spTree>
-    <p:extLst>
-      <p:ext uri="{BB962C8B-B14F-4D97-AF65-F5344CB8AC3E}">
-        <p14:creationId xmlns:p14="http://schemas.microsoft.com/office/powerpoint/2010/main" val="3108928043"/>
-      </p:ext>
-    </p:extLst>
-  </p:cSld>
-  <p:clrMapOvr>
-    <a:masterClrMapping/>
-  </p:clrMapOvr>
-</p:sld>
-</file>
-
-<file path=ppt/slides/slide15.xml><?xml version="1.0" encoding="utf-8"?>
-<p:sld xmlns:a="http://schemas.openxmlformats.org/drawingml/2006/main" xmlns:r="http://schemas.openxmlformats.org/officeDocument/2006/relationships" xmlns:p="http://schemas.openxmlformats.org/presentationml/2006/main">
-  <p:cSld>
-    <p:spTree>
-      <p:nvGrpSpPr>
-        <p:cNvPr id="1" name=""/>
-        <p:cNvGrpSpPr/>
-        <p:nvPr/>
-      </p:nvGrpSpPr>
-      <p:grpSpPr>
-        <a:xfrm>
-          <a:off x="0" y="0"/>
-          <a:ext cx="0" cy="0"/>
-          <a:chOff x="0" y="0"/>
-          <a:chExt cx="0" cy="0"/>
-        </a:xfrm>
-      </p:grpSpPr>
-      <p:sp>
-        <p:nvSpPr>
-          <p:cNvPr id="2" name="Title 1">
-            <a:extLst>
-              <a:ext uri="{FF2B5EF4-FFF2-40B4-BE49-F238E27FC236}">
-                <a16:creationId xmlns:a16="http://schemas.microsoft.com/office/drawing/2014/main" id="{6E3AFF97-E991-0CBC-B9BF-018B1AE55CB0}"/>
-              </a:ext>
-            </a:extLst>
-          </p:cNvPr>
-          <p:cNvSpPr>
-            <a:spLocks noGrp="1"/>
-          </p:cNvSpPr>
-          <p:nvPr>
-            <p:ph type="title"/>
-          </p:nvPr>
-        </p:nvSpPr>
-        <p:spPr>
-          <a:xfrm>
-            <a:off x="1143000" y="609600"/>
-            <a:ext cx="9875520" cy="956733"/>
-          </a:xfrm>
-          <a:solidFill>
-            <a:schemeClr val="accent1">
-              <a:lumMod val="20000"/>
-              <a:lumOff val="80000"/>
-            </a:schemeClr>
-          </a:solidFill>
-          <a:ln w="57150">
-            <a:solidFill>
-              <a:schemeClr val="accent6">
-                <a:lumMod val="50000"/>
-              </a:schemeClr>
-            </a:solidFill>
-          </a:ln>
-        </p:spPr>
-        <p:txBody>
-          <a:bodyPr/>
-          <a:lstStyle/>
-          <a:p>
-            <a:pPr algn="ctr"/>
-            <a:r>
-              <a:rPr lang="en-US" b="1" dirty="0">
-                <a:solidFill>
-                  <a:schemeClr val="tx1">
-                    <a:lumMod val="95000"/>
-                    <a:lumOff val="5000"/>
-                  </a:schemeClr>
-                </a:solidFill>
-              </a:rPr>
-              <a:t>References</a:t>
-            </a:r>
-          </a:p>
-        </p:txBody>
-      </p:sp>
-      <p:sp>
-        <p:nvSpPr>
-          <p:cNvPr id="3" name="Content Placeholder 2">
-            <a:extLst>
-              <a:ext uri="{FF2B5EF4-FFF2-40B4-BE49-F238E27FC236}">
-                <a16:creationId xmlns:a16="http://schemas.microsoft.com/office/drawing/2014/main" id="{53E33D0B-8928-FB74-0A8D-85D6F8E9E8B6}"/>
-              </a:ext>
-            </a:extLst>
-          </p:cNvPr>
-          <p:cNvSpPr>
-            <a:spLocks noGrp="1"/>
-          </p:cNvSpPr>
-          <p:nvPr>
-            <p:ph idx="1"/>
-          </p:nvPr>
-        </p:nvSpPr>
-        <p:spPr/>
-        <p:txBody>
-          <a:bodyPr>
-            <a:normAutofit lnSpcReduction="10000"/>
-          </a:bodyPr>
-          <a:lstStyle/>
-          <a:p>
             <a:pPr marL="45720" indent="0">
               <a:buNone/>
             </a:pPr>
@@ -5490,62 +6075,8 @@
                   </a:schemeClr>
                 </a:solidFill>
               </a:rPr>
-              <a:t>International Diabetes Federation (2024). https://idf.org/about-diabetes/diabetes-facts-figures/</a:t>
-            </a:r>
-          </a:p>
-          <a:p>
-            <a:endParaRPr lang="en-US" dirty="0">
-              <a:solidFill>
-                <a:schemeClr val="tx1">
-                  <a:lumMod val="95000"/>
-                  <a:lumOff val="5000"/>
-                </a:schemeClr>
-              </a:solidFill>
-            </a:endParaRPr>
-          </a:p>
-          <a:p>
-            <a:pPr marL="45720" indent="0">
-              <a:buNone/>
-            </a:pPr>
-            <a:r>
-              <a:rPr lang="en-US" dirty="0">
-                <a:solidFill>
-                  <a:schemeClr val="tx1">
-                    <a:lumMod val="95000"/>
-                    <a:lumOff val="5000"/>
-                  </a:schemeClr>
-                </a:solidFill>
-              </a:rPr>
-              <a:t>Mohammed Mustafa (2023). Diabetes prediction dataset: A comprehensive dataset for predicting Diabetes with medical and demographic data. https://www.kaggle.com/datasets/iammustafatz/diabetes-prediction-dataset/data</a:t>
-            </a:r>
-          </a:p>
-          <a:p>
-            <a:endParaRPr lang="en-US" dirty="0">
-              <a:solidFill>
-                <a:schemeClr val="tx1">
-                  <a:lumMod val="95000"/>
-                  <a:lumOff val="5000"/>
-                </a:schemeClr>
-              </a:solidFill>
-            </a:endParaRPr>
-          </a:p>
-          <a:p>
-            <a:pPr marL="45720" indent="0">
-              <a:buNone/>
-            </a:pPr>
-            <a:r>
-              <a:rPr lang="en-US" dirty="0">
-                <a:solidFill>
-                  <a:schemeClr val="tx1">
-                    <a:lumMod val="95000"/>
-                    <a:lumOff val="5000"/>
-                  </a:schemeClr>
-                </a:solidFill>
-              </a:rPr>
-              <a:t>Wu Y, Ding Y, Tanaka Y, &amp; Zhang W. (2014). Risk factors contributing to type 2 diabetes and recent advances in the treatment and prevention. International J Medical Sciences 6;11(11):1185-200. doi: 10.7150/ijms.10001. PMID: 25249787; PMCID: PMC4166864.</a:t>
-            </a:r>
-          </a:p>
-          <a:p>
+              <a:t>Wu, Y., Ding, Y., Tanaka, Y., &amp; Zhang, W. (2014). Risk factors contributing to type 2 diabetes and recent advances in the treatment and prevention. International Journal of  Medical Sciences 6;11(11):1185-200. doi: 10.7150/ijms.10001. </a:t>
+            </a:r>
             <a:endParaRPr lang="en-US" dirty="0"/>
           </a:p>
         </p:txBody>
@@ -5609,8 +6140,9 @@
           </a:solidFill>
           <a:ln w="57150">
             <a:solidFill>
-              <a:schemeClr val="accent6">
-                <a:lumMod val="75000"/>
+              <a:schemeClr val="tx1">
+                <a:lumMod val="85000"/>
+                <a:lumOff val="15000"/>
               </a:schemeClr>
             </a:solidFill>
           </a:ln>
@@ -5652,8 +6184,8 @@
         </p:nvSpPr>
         <p:spPr>
           <a:xfrm>
-            <a:off x="1200726" y="2152073"/>
-            <a:ext cx="10076873" cy="4006416"/>
+            <a:off x="680484" y="1945758"/>
+            <a:ext cx="10966084" cy="4433777"/>
           </a:xfrm>
         </p:spPr>
         <p:txBody>
@@ -5671,7 +6203,18 @@
                   </a:schemeClr>
                 </a:solidFill>
               </a:rPr>
-              <a:t>Diabetes, also known as Diabetes mellitus, represents a significant global health challenge, with its prevalence steadily increasing. </a:t>
+              <a:t>Diabetes represents a significant global health challenge, with its prevalence steadily increasing. In the United States, over 133 million individuals are affected by either diabetes (37.3 million) or prediabetes (96 million) </a:t>
+            </a:r>
+            <a:r>
+              <a:rPr lang="en-US" sz="2000" dirty="0">
+                <a:solidFill>
+                  <a:schemeClr val="tx1">
+                    <a:lumMod val="95000"/>
+                    <a:lumOff val="5000"/>
+                  </a:schemeClr>
+                </a:solidFill>
+              </a:rPr>
+              <a:t>(CDC, 2022).</a:t>
             </a:r>
           </a:p>
           <a:p>
@@ -5694,10 +6237,72 @@
                   </a:schemeClr>
                 </a:solidFill>
               </a:rPr>
-              <a:t>In the United States, the Centers for Disease Control and Prevention's 2022 data indicate that over 133 million individuals are affected by either Diabetes (37.3 million) or prediabetes (96 million). </a:t>
-            </a:r>
-          </a:p>
-          <a:p>
+              <a:t>This escalating burden highlights the importance of understanding the contributing factors to Type 2 Diabetes; hence, our exploratory data analysis focused on the following:</a:t>
+            </a:r>
+          </a:p>
+          <a:p>
+            <a:pPr marL="45720" indent="0">
+              <a:buNone/>
+            </a:pPr>
+            <a:endParaRPr lang="en-US" sz="900" dirty="0">
+              <a:solidFill>
+                <a:schemeClr val="tx1">
+                  <a:lumMod val="95000"/>
+                  <a:lumOff val="5000"/>
+                </a:schemeClr>
+              </a:solidFill>
+            </a:endParaRPr>
+          </a:p>
+          <a:p>
+            <a:pPr marL="731520" lvl="1" indent="-457200">
+              <a:buFont typeface="+mj-lt"/>
+              <a:buAutoNum type="arabicPeriod"/>
+            </a:pPr>
+            <a:r>
+              <a:rPr lang="en-US" sz="2200" dirty="0">
+                <a:solidFill>
+                  <a:schemeClr val="tx1">
+                    <a:lumMod val="95000"/>
+                    <a:lumOff val="5000"/>
+                  </a:schemeClr>
+                </a:solidFill>
+              </a:rPr>
+              <a:t>What are some of the trends between contributing factors?</a:t>
+            </a:r>
+          </a:p>
+          <a:p>
+            <a:pPr marL="731520" lvl="1" indent="-457200">
+              <a:buFont typeface="+mj-lt"/>
+              <a:buAutoNum type="arabicPeriod"/>
+            </a:pPr>
+            <a:r>
+              <a:rPr lang="en-US" sz="2200" dirty="0">
+                <a:solidFill>
+                  <a:schemeClr val="tx1">
+                    <a:lumMod val="95000"/>
+                    <a:lumOff val="5000"/>
+                  </a:schemeClr>
+                </a:solidFill>
+              </a:rPr>
+              <a:t>How many diabetics do not have any of the illnesses/behaviors?</a:t>
+            </a:r>
+          </a:p>
+          <a:p>
+            <a:pPr marL="731520" lvl="1" indent="-457200">
+              <a:buFont typeface="+mj-lt"/>
+              <a:buAutoNum type="arabicPeriod"/>
+            </a:pPr>
+            <a:r>
+              <a:rPr lang="en-US" sz="2200" dirty="0">
+                <a:solidFill>
+                  <a:schemeClr val="tx1">
+                    <a:lumMod val="95000"/>
+                    <a:lumOff val="5000"/>
+                  </a:schemeClr>
+                </a:solidFill>
+              </a:rPr>
+              <a:t>Is there a combination of factors that tend to correlate with a diagnosis of diabetes?</a:t>
+            </a:r>
             <a:endParaRPr lang="en-US" sz="2400" dirty="0">
               <a:solidFill>
                 <a:schemeClr val="tx1">
@@ -5706,19 +6311,6 @@
                 </a:schemeClr>
               </a:solidFill>
             </a:endParaRPr>
-          </a:p>
-          <a:p>
-            <a:r>
-              <a:rPr lang="en-US" sz="2400" dirty="0">
-                <a:solidFill>
-                  <a:schemeClr val="tx1">
-                    <a:lumMod val="95000"/>
-                    <a:lumOff val="5000"/>
-                  </a:schemeClr>
-                </a:solidFill>
-              </a:rPr>
-              <a:t>This escalating burden highlights the importance of understanding the contributing factors.</a:t>
-            </a:r>
           </a:p>
         </p:txBody>
       </p:sp>
@@ -5757,7 +6349,7 @@
           <p:cNvPr id="2" name="Title 1">
             <a:extLst>
               <a:ext uri="{FF2B5EF4-FFF2-40B4-BE49-F238E27FC236}">
-                <a16:creationId xmlns:a16="http://schemas.microsoft.com/office/drawing/2014/main" id="{5EA02FAC-C6F9-A46E-51C8-55121E837D23}"/>
+                <a16:creationId xmlns:a16="http://schemas.microsoft.com/office/drawing/2014/main" id="{9AB7D2DE-2A4C-6F45-D36D-07AC8B37C767}"/>
               </a:ext>
             </a:extLst>
           </p:cNvPr>
@@ -5770,8 +6362,8 @@
         </p:nvSpPr>
         <p:spPr>
           <a:xfrm>
-            <a:off x="838200" y="443346"/>
-            <a:ext cx="10515600" cy="961015"/>
+            <a:off x="838200" y="351516"/>
+            <a:ext cx="10515600" cy="1009651"/>
           </a:xfrm>
           <a:solidFill>
             <a:schemeClr val="accent1">
@@ -5782,7 +6374,7 @@
           <a:ln w="57150">
             <a:solidFill>
               <a:schemeClr val="accent6">
-                <a:lumMod val="75000"/>
+                <a:lumMod val="50000"/>
               </a:schemeClr>
             </a:solidFill>
           </a:ln>
@@ -5801,7 +6393,7 @@
                   </a:schemeClr>
                 </a:solidFill>
               </a:rPr>
-              <a:t>Questions</a:t>
+              <a:t>Data Source and Collection</a:t>
             </a:r>
           </a:p>
         </p:txBody>
@@ -5811,7 +6403,7 @@
           <p:cNvPr id="3" name="Content Placeholder 2">
             <a:extLst>
               <a:ext uri="{FF2B5EF4-FFF2-40B4-BE49-F238E27FC236}">
-                <a16:creationId xmlns:a16="http://schemas.microsoft.com/office/drawing/2014/main" id="{8045008F-420C-684A-8B6D-24E3D0520EF1}"/>
+                <a16:creationId xmlns:a16="http://schemas.microsoft.com/office/drawing/2014/main" id="{9765456C-3DA9-AF86-A865-ADF1077670E1}"/>
               </a:ext>
             </a:extLst>
           </p:cNvPr>
@@ -5824,8 +6416,8 @@
         </p:nvSpPr>
         <p:spPr>
           <a:xfrm>
-            <a:off x="1468582" y="2078182"/>
-            <a:ext cx="9411854" cy="3963844"/>
+            <a:off x="838200" y="2262909"/>
+            <a:ext cx="10515600" cy="3914054"/>
           </a:xfrm>
         </p:spPr>
         <p:txBody>
@@ -5834,9 +6426,6 @@
           </a:bodyPr>
           <a:lstStyle/>
           <a:p>
-            <a:pPr marL="0" indent="0">
-              <a:buNone/>
-            </a:pPr>
             <a:r>
               <a:rPr lang="en-US" sz="2400" dirty="0">
                 <a:solidFill>
@@ -5846,31 +6435,10 @@
                   </a:schemeClr>
                 </a:solidFill>
               </a:rPr>
-              <a:t>The aim of our exploratory data analysis was to address the following :</a:t>
-            </a:r>
-          </a:p>
-          <a:p>
-            <a:pPr marL="514350" indent="-514350">
-              <a:buFont typeface="+mj-lt"/>
-              <a:buAutoNum type="arabicPeriod"/>
-            </a:pPr>
-            <a:r>
-              <a:rPr lang="en-US" sz="2400" dirty="0">
-                <a:solidFill>
-                  <a:schemeClr val="tx1">
-                    <a:lumMod val="95000"/>
-                    <a:lumOff val="5000"/>
-                  </a:schemeClr>
-                </a:solidFill>
-              </a:rPr>
-              <a:t>What are some of the trends between contributing factors?</a:t>
-            </a:r>
-          </a:p>
-          <a:p>
-            <a:pPr marL="514350" indent="-514350">
-              <a:buFont typeface="+mj-lt"/>
-              <a:buAutoNum type="arabicPeriod"/>
-            </a:pPr>
+              <a:t>Data was sourced from the Diabetes Prediction Dataset (by Mohammed Mustafa) via Kaggle.</a:t>
+            </a:r>
+          </a:p>
+          <a:p>
             <a:endParaRPr lang="en-US" sz="2400" dirty="0">
               <a:solidFill>
                 <a:schemeClr val="tx1">
@@ -5881,10 +6449,6 @@
             </a:endParaRPr>
           </a:p>
           <a:p>
-            <a:pPr marL="514350" indent="-514350">
-              <a:buFont typeface="+mj-lt"/>
-              <a:buAutoNum type="arabicPeriod"/>
-            </a:pPr>
             <a:r>
               <a:rPr lang="en-US" sz="2400" dirty="0">
                 <a:solidFill>
@@ -5894,14 +6458,10 @@
                   </a:schemeClr>
                 </a:solidFill>
               </a:rPr>
-              <a:t>How many diabetics do not have any of the other illnesses/behaviors?</a:t>
-            </a:r>
-          </a:p>
-          <a:p>
-            <a:pPr marL="514350" indent="-514350">
-              <a:buFont typeface="+mj-lt"/>
-              <a:buAutoNum type="arabicPeriod"/>
-            </a:pPr>
+              <a:t>It is a collection of medical and demographic data from patients and their diabetes status (positive or negative). </a:t>
+            </a:r>
+          </a:p>
+          <a:p>
             <a:endParaRPr lang="en-US" sz="2400" dirty="0">
               <a:solidFill>
                 <a:schemeClr val="tx1">
@@ -5912,10 +6472,6 @@
             </a:endParaRPr>
           </a:p>
           <a:p>
-            <a:pPr marL="514350" indent="-514350">
-              <a:buFont typeface="+mj-lt"/>
-              <a:buAutoNum type="arabicPeriod"/>
-            </a:pPr>
             <a:r>
               <a:rPr lang="en-US" sz="2400" dirty="0">
                 <a:solidFill>
@@ -5925,18 +6481,21 @@
                   </a:schemeClr>
                 </a:solidFill>
               </a:rPr>
-              <a:t>Is there a combination of factors that tend to correlate with a diabetic diagnosis?</a:t>
+              <a:t>The dataset consisted of 100,000 entries across nine variables: gender, age, hypertension, heart disease, smoking history, body mass index (BMI), glycated hemoglobin (HbA1c) level, blood glucose level, and diabetes status. </a:t>
             </a:r>
           </a:p>
           <a:p>
             <a:endParaRPr lang="en-US" sz="2400" dirty="0"/>
+          </a:p>
+          <a:p>
+            <a:endParaRPr lang="en-US" sz="2000" dirty="0"/>
           </a:p>
         </p:txBody>
       </p:sp>
     </p:spTree>
     <p:extLst>
       <p:ext uri="{BB962C8B-B14F-4D97-AF65-F5344CB8AC3E}">
-        <p14:creationId xmlns:p14="http://schemas.microsoft.com/office/powerpoint/2010/main" val="3340900588"/>
+        <p14:creationId xmlns:p14="http://schemas.microsoft.com/office/powerpoint/2010/main" val="2691476605"/>
       </p:ext>
     </p:extLst>
   </p:cSld>
@@ -5968,7 +6527,7 @@
           <p:cNvPr id="2" name="Title 1">
             <a:extLst>
               <a:ext uri="{FF2B5EF4-FFF2-40B4-BE49-F238E27FC236}">
-                <a16:creationId xmlns:a16="http://schemas.microsoft.com/office/drawing/2014/main" id="{9AB7D2DE-2A4C-6F45-D36D-07AC8B37C767}"/>
+                <a16:creationId xmlns:a16="http://schemas.microsoft.com/office/drawing/2014/main" id="{7E292E45-34F7-0936-5734-C19489B0E669}"/>
               </a:ext>
             </a:extLst>
           </p:cNvPr>
@@ -5981,8 +6540,8 @@
         </p:nvSpPr>
         <p:spPr>
           <a:xfrm>
-            <a:off x="838199" y="450128"/>
-            <a:ext cx="10515600" cy="1009651"/>
+            <a:off x="711200" y="375968"/>
+            <a:ext cx="10677236" cy="903778"/>
           </a:xfrm>
           <a:solidFill>
             <a:schemeClr val="accent1">
@@ -6012,7 +6571,7 @@
                   </a:schemeClr>
                 </a:solidFill>
               </a:rPr>
-              <a:t>Data Source and Collection</a:t>
+              <a:t>Data Cleaning and Preparation</a:t>
             </a:r>
           </a:p>
         </p:txBody>
@@ -6022,7 +6581,7 @@
           <p:cNvPr id="3" name="Content Placeholder 2">
             <a:extLst>
               <a:ext uri="{FF2B5EF4-FFF2-40B4-BE49-F238E27FC236}">
-                <a16:creationId xmlns:a16="http://schemas.microsoft.com/office/drawing/2014/main" id="{9765456C-3DA9-AF86-A865-ADF1077670E1}"/>
+                <a16:creationId xmlns:a16="http://schemas.microsoft.com/office/drawing/2014/main" id="{2F9E2063-32E3-C9DB-C52E-A8284BBF657E}"/>
               </a:ext>
             </a:extLst>
           </p:cNvPr>
@@ -6035,8 +6594,8 @@
         </p:nvSpPr>
         <p:spPr>
           <a:xfrm>
-            <a:off x="1029596" y="2262909"/>
-            <a:ext cx="9980149" cy="3914054"/>
+            <a:off x="711200" y="1947530"/>
+            <a:ext cx="10677236" cy="4038600"/>
           </a:xfrm>
         </p:spPr>
         <p:txBody>
@@ -6046,19 +6605,22 @@
           <a:lstStyle/>
           <a:p>
             <a:r>
-              <a:rPr lang="en-US" sz="2400" dirty="0">
-                <a:solidFill>
-                  <a:schemeClr val="tx1">
-                    <a:lumMod val="95000"/>
-                    <a:lumOff val="5000"/>
-                  </a:schemeClr>
-                </a:solidFill>
-              </a:rPr>
-              <a:t>Data was sourced from the diabetes prediction dataset via Kaggle.</a:t>
-            </a:r>
-          </a:p>
-          <a:p>
-            <a:endParaRPr lang="en-US" sz="2400" dirty="0">
+              <a:rPr lang="en-US" dirty="0">
+                <a:solidFill>
+                  <a:schemeClr val="tx1">
+                    <a:lumMod val="95000"/>
+                    <a:lumOff val="5000"/>
+                  </a:schemeClr>
+                </a:solidFill>
+              </a:rPr>
+              <a:t>The dataset was imported from the provided CSV file and stored in a new variable for analysis. Data cleaning and preparation included:</a:t>
+            </a:r>
+          </a:p>
+          <a:p>
+            <a:pPr marL="45720" indent="0">
+              <a:buNone/>
+            </a:pPr>
+            <a:endParaRPr lang="en-US" sz="1050" dirty="0">
               <a:solidFill>
                 <a:schemeClr val="tx1">
                   <a:lumMod val="95000"/>
@@ -6068,20 +6630,75 @@
             </a:endParaRPr>
           </a:p>
           <a:p>
-            <a:r>
-              <a:rPr lang="en-US" sz="2400" dirty="0">
-                <a:solidFill>
-                  <a:schemeClr val="tx1">
-                    <a:lumMod val="95000"/>
-                    <a:lumOff val="5000"/>
-                  </a:schemeClr>
-                </a:solidFill>
-              </a:rPr>
-              <a:t>Is a collection of medical and demographic data from patients and their diabetes status (positive or negative). </a:t>
-            </a:r>
-          </a:p>
-          <a:p>
-            <a:endParaRPr lang="en-US" sz="2400" dirty="0">
+            <a:pPr lvl="2">
+              <a:buFont typeface="Courier New" panose="02070309020205020404" pitchFamily="49" charset="0"/>
+              <a:buChar char="o"/>
+            </a:pPr>
+            <a:r>
+              <a:rPr lang="en-US" sz="2000" dirty="0">
+                <a:solidFill>
+                  <a:schemeClr val="tx1">
+                    <a:lumMod val="95000"/>
+                    <a:lumOff val="5000"/>
+                  </a:schemeClr>
+                </a:solidFill>
+              </a:rPr>
+              <a:t>Replacing the numeric Boolean values (1, 0) with more interpretable True/False values.</a:t>
+            </a:r>
+          </a:p>
+          <a:p>
+            <a:pPr lvl="2">
+              <a:buFont typeface="Courier New" panose="02070309020205020404" pitchFamily="49" charset="0"/>
+              <a:buChar char="o"/>
+            </a:pPr>
+            <a:r>
+              <a:rPr lang="en-US" sz="2000" dirty="0">
+                <a:solidFill>
+                  <a:schemeClr val="tx1">
+                    <a:lumMod val="95000"/>
+                    <a:lumOff val="5000"/>
+                  </a:schemeClr>
+                </a:solidFill>
+              </a:rPr>
+              <a:t>Limiting the scope of the study to adults aged 21 years and above.</a:t>
+            </a:r>
+          </a:p>
+          <a:p>
+            <a:pPr lvl="2">
+              <a:buFont typeface="Courier New" panose="02070309020205020404" pitchFamily="49" charset="0"/>
+              <a:buChar char="o"/>
+            </a:pPr>
+            <a:r>
+              <a:rPr lang="en-US" sz="2000" dirty="0">
+                <a:solidFill>
+                  <a:schemeClr val="tx1">
+                    <a:lumMod val="95000"/>
+                    <a:lumOff val="5000"/>
+                  </a:schemeClr>
+                </a:solidFill>
+              </a:rPr>
+              <a:t>Removing patients whose smoking history was labeled as ‘ever.’</a:t>
+            </a:r>
+          </a:p>
+          <a:p>
+            <a:pPr lvl="2">
+              <a:buFont typeface="Courier New" panose="02070309020205020404" pitchFamily="49" charset="0"/>
+              <a:buChar char="o"/>
+            </a:pPr>
+            <a:r>
+              <a:rPr lang="en-US" sz="2000" dirty="0">
+                <a:solidFill>
+                  <a:schemeClr val="tx1">
+                    <a:lumMod val="95000"/>
+                    <a:lumOff val="5000"/>
+                  </a:schemeClr>
+                </a:solidFill>
+              </a:rPr>
+              <a:t>Eliminating rows with null values in essential variables.</a:t>
+            </a:r>
+          </a:p>
+          <a:p>
+            <a:endParaRPr lang="en-US" dirty="0">
               <a:solidFill>
                 <a:schemeClr val="tx1">
                   <a:lumMod val="95000"/>
@@ -6092,29 +6709,23 @@
           </a:p>
           <a:p>
             <a:r>
-              <a:rPr lang="en-US" sz="2400" dirty="0">
-                <a:solidFill>
-                  <a:schemeClr val="tx1">
-                    <a:lumMod val="95000"/>
-                    <a:lumOff val="5000"/>
-                  </a:schemeClr>
-                </a:solidFill>
-              </a:rPr>
-              <a:t>The dataset consisted of 100,000 rows and nine variables, including gender, age, hypertension, heart disease, smoking history, body mass index (BMI), HbA1c level, blood glucose level, and diabetes status. </a:t>
-            </a:r>
-          </a:p>
-          <a:p>
-            <a:endParaRPr lang="en-US" sz="2400" dirty="0"/>
-          </a:p>
-          <a:p>
-            <a:endParaRPr lang="en-US" sz="2000" dirty="0"/>
+              <a:rPr lang="en-US" dirty="0">
+                <a:solidFill>
+                  <a:schemeClr val="tx1">
+                    <a:lumMod val="95000"/>
+                    <a:lumOff val="5000"/>
+                  </a:schemeClr>
+                </a:solidFill>
+              </a:rPr>
+              <a:t>Post-cleaning, the dataset had 73,978 rows. Further filtering was then applied to isolate individuals who reported having diabetes, resulting in a subset of 7,913 individuals. </a:t>
+            </a:r>
           </a:p>
         </p:txBody>
       </p:sp>
     </p:spTree>
     <p:extLst>
       <p:ext uri="{BB962C8B-B14F-4D97-AF65-F5344CB8AC3E}">
-        <p14:creationId xmlns:p14="http://schemas.microsoft.com/office/powerpoint/2010/main" val="2691476605"/>
+        <p14:creationId xmlns:p14="http://schemas.microsoft.com/office/powerpoint/2010/main" val="1200574377"/>
       </p:ext>
     </p:extLst>
   </p:cSld>
@@ -6146,7 +6757,7 @@
           <p:cNvPr id="2" name="Title 1">
             <a:extLst>
               <a:ext uri="{FF2B5EF4-FFF2-40B4-BE49-F238E27FC236}">
-                <a16:creationId xmlns:a16="http://schemas.microsoft.com/office/drawing/2014/main" id="{7E292E45-34F7-0936-5734-C19489B0E669}"/>
+                <a16:creationId xmlns:a16="http://schemas.microsoft.com/office/drawing/2014/main" id="{43A88750-2AE3-5B3C-324E-09013832D227}"/>
               </a:ext>
             </a:extLst>
           </p:cNvPr>
@@ -6159,8 +6770,8 @@
         </p:nvSpPr>
         <p:spPr>
           <a:xfrm>
-            <a:off x="1158240" y="591128"/>
-            <a:ext cx="9875520" cy="903778"/>
+            <a:off x="754912" y="403412"/>
+            <a:ext cx="10568762" cy="997527"/>
           </a:xfrm>
           <a:solidFill>
             <a:schemeClr val="accent1">
@@ -6177,133 +6788,23 @@
           </a:ln>
         </p:spPr>
         <p:txBody>
-          <a:bodyPr/>
-          <a:lstStyle/>
-          <a:p>
-            <a:pPr algn="ctr"/>
-            <a:r>
-              <a:rPr lang="en-US" b="1" dirty="0">
-                <a:solidFill>
-                  <a:schemeClr val="tx1">
-                    <a:lumMod val="95000"/>
-                    <a:lumOff val="5000"/>
-                  </a:schemeClr>
-                </a:solidFill>
-              </a:rPr>
-              <a:t>Data Cleaning and Preparation</a:t>
-            </a:r>
-          </a:p>
-        </p:txBody>
-      </p:sp>
-      <p:sp>
-        <p:nvSpPr>
-          <p:cNvPr id="3" name="Content Placeholder 2">
-            <a:extLst>
-              <a:ext uri="{FF2B5EF4-FFF2-40B4-BE49-F238E27FC236}">
-                <a16:creationId xmlns:a16="http://schemas.microsoft.com/office/drawing/2014/main" id="{2F9E2063-32E3-C9DB-C52E-A8284BBF657E}"/>
-              </a:ext>
-            </a:extLst>
-          </p:cNvPr>
-          <p:cNvSpPr>
-            <a:spLocks noGrp="1"/>
-          </p:cNvSpPr>
-          <p:nvPr>
-            <p:ph idx="1"/>
-          </p:nvPr>
-        </p:nvSpPr>
-        <p:spPr>
-          <a:xfrm>
-            <a:off x="711200" y="2057400"/>
-            <a:ext cx="10677236" cy="4038600"/>
-          </a:xfrm>
-        </p:spPr>
-        <p:txBody>
           <a:bodyPr>
             <a:normAutofit/>
           </a:bodyPr>
           <a:lstStyle/>
           <a:p>
-            <a:r>
-              <a:rPr lang="en-US" dirty="0">
-                <a:solidFill>
-                  <a:schemeClr val="tx1">
-                    <a:lumMod val="95000"/>
-                    <a:lumOff val="5000"/>
-                  </a:schemeClr>
-                </a:solidFill>
-              </a:rPr>
-              <a:t>The dataset was imported from the provided CSV file and stored in a new variable for analysis and data cleaning and preparation were done:</a:t>
-            </a:r>
-          </a:p>
-          <a:p>
-            <a:pPr lvl="2">
-              <a:buFont typeface="Courier New" panose="02070309020205020404" pitchFamily="49" charset="0"/>
-              <a:buChar char="o"/>
-            </a:pPr>
-            <a:r>
-              <a:rPr lang="en-US" sz="2000" dirty="0">
-                <a:solidFill>
-                  <a:schemeClr val="tx1">
-                    <a:lumMod val="95000"/>
-                    <a:lumOff val="5000"/>
-                  </a:schemeClr>
-                </a:solidFill>
-              </a:rPr>
-              <a:t>Replacing the values (0, 1) with more interpretable True/False values.</a:t>
-            </a:r>
-          </a:p>
-          <a:p>
-            <a:pPr lvl="2">
-              <a:buFont typeface="Courier New" panose="02070309020205020404" pitchFamily="49" charset="0"/>
-              <a:buChar char="o"/>
-            </a:pPr>
-            <a:r>
-              <a:rPr lang="en-US" sz="2000" dirty="0">
-                <a:solidFill>
-                  <a:schemeClr val="tx1">
-                    <a:lumMod val="95000"/>
-                    <a:lumOff val="5000"/>
-                  </a:schemeClr>
-                </a:solidFill>
-              </a:rPr>
-              <a:t>Limiting the scope of the study to adults aged 21 and above.</a:t>
-            </a:r>
-          </a:p>
-          <a:p>
-            <a:pPr lvl="2">
-              <a:buFont typeface="Courier New" panose="02070309020205020404" pitchFamily="49" charset="0"/>
-              <a:buChar char="o"/>
-            </a:pPr>
-            <a:r>
-              <a:rPr lang="en-US" sz="2000" dirty="0">
-                <a:solidFill>
-                  <a:schemeClr val="tx1">
-                    <a:lumMod val="95000"/>
-                    <a:lumOff val="5000"/>
-                  </a:schemeClr>
-                </a:solidFill>
-              </a:rPr>
-              <a:t>Removing patients whose smoking history was labeled as "ever“.</a:t>
-            </a:r>
-          </a:p>
-          <a:p>
-            <a:pPr lvl="2">
-              <a:buFont typeface="Courier New" panose="02070309020205020404" pitchFamily="49" charset="0"/>
-              <a:buChar char="o"/>
-            </a:pPr>
-            <a:r>
-              <a:rPr lang="en-US" sz="2000" dirty="0">
-                <a:solidFill>
-                  <a:schemeClr val="tx1">
-                    <a:lumMod val="95000"/>
-                    <a:lumOff val="5000"/>
-                  </a:schemeClr>
-                </a:solidFill>
-              </a:rPr>
-              <a:t>Eliminating rows with null values in essential variables.</a:t>
-            </a:r>
-          </a:p>
-          <a:p>
+            <a:pPr algn="ctr"/>
+            <a:r>
+              <a:rPr lang="en-US" b="1" dirty="0">
+                <a:solidFill>
+                  <a:schemeClr val="tx1">
+                    <a:lumMod val="95000"/>
+                    <a:lumOff val="5000"/>
+                  </a:schemeClr>
+                </a:solidFill>
+              </a:rPr>
+              <a:t>Data Analysis Methods</a:t>
+            </a:r>
             <a:endParaRPr lang="en-US" dirty="0">
               <a:solidFill>
                 <a:schemeClr val="tx1">
@@ -6313,21 +6814,53 @@
               </a:solidFill>
             </a:endParaRPr>
           </a:p>
-          <a:p>
-            <a:r>
-              <a:rPr lang="en-US" dirty="0">
-                <a:solidFill>
-                  <a:schemeClr val="tx1">
-                    <a:lumMod val="95000"/>
-                    <a:lumOff val="5000"/>
-                  </a:schemeClr>
-                </a:solidFill>
-              </a:rPr>
-              <a:t>Post cleaning the dataset had 73,978 rows. Further filtering was then applied to isolate individuals who reported having Diabetes, resulting in a subset of 7,913 individuals. </a:t>
-            </a:r>
-          </a:p>
-          <a:p>
-            <a:endParaRPr lang="en-US" dirty="0">
+        </p:txBody>
+      </p:sp>
+      <p:sp>
+        <p:nvSpPr>
+          <p:cNvPr id="3" name="Content Placeholder 2">
+            <a:extLst>
+              <a:ext uri="{FF2B5EF4-FFF2-40B4-BE49-F238E27FC236}">
+                <a16:creationId xmlns:a16="http://schemas.microsoft.com/office/drawing/2014/main" id="{DB2B5D8B-A61A-26A1-4102-191127C8D4A5}"/>
+              </a:ext>
+            </a:extLst>
+          </p:cNvPr>
+          <p:cNvSpPr>
+            <a:spLocks noGrp="1"/>
+          </p:cNvSpPr>
+          <p:nvPr>
+            <p:ph idx="1"/>
+          </p:nvPr>
+        </p:nvSpPr>
+        <p:spPr>
+          <a:xfrm>
+            <a:off x="754912" y="2364508"/>
+            <a:ext cx="10568762" cy="3731491"/>
+          </a:xfrm>
+        </p:spPr>
+        <p:txBody>
+          <a:bodyPr>
+            <a:normAutofit/>
+          </a:bodyPr>
+          <a:lstStyle/>
+          <a:p>
+            <a:r>
+              <a:rPr lang="en-US" sz="2400" dirty="0">
+                <a:solidFill>
+                  <a:schemeClr val="tx1">
+                    <a:lumMod val="95000"/>
+                    <a:lumOff val="5000"/>
+                  </a:schemeClr>
+                </a:solidFill>
+              </a:rPr>
+              <a:t> Summary statistics were calculated for continuous variables.</a:t>
+            </a:r>
+          </a:p>
+          <a:p>
+            <a:pPr marL="45720" indent="0">
+              <a:buNone/>
+            </a:pPr>
+            <a:endParaRPr lang="en-US" sz="2400" dirty="0">
               <a:solidFill>
                 <a:schemeClr val="tx1">
                   <a:lumMod val="95000"/>
@@ -6336,12 +6869,51 @@
               </a:solidFill>
             </a:endParaRPr>
           </a:p>
+          <a:p>
+            <a:r>
+              <a:rPr lang="en-US" sz="2400" dirty="0">
+                <a:solidFill>
+                  <a:schemeClr val="tx1">
+                    <a:lumMod val="95000"/>
+                    <a:lumOff val="5000"/>
+                  </a:schemeClr>
+                </a:solidFill>
+              </a:rPr>
+              <a:t>For categorical variables, percentages were used to show the distribution of each category within the sample.</a:t>
+            </a:r>
+          </a:p>
+          <a:p>
+            <a:pPr marL="45720" indent="0">
+              <a:buNone/>
+            </a:pPr>
+            <a:endParaRPr lang="en-US" sz="2400" dirty="0">
+              <a:solidFill>
+                <a:schemeClr val="tx1">
+                  <a:lumMod val="95000"/>
+                  <a:lumOff val="5000"/>
+                </a:schemeClr>
+              </a:solidFill>
+            </a:endParaRPr>
+          </a:p>
+          <a:p>
+            <a:r>
+              <a:rPr lang="en-US" sz="2400" dirty="0">
+                <a:solidFill>
+                  <a:schemeClr val="tx1">
+                    <a:lumMod val="95000"/>
+                    <a:lumOff val="5000"/>
+                  </a:schemeClr>
+                </a:solidFill>
+              </a:rPr>
+              <a:t>Graphs (bar charts, scatter plots, and box plots) were employed to visualize the distribution of diabetes status across different variables.</a:t>
+            </a:r>
+          </a:p>
         </p:txBody>
       </p:sp>
     </p:spTree>
     <p:extLst>
       <p:ext uri="{BB962C8B-B14F-4D97-AF65-F5344CB8AC3E}">
-        <p14:creationId xmlns:p14="http://schemas.microsoft.com/office/powerpoint/2010/main" val="1200574377"/>
+        <p14:creationId xmlns:p14="http://schemas.microsoft.com/office/powerpoint/2010/main" val="101601641"/>
       </p:ext>
     </p:extLst>
   </p:cSld>
@@ -6373,7 +6945,7 @@
           <p:cNvPr id="2" name="Title 1">
             <a:extLst>
               <a:ext uri="{FF2B5EF4-FFF2-40B4-BE49-F238E27FC236}">
-                <a16:creationId xmlns:a16="http://schemas.microsoft.com/office/drawing/2014/main" id="{43A88750-2AE3-5B3C-324E-09013832D227}"/>
+                <a16:creationId xmlns:a16="http://schemas.microsoft.com/office/drawing/2014/main" id="{8B8F1A55-8279-260C-F9C6-F2999E0D1334}"/>
               </a:ext>
             </a:extLst>
           </p:cNvPr>
@@ -6386,8 +6958,8 @@
         </p:nvSpPr>
         <p:spPr>
           <a:xfrm>
-            <a:off x="1143000" y="609600"/>
-            <a:ext cx="9875520" cy="997527"/>
+            <a:off x="746511" y="390169"/>
+            <a:ext cx="10698978" cy="885656"/>
           </a:xfrm>
           <a:solidFill>
             <a:schemeClr val="accent1">
@@ -6419,16 +6991,8 @@
                   </a:schemeClr>
                 </a:solidFill>
               </a:rPr>
-              <a:t>Data Analysis Methods</a:t>
-            </a:r>
-            <a:endParaRPr lang="en-US" dirty="0">
-              <a:solidFill>
-                <a:schemeClr val="tx1">
-                  <a:lumMod val="95000"/>
-                  <a:lumOff val="5000"/>
-                </a:schemeClr>
-              </a:solidFill>
-            </a:endParaRPr>
+              <a:t>Gender and Smoking History</a:t>
+            </a:r>
           </a:p>
         </p:txBody>
       </p:sp>
@@ -6437,7 +7001,7 @@
           <p:cNvPr id="3" name="Content Placeholder 2">
             <a:extLst>
               <a:ext uri="{FF2B5EF4-FFF2-40B4-BE49-F238E27FC236}">
-                <a16:creationId xmlns:a16="http://schemas.microsoft.com/office/drawing/2014/main" id="{DB2B5D8B-A61A-26A1-4102-191127C8D4A5}"/>
+                <a16:creationId xmlns:a16="http://schemas.microsoft.com/office/drawing/2014/main" id="{90603F7D-87EC-A696-7BE0-AA4C27CF7535}"/>
               </a:ext>
             </a:extLst>
           </p:cNvPr>
@@ -6450,8 +7014,8 @@
         </p:nvSpPr>
         <p:spPr>
           <a:xfrm>
-            <a:off x="1143000" y="2364508"/>
-            <a:ext cx="9872871" cy="3731491"/>
+            <a:off x="1337733" y="2167467"/>
+            <a:ext cx="9905999" cy="3928531"/>
           </a:xfrm>
         </p:spPr>
         <p:txBody>
@@ -6460,6 +7024,9 @@
           </a:bodyPr>
           <a:lstStyle/>
           <a:p>
+            <a:pPr marL="45720" indent="0">
+              <a:buNone/>
+            </a:pPr>
             <a:r>
               <a:rPr lang="en-US" sz="2400" dirty="0">
                 <a:solidFill>
@@ -6469,10 +7036,41 @@
                   </a:schemeClr>
                 </a:solidFill>
               </a:rPr>
-              <a:t>Summary statistics were calculated for continuous variables.</a:t>
-            </a:r>
-          </a:p>
-          <a:p>
+              <a:t>Among the individuals in the dataset, approximately one-tenth (10.7%) reported having diabetes.  Gender breakdown of diabetics:</a:t>
+            </a:r>
+          </a:p>
+          <a:p>
+            <a:pPr lvl="1"/>
+            <a:r>
+              <a:rPr lang="en-US" sz="2200" dirty="0">
+                <a:solidFill>
+                  <a:schemeClr val="tx1">
+                    <a:lumMod val="95000"/>
+                    <a:lumOff val="5000"/>
+                  </a:schemeClr>
+                </a:solidFill>
+              </a:rPr>
+              <a:t>53% identified as female</a:t>
+            </a:r>
+          </a:p>
+          <a:p>
+            <a:pPr lvl="1"/>
+            <a:r>
+              <a:rPr lang="en-US" sz="2200" dirty="0">
+                <a:solidFill>
+                  <a:schemeClr val="tx1">
+                    <a:lumMod val="95000"/>
+                    <a:lumOff val="5000"/>
+                  </a:schemeClr>
+                </a:solidFill>
+              </a:rPr>
+              <a:t>47% identified as male</a:t>
+            </a:r>
+          </a:p>
+          <a:p>
+            <a:pPr marL="45720" indent="0">
+              <a:buNone/>
+            </a:pPr>
             <a:endParaRPr lang="en-US" sz="2400" dirty="0">
               <a:solidFill>
                 <a:schemeClr val="tx1">
@@ -6483,6 +7081,9 @@
             </a:endParaRPr>
           </a:p>
           <a:p>
+            <a:pPr marL="45720" indent="0">
+              <a:buNone/>
+            </a:pPr>
             <a:r>
               <a:rPr lang="en-US" sz="2400" dirty="0">
                 <a:solidFill>
@@ -6492,10 +7093,50 @@
                   </a:schemeClr>
                 </a:solidFill>
               </a:rPr>
-              <a:t>For categorical variables percentages were used to show the distribution of each category within the sample.</a:t>
-            </a:r>
-          </a:p>
-          <a:p>
+              <a:t>A significant amount (42%) reported never smoking, whereas:</a:t>
+            </a:r>
+          </a:p>
+          <a:p>
+            <a:pPr lvl="1"/>
+            <a:r>
+              <a:rPr lang="en-US" sz="2200" dirty="0">
+                <a:solidFill>
+                  <a:schemeClr val="tx1">
+                    <a:lumMod val="95000"/>
+                    <a:lumOff val="5000"/>
+                  </a:schemeClr>
+                </a:solidFill>
+              </a:rPr>
+              <a:t>20% were former smokers</a:t>
+            </a:r>
+          </a:p>
+          <a:p>
+            <a:pPr lvl="1"/>
+            <a:r>
+              <a:rPr lang="en-US" sz="2200" dirty="0">
+                <a:solidFill>
+                  <a:schemeClr val="tx1">
+                    <a:lumMod val="95000"/>
+                    <a:lumOff val="5000"/>
+                  </a:schemeClr>
+                </a:solidFill>
+              </a:rPr>
+              <a:t>12% were current smokers</a:t>
+            </a:r>
+          </a:p>
+          <a:p>
+            <a:pPr lvl="1"/>
+            <a:r>
+              <a:rPr lang="en-US" sz="2200" dirty="0">
+                <a:solidFill>
+                  <a:schemeClr val="tx1">
+                    <a:lumMod val="95000"/>
+                    <a:lumOff val="5000"/>
+                  </a:schemeClr>
+                </a:solidFill>
+              </a:rPr>
+              <a:t>26% had no reported smoking history</a:t>
+            </a:r>
             <a:endParaRPr lang="en-US" sz="2400" dirty="0">
               <a:solidFill>
                 <a:schemeClr val="tx1">
@@ -6506,34 +7147,14 @@
             </a:endParaRPr>
           </a:p>
           <a:p>
-            <a:r>
-              <a:rPr lang="en-US" sz="2400" dirty="0">
-                <a:solidFill>
-                  <a:schemeClr val="tx1">
-                    <a:lumMod val="95000"/>
-                    <a:lumOff val="5000"/>
-                  </a:schemeClr>
-                </a:solidFill>
-              </a:rPr>
-              <a:t>Visualization techniques such as bar charts, scatter plots and box plots were employed to visualize the distribution of diabetes status across different variables.</a:t>
-            </a:r>
-          </a:p>
-          <a:p>
-            <a:endParaRPr lang="en-US" sz="2400" dirty="0">
-              <a:solidFill>
-                <a:schemeClr val="tx1">
-                  <a:lumMod val="95000"/>
-                  <a:lumOff val="5000"/>
-                </a:schemeClr>
-              </a:solidFill>
-            </a:endParaRPr>
+            <a:endParaRPr lang="en-US" sz="2000" dirty="0"/>
           </a:p>
         </p:txBody>
       </p:sp>
     </p:spTree>
     <p:extLst>
       <p:ext uri="{BB962C8B-B14F-4D97-AF65-F5344CB8AC3E}">
-        <p14:creationId xmlns:p14="http://schemas.microsoft.com/office/powerpoint/2010/main" val="101601641"/>
+        <p14:creationId xmlns:p14="http://schemas.microsoft.com/office/powerpoint/2010/main" val="3036049857"/>
       </p:ext>
     </p:extLst>
   </p:cSld>
@@ -6565,7 +7186,7 @@
           <p:cNvPr id="2" name="Title 1">
             <a:extLst>
               <a:ext uri="{FF2B5EF4-FFF2-40B4-BE49-F238E27FC236}">
-                <a16:creationId xmlns:a16="http://schemas.microsoft.com/office/drawing/2014/main" id="{8B8F1A55-8279-260C-F9C6-F2999E0D1334}"/>
+                <a16:creationId xmlns:a16="http://schemas.microsoft.com/office/drawing/2014/main" id="{718470C3-4A39-F2B3-25D0-A11E5063AE50}"/>
               </a:ext>
             </a:extLst>
           </p:cNvPr>
@@ -6578,8 +7199,8 @@
         </p:nvSpPr>
         <p:spPr>
           <a:xfrm>
-            <a:off x="697155" y="488781"/>
-            <a:ext cx="10698978" cy="885656"/>
+            <a:off x="365094" y="309710"/>
+            <a:ext cx="4984847" cy="918454"/>
           </a:xfrm>
           <a:solidFill>
             <a:schemeClr val="accent1">
@@ -6587,7 +7208,7 @@
               <a:lumOff val="80000"/>
             </a:schemeClr>
           </a:solidFill>
-          <a:ln w="38100">
+          <a:ln w="57150">
             <a:solidFill>
               <a:schemeClr val="accent6">
                 <a:lumMod val="50000"/>
@@ -6603,15 +7224,15 @@
           <a:p>
             <a:pPr algn="ctr"/>
             <a:r>
-              <a:rPr lang="en-US" b="1" dirty="0">
-                <a:solidFill>
-                  <a:schemeClr val="tx1">
-                    <a:lumMod val="95000"/>
-                    <a:lumOff val="5000"/>
-                  </a:schemeClr>
-                </a:solidFill>
-              </a:rPr>
-              <a:t>Findings</a:t>
+              <a:rPr lang="en-US" sz="3600" b="1" dirty="0">
+                <a:solidFill>
+                  <a:schemeClr val="tx1">
+                    <a:lumMod val="95000"/>
+                    <a:lumOff val="5000"/>
+                  </a:schemeClr>
+                </a:solidFill>
+              </a:rPr>
+              <a:t>Age by Diabetes Status</a:t>
             </a:r>
           </a:p>
         </p:txBody>
@@ -6621,7 +7242,7 @@
           <p:cNvPr id="3" name="Content Placeholder 2">
             <a:extLst>
               <a:ext uri="{FF2B5EF4-FFF2-40B4-BE49-F238E27FC236}">
-                <a16:creationId xmlns:a16="http://schemas.microsoft.com/office/drawing/2014/main" id="{90603F7D-87EC-A696-7BE0-AA4C27CF7535}"/>
+                <a16:creationId xmlns:a16="http://schemas.microsoft.com/office/drawing/2014/main" id="{130DE974-3EA6-DDB1-EFC9-CDD4165E5697}"/>
               </a:ext>
             </a:extLst>
           </p:cNvPr>
@@ -6634,64 +7255,43 @@
         </p:nvSpPr>
         <p:spPr>
           <a:xfrm>
-            <a:off x="1337733" y="2167467"/>
-            <a:ext cx="9905999" cy="3928531"/>
+            <a:off x="308845" y="1644133"/>
+            <a:ext cx="5097344" cy="4551836"/>
           </a:xfrm>
         </p:spPr>
         <p:txBody>
           <a:bodyPr>
-            <a:normAutofit/>
+            <a:normAutofit lnSpcReduction="10000"/>
           </a:bodyPr>
           <a:lstStyle/>
           <a:p>
-            <a:pPr marL="45720" indent="0">
-              <a:buNone/>
-            </a:pPr>
-            <a:r>
-              <a:rPr lang="en-US" sz="2400" dirty="0">
-                <a:solidFill>
-                  <a:schemeClr val="tx1">
-                    <a:lumMod val="95000"/>
-                    <a:lumOff val="5000"/>
-                  </a:schemeClr>
-                </a:solidFill>
-              </a:rPr>
-              <a:t>Among individuals in the dataset, approximately one-tenth (10.7%) reported having Diabetes. Of those with Diabetes:</a:t>
-            </a:r>
-          </a:p>
-          <a:p>
-            <a:pPr lvl="1"/>
-            <a:r>
-              <a:rPr lang="en-US" sz="2200" dirty="0">
-                <a:solidFill>
-                  <a:schemeClr val="tx1">
-                    <a:lumMod val="95000"/>
-                    <a:lumOff val="5000"/>
-                  </a:schemeClr>
-                </a:solidFill>
-              </a:rPr>
-              <a:t>a slightly higher proportion (53%) identified as female </a:t>
-            </a:r>
-          </a:p>
-          <a:p>
-            <a:pPr lvl="1"/>
-            <a:r>
-              <a:rPr lang="en-US" sz="2200" dirty="0">
-                <a:solidFill>
-                  <a:schemeClr val="tx1">
-                    <a:lumMod val="95000"/>
-                    <a:lumOff val="5000"/>
-                  </a:schemeClr>
-                </a:solidFill>
-              </a:rPr>
-              <a:t>47% identified as male.</a:t>
-            </a:r>
-          </a:p>
-          <a:p>
-            <a:pPr marL="45720" indent="0">
-              <a:buNone/>
-            </a:pPr>
-            <a:endParaRPr lang="en-US" sz="2400" dirty="0">
+            <a:r>
+              <a:rPr lang="en-US" sz="2000" dirty="0">
+                <a:solidFill>
+                  <a:schemeClr val="tx1">
+                    <a:lumMod val="95000"/>
+                    <a:lumOff val="5000"/>
+                  </a:schemeClr>
+                </a:solidFill>
+              </a:rPr>
+              <a:t>Average age for the diabetics was 61.7 years (SD = 13.55), and 49.4 years (SD = 16.87) for non-diabetics.</a:t>
+            </a:r>
+          </a:p>
+          <a:p>
+            <a:r>
+              <a:rPr lang="en-US" sz="2000" dirty="0">
+                <a:solidFill>
+                  <a:schemeClr val="tx1">
+                    <a:lumMod val="95000"/>
+                    <a:lumOff val="5000"/>
+                  </a:schemeClr>
+                </a:solidFill>
+              </a:rPr>
+              <a:t>The majority (88%) of those who reported having diabetes were aged 45 years and older. </a:t>
+            </a:r>
+          </a:p>
+          <a:p>
+            <a:endParaRPr lang="en-US" sz="2000" dirty="0">
               <a:solidFill>
                 <a:schemeClr val="tx1">
                   <a:lumMod val="95000"/>
@@ -6705,78 +7305,171 @@
               <a:buNone/>
             </a:pPr>
             <a:r>
-              <a:rPr lang="en-US" sz="2400" dirty="0">
-                <a:solidFill>
-                  <a:schemeClr val="tx1">
-                    <a:lumMod val="95000"/>
-                    <a:lumOff val="5000"/>
-                  </a:schemeClr>
-                </a:solidFill>
-              </a:rPr>
-              <a:t>A significant amount (42%) reported never smoking, whereas:</a:t>
+              <a:rPr lang="en-US" dirty="0">
+                <a:solidFill>
+                  <a:schemeClr val="tx1">
+                    <a:lumMod val="95000"/>
+                    <a:lumOff val="5000"/>
+                  </a:schemeClr>
+                </a:solidFill>
+              </a:rPr>
+              <a:t>Quartiles and outliers for Age - Diabetes:</a:t>
             </a:r>
           </a:p>
           <a:p>
             <a:pPr lvl="1"/>
             <a:r>
-              <a:rPr lang="en-US" sz="2200" dirty="0">
-                <a:solidFill>
-                  <a:schemeClr val="tx1">
-                    <a:lumMod val="95000"/>
-                    <a:lumOff val="5000"/>
-                  </a:schemeClr>
-                </a:solidFill>
-              </a:rPr>
-              <a:t>20% were former smokers</a:t>
+              <a:rPr lang="en-US" dirty="0">
+                <a:solidFill>
+                  <a:schemeClr val="tx1">
+                    <a:lumMod val="95000"/>
+                    <a:lumOff val="5000"/>
+                  </a:schemeClr>
+                </a:solidFill>
+              </a:rPr>
+              <a:t>Lower quartile: 53.0</a:t>
             </a:r>
           </a:p>
           <a:p>
             <a:pPr lvl="1"/>
             <a:r>
-              <a:rPr lang="en-US" sz="2200" dirty="0">
-                <a:solidFill>
-                  <a:schemeClr val="tx1">
-                    <a:lumMod val="95000"/>
-                    <a:lumOff val="5000"/>
-                  </a:schemeClr>
-                </a:solidFill>
-              </a:rPr>
-              <a:t>12% were current smokers</a:t>
+              <a:rPr lang="en-US" dirty="0">
+                <a:solidFill>
+                  <a:schemeClr val="tx1">
+                    <a:lumMod val="95000"/>
+                    <a:lumOff val="5000"/>
+                  </a:schemeClr>
+                </a:solidFill>
+              </a:rPr>
+              <a:t>Upper quartile: 73.0</a:t>
             </a:r>
           </a:p>
           <a:p>
             <a:pPr lvl="1"/>
             <a:r>
-              <a:rPr lang="en-US" sz="2200" dirty="0">
-                <a:solidFill>
-                  <a:schemeClr val="tx1">
-                    <a:lumMod val="95000"/>
-                    <a:lumOff val="5000"/>
-                  </a:schemeClr>
-                </a:solidFill>
-              </a:rPr>
-              <a:t>27% had no reported smoking history (18%) or current status (9%)</a:t>
-            </a:r>
-          </a:p>
-          <a:p>
-            <a:endParaRPr lang="en-US" sz="2400" dirty="0">
-              <a:solidFill>
-                <a:schemeClr val="tx1">
-                  <a:lumMod val="95000"/>
-                  <a:lumOff val="5000"/>
-                </a:schemeClr>
-              </a:solidFill>
-            </a:endParaRPr>
-          </a:p>
-          <a:p>
-            <a:endParaRPr lang="en-US" sz="2000" dirty="0"/>
+              <a:rPr lang="en-US" dirty="0">
+                <a:solidFill>
+                  <a:schemeClr val="tx1">
+                    <a:lumMod val="95000"/>
+                    <a:lumOff val="5000"/>
+                  </a:schemeClr>
+                </a:solidFill>
+              </a:rPr>
+              <a:t>Interquartile Range: 20.0</a:t>
+            </a:r>
+          </a:p>
+          <a:p>
+            <a:pPr lvl="1"/>
+            <a:r>
+              <a:rPr lang="en-US" dirty="0">
+                <a:solidFill>
+                  <a:schemeClr val="tx1">
+                    <a:lumMod val="95000"/>
+                    <a:lumOff val="5000"/>
+                  </a:schemeClr>
+                </a:solidFill>
+              </a:rPr>
+              <a:t>Median: 63.0 </a:t>
+            </a:r>
+          </a:p>
+          <a:p>
+            <a:pPr lvl="1"/>
+            <a:r>
+              <a:rPr lang="en-US" dirty="0">
+                <a:solidFill>
+                  <a:schemeClr val="tx1">
+                    <a:lumMod val="95000"/>
+                    <a:lumOff val="5000"/>
+                  </a:schemeClr>
+                </a:solidFill>
+              </a:rPr>
+              <a:t>Values below 23.0 could be outliers</a:t>
+            </a:r>
+          </a:p>
+          <a:p>
+            <a:pPr lvl="1"/>
+            <a:r>
+              <a:rPr lang="en-US" dirty="0">
+                <a:solidFill>
+                  <a:schemeClr val="tx1">
+                    <a:lumMod val="95000"/>
+                    <a:lumOff val="5000"/>
+                  </a:schemeClr>
+                </a:solidFill>
+              </a:rPr>
+              <a:t>Values above 103.0 could be outliers</a:t>
+            </a:r>
+          </a:p>
+        </p:txBody>
+      </p:sp>
+      <p:pic>
+        <p:nvPicPr>
+          <p:cNvPr id="4" name="Picture 3">
+            <a:extLst>
+              <a:ext uri="{FF2B5EF4-FFF2-40B4-BE49-F238E27FC236}">
+                <a16:creationId xmlns:a16="http://schemas.microsoft.com/office/drawing/2014/main" id="{8E7A4FA4-D31D-C38B-6C07-463FDBA0933B}"/>
+              </a:ext>
+            </a:extLst>
+          </p:cNvPr>
+          <p:cNvPicPr>
+            <a:picLocks noChangeAspect="1"/>
+          </p:cNvPicPr>
+          <p:nvPr/>
+        </p:nvPicPr>
+        <p:blipFill rotWithShape="1">
+          <a:blip r:embed="rId2"/>
+          <a:srcRect l="1605" r="9419"/>
+          <a:stretch/>
+        </p:blipFill>
+        <p:spPr>
+          <a:xfrm>
+            <a:off x="5406189" y="605455"/>
+            <a:ext cx="6544729" cy="5331334"/>
+          </a:xfrm>
+          <a:prstGeom prst="rect">
+            <a:avLst/>
+          </a:prstGeom>
+        </p:spPr>
+      </p:pic>
+      <p:sp>
+        <p:nvSpPr>
+          <p:cNvPr id="6" name="TextBox 5">
+            <a:extLst>
+              <a:ext uri="{FF2B5EF4-FFF2-40B4-BE49-F238E27FC236}">
+                <a16:creationId xmlns:a16="http://schemas.microsoft.com/office/drawing/2014/main" id="{9F4003D1-EB71-59DB-B6D8-C9C0BFB1E545}"/>
+              </a:ext>
+            </a:extLst>
+          </p:cNvPr>
+          <p:cNvSpPr txBox="1"/>
+          <p:nvPr/>
+        </p:nvSpPr>
+        <p:spPr>
+          <a:xfrm>
+            <a:off x="6443228" y="6011303"/>
+            <a:ext cx="4963707" cy="369332"/>
+          </a:xfrm>
+          <a:prstGeom prst="rect">
+            <a:avLst/>
+          </a:prstGeom>
+          <a:noFill/>
+        </p:spPr>
+        <p:txBody>
+          <a:bodyPr wrap="square">
+            <a:spAutoFit/>
+          </a:bodyPr>
+          <a:lstStyle/>
+          <a:p>
+            <a:r>
+              <a:rPr lang="en-US" dirty="0"/>
+              <a:t>Figure 1: Box plot showing age by diabetes status</a:t>
+            </a:r>
           </a:p>
         </p:txBody>
       </p:sp>
     </p:spTree>
     <p:extLst>
       <p:ext uri="{BB962C8B-B14F-4D97-AF65-F5344CB8AC3E}">
-        <p14:creationId xmlns:p14="http://schemas.microsoft.com/office/powerpoint/2010/main" val="3036049857"/>
+        <p14:creationId xmlns:p14="http://schemas.microsoft.com/office/powerpoint/2010/main" val="3309570646"/>
       </p:ext>
     </p:extLst>
   </p:cSld>
@@ -6808,7 +7501,7 @@
           <p:cNvPr id="2" name="Title 1">
             <a:extLst>
               <a:ext uri="{FF2B5EF4-FFF2-40B4-BE49-F238E27FC236}">
-                <a16:creationId xmlns:a16="http://schemas.microsoft.com/office/drawing/2014/main" id="{718470C3-4A39-F2B3-25D0-A11E5063AE50}"/>
+                <a16:creationId xmlns:a16="http://schemas.microsoft.com/office/drawing/2014/main" id="{ADBFA92A-E248-D135-366A-0CA803E6D913}"/>
               </a:ext>
             </a:extLst>
           </p:cNvPr>
@@ -6821,8 +7514,8 @@
         </p:nvSpPr>
         <p:spPr>
           <a:xfrm>
-            <a:off x="375622" y="477365"/>
-            <a:ext cx="3991984" cy="1079566"/>
+            <a:off x="383063" y="311674"/>
+            <a:ext cx="5452271" cy="1034778"/>
           </a:xfrm>
           <a:solidFill>
             <a:schemeClr val="accent1">
@@ -6840,7 +7533,7 @@
         </p:spPr>
         <p:txBody>
           <a:bodyPr>
-            <a:normAutofit/>
+            <a:noAutofit/>
           </a:bodyPr>
           <a:lstStyle/>
           <a:p>
@@ -6854,7 +7547,7 @@
                   </a:schemeClr>
                 </a:solidFill>
               </a:rPr>
-              <a:t>Age by Diabetes Status</a:t>
+              <a:t>BMI by Diabetes Status </a:t>
             </a:r>
           </a:p>
         </p:txBody>
@@ -6864,7 +7557,7 @@
           <p:cNvPr id="3" name="Content Placeholder 2">
             <a:extLst>
               <a:ext uri="{FF2B5EF4-FFF2-40B4-BE49-F238E27FC236}">
-                <a16:creationId xmlns:a16="http://schemas.microsoft.com/office/drawing/2014/main" id="{130DE974-3EA6-DDB1-EFC9-CDD4165E5697}"/>
+                <a16:creationId xmlns:a16="http://schemas.microsoft.com/office/drawing/2014/main" id="{82FD135C-BC6A-E99F-E999-3A5FCE7179FD}"/>
               </a:ext>
             </a:extLst>
           </p:cNvPr>
@@ -6877,43 +7570,43 @@
         </p:nvSpPr>
         <p:spPr>
           <a:xfrm>
-            <a:off x="308242" y="1828799"/>
-            <a:ext cx="4577793" cy="4551836"/>
+            <a:off x="255181" y="1800447"/>
+            <a:ext cx="5452272" cy="4351338"/>
           </a:xfrm>
         </p:spPr>
         <p:txBody>
           <a:bodyPr>
-            <a:normAutofit fontScale="92500" lnSpcReduction="10000"/>
+            <a:normAutofit fontScale="92500"/>
           </a:bodyPr>
           <a:lstStyle/>
           <a:p>
             <a:r>
-              <a:rPr lang="en-US" sz="2000" dirty="0">
-                <a:solidFill>
-                  <a:schemeClr val="tx1">
-                    <a:lumMod val="95000"/>
-                    <a:lumOff val="5000"/>
-                  </a:schemeClr>
-                </a:solidFill>
-              </a:rPr>
-              <a:t>Average age for Diabetes was 61.7 years (SD = 13.55), and 49.43 years (SD = 16.87).for non-diabetics.</a:t>
-            </a:r>
-          </a:p>
-          <a:p>
-            <a:r>
-              <a:rPr lang="en-US" sz="2000" dirty="0">
-                <a:solidFill>
-                  <a:schemeClr val="tx1">
-                    <a:lumMod val="95000"/>
-                    <a:lumOff val="5000"/>
-                  </a:schemeClr>
-                </a:solidFill>
-              </a:rPr>
-              <a:t>The majority (88%) of those who reported having Diabetes were aged 45 years and older. </a:t>
-            </a:r>
-          </a:p>
-          <a:p>
-            <a:endParaRPr lang="en-US" sz="2000" dirty="0">
+              <a:rPr lang="en-US" dirty="0">
+                <a:solidFill>
+                  <a:schemeClr val="tx1">
+                    <a:lumMod val="95000"/>
+                    <a:lumOff val="5000"/>
+                  </a:schemeClr>
+                </a:solidFill>
+              </a:rPr>
+              <a:t>Average BMI for those with diabetes was 32.12 kg/m² and 28.39 kg/m² for non-diabetics.</a:t>
+            </a:r>
+          </a:p>
+          <a:p>
+            <a:r>
+              <a:rPr lang="en-US" dirty="0">
+                <a:solidFill>
+                  <a:schemeClr val="tx1">
+                    <a:lumMod val="95000"/>
+                    <a:lumOff val="5000"/>
+                  </a:schemeClr>
+                </a:solidFill>
+              </a:rPr>
+              <a:t>A significant proportion of those with diabetes were overweight (40%) or obese (50%). </a:t>
+            </a:r>
+          </a:p>
+          <a:p>
+            <a:endParaRPr lang="en-US" dirty="0">
               <a:solidFill>
                 <a:schemeClr val="tx1">
                   <a:lumMod val="95000"/>
@@ -6932,7 +7625,7 @@
                   </a:schemeClr>
                 </a:solidFill>
               </a:rPr>
-              <a:t>Quartiles and outliers for Age - Diabetes:</a:t>
+              <a:t>Quartiles and outliers for BMI - Diabetes:</a:t>
             </a:r>
           </a:p>
           <a:p>
@@ -6946,7 +7639,7 @@
                   </a:schemeClr>
                 </a:solidFill>
               </a:rPr>
-              <a:t>Lower quartile: 53.0</a:t>
+              <a:t>Lower quartile: 27.32</a:t>
             </a:r>
           </a:p>
           <a:p>
@@ -6960,7 +7653,7 @@
                   </a:schemeClr>
                 </a:solidFill>
               </a:rPr>
-              <a:t>Upper quartile: 73.0</a:t>
+              <a:t>Upper quartile: 36.01</a:t>
             </a:r>
           </a:p>
           <a:p>
@@ -6974,7 +7667,7 @@
                   </a:schemeClr>
                 </a:solidFill>
               </a:rPr>
-              <a:t>Interquartile Range: 20.0</a:t>
+              <a:t>Interquartile Range: 8.69</a:t>
             </a:r>
           </a:p>
           <a:p>
@@ -6988,7 +7681,7 @@
                   </a:schemeClr>
                 </a:solidFill>
               </a:rPr>
-              <a:t>Values below 23.0 could be outliers.</a:t>
+              <a:t>Median: 30.06 </a:t>
             </a:r>
           </a:p>
           <a:p>
@@ -7002,8 +7695,25 @@
                   </a:schemeClr>
                 </a:solidFill>
               </a:rPr>
-              <a:t>Values above 103.0 could be outliers.</a:t>
-            </a:r>
+              <a:t>Values below 14.29 could be outliers</a:t>
+            </a:r>
+          </a:p>
+          <a:p>
+            <a:pPr lvl="1"/>
+            <a:r>
+              <a:rPr lang="en-US" dirty="0">
+                <a:solidFill>
+                  <a:schemeClr val="tx1">
+                    <a:lumMod val="95000"/>
+                    <a:lumOff val="5000"/>
+                  </a:schemeClr>
+                </a:solidFill>
+              </a:rPr>
+              <a:t>Values above 49.04 could be outliers</a:t>
+            </a:r>
+          </a:p>
+          <a:p>
+            <a:endParaRPr lang="en-US" dirty="0"/>
           </a:p>
         </p:txBody>
       </p:sp>
@@ -7012,7 +7722,7 @@
           <p:cNvPr id="4" name="Picture 3">
             <a:extLst>
               <a:ext uri="{FF2B5EF4-FFF2-40B4-BE49-F238E27FC236}">
-                <a16:creationId xmlns:a16="http://schemas.microsoft.com/office/drawing/2014/main" id="{8E7A4FA4-D31D-C38B-6C07-463FDBA0933B}"/>
+                <a16:creationId xmlns:a16="http://schemas.microsoft.com/office/drawing/2014/main" id="{CA985B5E-9BB0-06CD-B487-7DB28706B7B5}"/>
               </a:ext>
             </a:extLst>
           </p:cNvPr>
@@ -7021,16 +7731,15 @@
           </p:cNvPicPr>
           <p:nvPr/>
         </p:nvPicPr>
-        <p:blipFill>
+        <p:blipFill rotWithShape="1">
           <a:blip r:embed="rId2"/>
-          <a:stretch>
-            <a:fillRect/>
-          </a:stretch>
+          <a:srcRect l="1936" r="6423"/>
+          <a:stretch/>
         </p:blipFill>
         <p:spPr>
           <a:xfrm>
-            <a:off x="5034439" y="1017148"/>
-            <a:ext cx="6849318" cy="5015577"/>
+            <a:off x="5963216" y="829063"/>
+            <a:ext cx="5968103" cy="5199873"/>
           </a:xfrm>
           <a:prstGeom prst="rect">
             <a:avLst/>
@@ -7042,7 +7751,7 @@
           <p:cNvPr id="6" name="TextBox 5">
             <a:extLst>
               <a:ext uri="{FF2B5EF4-FFF2-40B4-BE49-F238E27FC236}">
-                <a16:creationId xmlns:a16="http://schemas.microsoft.com/office/drawing/2014/main" id="{9F4003D1-EB71-59DB-B6D8-C9C0BFB1E545}"/>
+                <a16:creationId xmlns:a16="http://schemas.microsoft.com/office/drawing/2014/main" id="{1A256B3D-0232-59F3-4033-2BFA04C17FC0}"/>
               </a:ext>
             </a:extLst>
           </p:cNvPr>
@@ -7051,8 +7760,8 @@
         </p:nvSpPr>
         <p:spPr>
           <a:xfrm>
-            <a:off x="5679484" y="6176963"/>
-            <a:ext cx="6094206" cy="369332"/>
+            <a:off x="6484548" y="6151785"/>
+            <a:ext cx="4925438" cy="369332"/>
           </a:xfrm>
           <a:prstGeom prst="rect">
             <a:avLst/>
@@ -7067,7 +7776,7 @@
           <a:p>
             <a:r>
               <a:rPr lang="en-US" dirty="0"/>
-              <a:t>Figure 2: Box plot showing age by Diabetes status</a:t>
+              <a:t>Figure 2: Boxplot showing BMI by Diabetes status</a:t>
             </a:r>
           </a:p>
         </p:txBody>
@@ -7075,7 +7784,7 @@
     </p:spTree>
     <p:extLst>
       <p:ext uri="{BB962C8B-B14F-4D97-AF65-F5344CB8AC3E}">
-        <p14:creationId xmlns:p14="http://schemas.microsoft.com/office/powerpoint/2010/main" val="3309570646"/>
+        <p14:creationId xmlns:p14="http://schemas.microsoft.com/office/powerpoint/2010/main" val="958934862"/>
       </p:ext>
     </p:extLst>
   </p:cSld>
@@ -7090,7 +7799,13 @@
   <p:cSld>
     <p:spTree>
       <p:nvGrpSpPr>
-        <p:cNvPr id="1" name=""/>
+        <p:cNvPr id="1" name="">
+          <a:extLst>
+            <a:ext uri="{FF2B5EF4-FFF2-40B4-BE49-F238E27FC236}">
+              <a16:creationId xmlns:a16="http://schemas.microsoft.com/office/drawing/2014/main" id="{D343DBF5-0881-B4F6-F7DA-5567E11226E3}"/>
+            </a:ext>
+          </a:extLst>
+        </p:cNvPr>
         <p:cNvGrpSpPr/>
         <p:nvPr/>
       </p:nvGrpSpPr>
@@ -7107,7 +7822,7 @@
           <p:cNvPr id="2" name="Title 1">
             <a:extLst>
               <a:ext uri="{FF2B5EF4-FFF2-40B4-BE49-F238E27FC236}">
-                <a16:creationId xmlns:a16="http://schemas.microsoft.com/office/drawing/2014/main" id="{ADBFA92A-E248-D135-366A-0CA803E6D913}"/>
+                <a16:creationId xmlns:a16="http://schemas.microsoft.com/office/drawing/2014/main" id="{EB68D823-075E-DD52-D461-BDEF98ED38D7}"/>
               </a:ext>
             </a:extLst>
           </p:cNvPr>
@@ -7120,8 +7835,8 @@
         </p:nvSpPr>
         <p:spPr>
           <a:xfrm>
-            <a:off x="383036" y="335355"/>
-            <a:ext cx="4434496" cy="1226024"/>
+            <a:off x="306374" y="329059"/>
+            <a:ext cx="5789626" cy="1075748"/>
           </a:xfrm>
           <a:solidFill>
             <a:schemeClr val="accent1">
@@ -7139,7 +7854,7 @@
         </p:spPr>
         <p:txBody>
           <a:bodyPr>
-            <a:noAutofit/>
+            <a:normAutofit fontScale="90000"/>
           </a:bodyPr>
           <a:lstStyle/>
           <a:p>
@@ -7153,7 +7868,7 @@
                   </a:schemeClr>
                 </a:solidFill>
               </a:rPr>
-              <a:t>BMI by Diabetes Status </a:t>
+              <a:t>Heart Disease and Hypertension</a:t>
             </a:r>
           </a:p>
         </p:txBody>
@@ -7163,7 +7878,7 @@
           <p:cNvPr id="3" name="Content Placeholder 2">
             <a:extLst>
               <a:ext uri="{FF2B5EF4-FFF2-40B4-BE49-F238E27FC236}">
-                <a16:creationId xmlns:a16="http://schemas.microsoft.com/office/drawing/2014/main" id="{82FD135C-BC6A-E99F-E999-3A5FCE7179FD}"/>
+                <a16:creationId xmlns:a16="http://schemas.microsoft.com/office/drawing/2014/main" id="{E4BCD4A1-3265-4FC2-5CF1-E3FF1B5016FF}"/>
               </a:ext>
             </a:extLst>
           </p:cNvPr>
@@ -7176,13 +7891,13 @@
         </p:nvSpPr>
         <p:spPr>
           <a:xfrm>
-            <a:off x="383037" y="1825625"/>
-            <a:ext cx="4724672" cy="4351338"/>
+            <a:off x="306374" y="1868156"/>
+            <a:ext cx="5672668" cy="4351338"/>
           </a:xfrm>
         </p:spPr>
         <p:txBody>
           <a:bodyPr>
-            <a:normAutofit fontScale="92500"/>
+            <a:normAutofit/>
           </a:bodyPr>
           <a:lstStyle/>
           <a:p>
@@ -7195,20 +7910,7 @@
                   </a:schemeClr>
                 </a:solidFill>
               </a:rPr>
-              <a:t>Average BMI for Diabetes was 32.12 kg/m² and 28.39 for non-diabetics.</a:t>
-            </a:r>
-          </a:p>
-          <a:p>
-            <a:r>
-              <a:rPr lang="en-US" dirty="0">
-                <a:solidFill>
-                  <a:schemeClr val="tx1">
-                    <a:lumMod val="95000"/>
-                    <a:lumOff val="5000"/>
-                  </a:schemeClr>
-                </a:solidFill>
-              </a:rPr>
-              <a:t>A significant proportion of those with Diabetes were overweight (40%) and obese (50%). </a:t>
+              <a:t>The majority (65%) of diabetics did not have heart disease or hypertension. </a:t>
             </a:r>
           </a:p>
           <a:p>
@@ -7231,11 +7933,23 @@
                   </a:schemeClr>
                 </a:solidFill>
               </a:rPr>
-              <a:t>Quartiles and outliers for BMI - Diabetes:</a:t>
-            </a:r>
-          </a:p>
-          <a:p>
-            <a:pPr lvl="1"/>
+              <a:t>21% have hypertension but no heart disease.</a:t>
+            </a:r>
+          </a:p>
+          <a:p>
+            <a:pPr marL="45720" indent="0">
+              <a:buNone/>
+            </a:pPr>
+            <a:endParaRPr lang="en-US" dirty="0">
+              <a:solidFill>
+                <a:schemeClr val="tx1">
+                  <a:lumMod val="95000"/>
+                  <a:lumOff val="5000"/>
+                </a:schemeClr>
+              </a:solidFill>
+            </a:endParaRPr>
+          </a:p>
+          <a:p>
             <a:r>
               <a:rPr lang="en-US" dirty="0">
                 <a:solidFill>
@@ -7245,11 +7959,20 @@
                   </a:schemeClr>
                 </a:solidFill>
               </a:rPr>
-              <a:t>Lower quartile: 27.32</a:t>
-            </a:r>
-          </a:p>
-          <a:p>
-            <a:pPr lvl="1"/>
+              <a:t>1o% have heart disease but no hypertension.</a:t>
+            </a:r>
+          </a:p>
+          <a:p>
+            <a:endParaRPr lang="en-US" dirty="0">
+              <a:solidFill>
+                <a:schemeClr val="tx1">
+                  <a:lumMod val="95000"/>
+                  <a:lumOff val="5000"/>
+                </a:schemeClr>
+              </a:solidFill>
+            </a:endParaRPr>
+          </a:p>
+          <a:p>
             <a:r>
               <a:rPr lang="en-US" dirty="0">
                 <a:solidFill>
@@ -7259,62 +7982,27 @@
                   </a:schemeClr>
                 </a:solidFill>
               </a:rPr>
-              <a:t>upper quartile: 36.01</a:t>
-            </a:r>
-          </a:p>
-          <a:p>
-            <a:pPr lvl="1"/>
-            <a:r>
-              <a:rPr lang="en-US" dirty="0">
-                <a:solidFill>
-                  <a:schemeClr val="tx1">
-                    <a:lumMod val="95000"/>
-                    <a:lumOff val="5000"/>
-                  </a:schemeClr>
-                </a:solidFill>
-              </a:rPr>
-              <a:t>Interquartile Range: 8.69</a:t>
-            </a:r>
-          </a:p>
-          <a:p>
-            <a:pPr lvl="1"/>
-            <a:r>
-              <a:rPr lang="en-US" dirty="0">
-                <a:solidFill>
-                  <a:schemeClr val="tx1">
-                    <a:lumMod val="95000"/>
-                    <a:lumOff val="5000"/>
-                  </a:schemeClr>
-                </a:solidFill>
-              </a:rPr>
-              <a:t>Values below 14.29 could be outliers.</a:t>
-            </a:r>
-          </a:p>
-          <a:p>
-            <a:pPr lvl="1"/>
-            <a:r>
-              <a:rPr lang="en-US" dirty="0">
-                <a:solidFill>
-                  <a:schemeClr val="tx1">
-                    <a:lumMod val="95000"/>
-                    <a:lumOff val="5000"/>
-                  </a:schemeClr>
-                </a:solidFill>
-              </a:rPr>
-              <a:t>Values above 49.04 could be outliers.</a:t>
-            </a:r>
-          </a:p>
-          <a:p>
-            <a:endParaRPr lang="en-US" dirty="0"/>
+              <a:t>4% have both hypertension and heart disease.</a:t>
+            </a:r>
+          </a:p>
+          <a:p>
+            <a:endParaRPr lang="en-US" dirty="0">
+              <a:solidFill>
+                <a:schemeClr val="tx1">
+                  <a:lumMod val="95000"/>
+                  <a:lumOff val="5000"/>
+                </a:schemeClr>
+              </a:solidFill>
+            </a:endParaRPr>
           </a:p>
         </p:txBody>
       </p:sp>
       <p:pic>
         <p:nvPicPr>
-          <p:cNvPr id="4" name="Picture 3">
+          <p:cNvPr id="5" name="Picture 4">
             <a:extLst>
               <a:ext uri="{FF2B5EF4-FFF2-40B4-BE49-F238E27FC236}">
-                <a16:creationId xmlns:a16="http://schemas.microsoft.com/office/drawing/2014/main" id="{CA985B5E-9BB0-06CD-B487-7DB28706B7B5}"/>
+                <a16:creationId xmlns:a16="http://schemas.microsoft.com/office/drawing/2014/main" id="{699AD447-8C47-189D-0C90-D45A8A0963F9}"/>
               </a:ext>
             </a:extLst>
           </p:cNvPr>
@@ -7323,16 +8011,15 @@
           </p:cNvPicPr>
           <p:nvPr/>
         </p:nvPicPr>
-        <p:blipFill>
+        <p:blipFill rotWithShape="1">
           <a:blip r:embed="rId2"/>
-          <a:stretch>
-            <a:fillRect/>
-          </a:stretch>
+          <a:srcRect l="2192" r="3422"/>
+          <a:stretch/>
         </p:blipFill>
         <p:spPr>
           <a:xfrm>
-            <a:off x="5296502" y="464664"/>
-            <a:ext cx="6512462" cy="5199873"/>
+            <a:off x="6441756" y="425803"/>
+            <a:ext cx="5443870" cy="5453499"/>
           </a:xfrm>
           <a:prstGeom prst="rect">
             <a:avLst/>
@@ -7341,10 +8028,10 @@
       </p:pic>
       <p:sp>
         <p:nvSpPr>
-          <p:cNvPr id="6" name="TextBox 5">
+          <p:cNvPr id="8" name="TextBox 7">
             <a:extLst>
               <a:ext uri="{FF2B5EF4-FFF2-40B4-BE49-F238E27FC236}">
-                <a16:creationId xmlns:a16="http://schemas.microsoft.com/office/drawing/2014/main" id="{1A256B3D-0232-59F3-4033-2BFA04C17FC0}"/>
+                <a16:creationId xmlns:a16="http://schemas.microsoft.com/office/drawing/2014/main" id="{9155AA06-056F-6071-E87F-A1CD50471992}"/>
               </a:ext>
             </a:extLst>
           </p:cNvPr>
@@ -7353,8 +8040,8 @@
         </p:nvSpPr>
         <p:spPr>
           <a:xfrm>
-            <a:off x="5951669" y="5807631"/>
-            <a:ext cx="6094206" cy="369332"/>
+            <a:off x="5968001" y="5977201"/>
+            <a:ext cx="6206282" cy="584775"/>
           </a:xfrm>
           <a:prstGeom prst="rect">
             <a:avLst/>
@@ -7367,9 +8054,17 @@
           </a:bodyPr>
           <a:lstStyle/>
           <a:p>
-            <a:r>
-              <a:rPr lang="en-US" dirty="0"/>
-              <a:t>Figure 2: Boxplot showing BMI by Diabetes status</a:t>
+            <a:pPr algn="ctr"/>
+            <a:r>
+              <a:rPr lang="en-US" sz="1600" dirty="0"/>
+              <a:t>Figure 3: Bar chart showing percentage of diabetics by heart disease </a:t>
+            </a:r>
+          </a:p>
+          <a:p>
+            <a:pPr algn="ctr"/>
+            <a:r>
+              <a:rPr lang="en-US" sz="1600" dirty="0"/>
+              <a:t>and hypertension</a:t>
             </a:r>
           </a:p>
         </p:txBody>
@@ -7377,7 +8072,7 @@
     </p:spTree>
     <p:extLst>
       <p:ext uri="{BB962C8B-B14F-4D97-AF65-F5344CB8AC3E}">
-        <p14:creationId xmlns:p14="http://schemas.microsoft.com/office/powerpoint/2010/main" val="958934862"/>
+        <p14:creationId xmlns:p14="http://schemas.microsoft.com/office/powerpoint/2010/main" val="1250063133"/>
       </p:ext>
     </p:extLst>
   </p:cSld>
@@ -7622,4 +8317,319 @@
     </a:ext>
   </a:extLst>
 </a:theme>
+</file>
+
+<file path=ppt/theme/theme2.xml><?xml version="1.0" encoding="utf-8"?>
+<a:theme xmlns:a="http://schemas.openxmlformats.org/drawingml/2006/main" name="Office Theme">
+  <a:themeElements>
+    <a:clrScheme name="Office">
+      <a:dk1>
+        <a:sysClr val="windowText" lastClr="000000"/>
+      </a:dk1>
+      <a:lt1>
+        <a:sysClr val="window" lastClr="FFFFFF"/>
+      </a:lt1>
+      <a:dk2>
+        <a:srgbClr val="44546A"/>
+      </a:dk2>
+      <a:lt2>
+        <a:srgbClr val="E7E6E6"/>
+      </a:lt2>
+      <a:accent1>
+        <a:srgbClr val="4472C4"/>
+      </a:accent1>
+      <a:accent2>
+        <a:srgbClr val="ED7D31"/>
+      </a:accent2>
+      <a:accent3>
+        <a:srgbClr val="A5A5A5"/>
+      </a:accent3>
+      <a:accent4>
+        <a:srgbClr val="FFC000"/>
+      </a:accent4>
+      <a:accent5>
+        <a:srgbClr val="5B9BD5"/>
+      </a:accent5>
+      <a:accent6>
+        <a:srgbClr val="70AD47"/>
+      </a:accent6>
+      <a:hlink>
+        <a:srgbClr val="0563C1"/>
+      </a:hlink>
+      <a:folHlink>
+        <a:srgbClr val="954F72"/>
+      </a:folHlink>
+    </a:clrScheme>
+    <a:fontScheme name="Office">
+      <a:majorFont>
+        <a:latin typeface="Calibri Light" panose="020F0302020204030204"/>
+        <a:ea typeface=""/>
+        <a:cs typeface=""/>
+        <a:font script="Jpan" typeface="游ゴシック Light"/>
+        <a:font script="Hang" typeface="맑은 고딕"/>
+        <a:font script="Hans" typeface="等线 Light"/>
+        <a:font script="Hant" typeface="新細明體"/>
+        <a:font script="Arab" typeface="Times New Roman"/>
+        <a:font script="Hebr" typeface="Times New Roman"/>
+        <a:font script="Thai" typeface="Angsana New"/>
+        <a:font script="Ethi" typeface="Nyala"/>
+        <a:font script="Beng" typeface="Vrinda"/>
+        <a:font script="Gujr" typeface="Shruti"/>
+        <a:font script="Khmr" typeface="MoolBoran"/>
+        <a:font script="Knda" typeface="Tunga"/>
+        <a:font script="Guru" typeface="Raavi"/>
+        <a:font script="Cans" typeface="Euphemia"/>
+        <a:font script="Cher" typeface="Plantagenet Cherokee"/>
+        <a:font script="Yiii" typeface="Microsoft Yi Baiti"/>
+        <a:font script="Tibt" typeface="Microsoft Himalaya"/>
+        <a:font script="Thaa" typeface="MV Boli"/>
+        <a:font script="Deva" typeface="Mangal"/>
+        <a:font script="Telu" typeface="Gautami"/>
+        <a:font script="Taml" typeface="Latha"/>
+        <a:font script="Syrc" typeface="Estrangelo Edessa"/>
+        <a:font script="Orya" typeface="Kalinga"/>
+        <a:font script="Mlym" typeface="Kartika"/>
+        <a:font script="Laoo" typeface="DokChampa"/>
+        <a:font script="Sinh" typeface="Iskoola Pota"/>
+        <a:font script="Mong" typeface="Mongolian Baiti"/>
+        <a:font script="Viet" typeface="Times New Roman"/>
+        <a:font script="Uigh" typeface="Microsoft Uighur"/>
+        <a:font script="Geor" typeface="Sylfaen"/>
+        <a:font script="Armn" typeface="Arial"/>
+        <a:font script="Bugi" typeface="Leelawadee UI"/>
+        <a:font script="Bopo" typeface="Microsoft JhengHei"/>
+        <a:font script="Java" typeface="Javanese Text"/>
+        <a:font script="Lisu" typeface="Segoe UI"/>
+        <a:font script="Mymr" typeface="Myanmar Text"/>
+        <a:font script="Nkoo" typeface="Ebrima"/>
+        <a:font script="Olck" typeface="Nirmala UI"/>
+        <a:font script="Osma" typeface="Ebrima"/>
+        <a:font script="Phag" typeface="Phagspa"/>
+        <a:font script="Syrn" typeface="Estrangelo Edessa"/>
+        <a:font script="Syrj" typeface="Estrangelo Edessa"/>
+        <a:font script="Syre" typeface="Estrangelo Edessa"/>
+        <a:font script="Sora" typeface="Nirmala UI"/>
+        <a:font script="Tale" typeface="Microsoft Tai Le"/>
+        <a:font script="Talu" typeface="Microsoft New Tai Lue"/>
+        <a:font script="Tfng" typeface="Ebrima"/>
+      </a:majorFont>
+      <a:minorFont>
+        <a:latin typeface="Calibri" panose="020F0502020204030204"/>
+        <a:ea typeface=""/>
+        <a:cs typeface=""/>
+        <a:font script="Jpan" typeface="游ゴシック"/>
+        <a:font script="Hang" typeface="맑은 고딕"/>
+        <a:font script="Hans" typeface="等线"/>
+        <a:font script="Hant" typeface="新細明體"/>
+        <a:font script="Arab" typeface="Arial"/>
+        <a:font script="Hebr" typeface="Arial"/>
+        <a:font script="Thai" typeface="Cordia New"/>
+        <a:font script="Ethi" typeface="Nyala"/>
+        <a:font script="Beng" typeface="Vrinda"/>
+        <a:font script="Gujr" typeface="Shruti"/>
+        <a:font script="Khmr" typeface="DaunPenh"/>
+        <a:font script="Knda" typeface="Tunga"/>
+        <a:font script="Guru" typeface="Raavi"/>
+        <a:font script="Cans" typeface="Euphemia"/>
+        <a:font script="Cher" typeface="Plantagenet Cherokee"/>
+        <a:font script="Yiii" typeface="Microsoft Yi Baiti"/>
+        <a:font script="Tibt" typeface="Microsoft Himalaya"/>
+        <a:font script="Thaa" typeface="MV Boli"/>
+        <a:font script="Deva" typeface="Mangal"/>
+        <a:font script="Telu" typeface="Gautami"/>
+        <a:font script="Taml" typeface="Latha"/>
+        <a:font script="Syrc" typeface="Estrangelo Edessa"/>
+        <a:font script="Orya" typeface="Kalinga"/>
+        <a:font script="Mlym" typeface="Kartika"/>
+        <a:font script="Laoo" typeface="DokChampa"/>
+        <a:font script="Sinh" typeface="Iskoola Pota"/>
+        <a:font script="Mong" typeface="Mongolian Baiti"/>
+        <a:font script="Viet" typeface="Arial"/>
+        <a:font script="Uigh" typeface="Microsoft Uighur"/>
+        <a:font script="Geor" typeface="Sylfaen"/>
+        <a:font script="Armn" typeface="Arial"/>
+        <a:font script="Bugi" typeface="Leelawadee UI"/>
+        <a:font script="Bopo" typeface="Microsoft JhengHei"/>
+        <a:font script="Java" typeface="Javanese Text"/>
+        <a:font script="Lisu" typeface="Segoe UI"/>
+        <a:font script="Mymr" typeface="Myanmar Text"/>
+        <a:font script="Nkoo" typeface="Ebrima"/>
+        <a:font script="Olck" typeface="Nirmala UI"/>
+        <a:font script="Osma" typeface="Ebrima"/>
+        <a:font script="Phag" typeface="Phagspa"/>
+        <a:font script="Syrn" typeface="Estrangelo Edessa"/>
+        <a:font script="Syrj" typeface="Estrangelo Edessa"/>
+        <a:font script="Syre" typeface="Estrangelo Edessa"/>
+        <a:font script="Sora" typeface="Nirmala UI"/>
+        <a:font script="Tale" typeface="Microsoft Tai Le"/>
+        <a:font script="Talu" typeface="Microsoft New Tai Lue"/>
+        <a:font script="Tfng" typeface="Ebrima"/>
+      </a:minorFont>
+    </a:fontScheme>
+    <a:fmtScheme name="Office">
+      <a:fillStyleLst>
+        <a:solidFill>
+          <a:schemeClr val="phClr"/>
+        </a:solidFill>
+        <a:gradFill rotWithShape="1">
+          <a:gsLst>
+            <a:gs pos="0">
+              <a:schemeClr val="phClr">
+                <a:lumMod val="110000"/>
+                <a:satMod val="105000"/>
+                <a:tint val="67000"/>
+              </a:schemeClr>
+            </a:gs>
+            <a:gs pos="50000">
+              <a:schemeClr val="phClr">
+                <a:lumMod val="105000"/>
+                <a:satMod val="103000"/>
+                <a:tint val="73000"/>
+              </a:schemeClr>
+            </a:gs>
+            <a:gs pos="100000">
+              <a:schemeClr val="phClr">
+                <a:lumMod val="105000"/>
+                <a:satMod val="109000"/>
+                <a:tint val="81000"/>
+              </a:schemeClr>
+            </a:gs>
+          </a:gsLst>
+          <a:lin ang="5400000" scaled="0"/>
+        </a:gradFill>
+        <a:gradFill rotWithShape="1">
+          <a:gsLst>
+            <a:gs pos="0">
+              <a:schemeClr val="phClr">
+                <a:satMod val="103000"/>
+                <a:lumMod val="102000"/>
+                <a:tint val="94000"/>
+              </a:schemeClr>
+            </a:gs>
+            <a:gs pos="50000">
+              <a:schemeClr val="phClr">
+                <a:satMod val="110000"/>
+                <a:lumMod val="100000"/>
+                <a:shade val="100000"/>
+              </a:schemeClr>
+            </a:gs>
+            <a:gs pos="100000">
+              <a:schemeClr val="phClr">
+                <a:lumMod val="99000"/>
+                <a:satMod val="120000"/>
+                <a:shade val="78000"/>
+              </a:schemeClr>
+            </a:gs>
+          </a:gsLst>
+          <a:lin ang="5400000" scaled="0"/>
+        </a:gradFill>
+      </a:fillStyleLst>
+      <a:lnStyleLst>
+        <a:ln w="6350" cap="flat" cmpd="sng" algn="ctr">
+          <a:solidFill>
+            <a:schemeClr val="phClr"/>
+          </a:solidFill>
+          <a:prstDash val="solid"/>
+          <a:miter lim="800000"/>
+        </a:ln>
+        <a:ln w="12700" cap="flat" cmpd="sng" algn="ctr">
+          <a:solidFill>
+            <a:schemeClr val="phClr"/>
+          </a:solidFill>
+          <a:prstDash val="solid"/>
+          <a:miter lim="800000"/>
+        </a:ln>
+        <a:ln w="19050" cap="flat" cmpd="sng" algn="ctr">
+          <a:solidFill>
+            <a:schemeClr val="phClr"/>
+          </a:solidFill>
+          <a:prstDash val="solid"/>
+          <a:miter lim="800000"/>
+        </a:ln>
+      </a:lnStyleLst>
+      <a:effectStyleLst>
+        <a:effectStyle>
+          <a:effectLst/>
+        </a:effectStyle>
+        <a:effectStyle>
+          <a:effectLst/>
+        </a:effectStyle>
+        <a:effectStyle>
+          <a:effectLst>
+            <a:outerShdw blurRad="57150" dist="19050" dir="5400000" algn="ctr" rotWithShape="0">
+              <a:srgbClr val="000000">
+                <a:alpha val="63000"/>
+              </a:srgbClr>
+            </a:outerShdw>
+          </a:effectLst>
+        </a:effectStyle>
+      </a:effectStyleLst>
+      <a:bgFillStyleLst>
+        <a:solidFill>
+          <a:schemeClr val="phClr"/>
+        </a:solidFill>
+        <a:solidFill>
+          <a:schemeClr val="phClr">
+            <a:tint val="95000"/>
+            <a:satMod val="170000"/>
+          </a:schemeClr>
+        </a:solidFill>
+        <a:gradFill rotWithShape="1">
+          <a:gsLst>
+            <a:gs pos="0">
+              <a:schemeClr val="phClr">
+                <a:tint val="93000"/>
+                <a:satMod val="150000"/>
+                <a:shade val="98000"/>
+                <a:lumMod val="102000"/>
+              </a:schemeClr>
+            </a:gs>
+            <a:gs pos="50000">
+              <a:schemeClr val="phClr">
+                <a:tint val="98000"/>
+                <a:satMod val="130000"/>
+                <a:shade val="90000"/>
+                <a:lumMod val="103000"/>
+              </a:schemeClr>
+            </a:gs>
+            <a:gs pos="100000">
+              <a:schemeClr val="phClr">
+                <a:shade val="63000"/>
+                <a:satMod val="120000"/>
+              </a:schemeClr>
+            </a:gs>
+          </a:gsLst>
+          <a:lin ang="5400000" scaled="0"/>
+        </a:gradFill>
+      </a:bgFillStyleLst>
+    </a:fmtScheme>
+  </a:themeElements>
+  <a:objectDefaults/>
+  <a:extraClrSchemeLst/>
+  <a:extLst>
+    <a:ext uri="{05A4C25C-085E-4340-85A3-A5531E510DB2}">
+      <thm15:themeFamily xmlns:thm15="http://schemas.microsoft.com/office/thememl/2012/main" name="Office Theme" id="{62F939B6-93AF-4DB8-9C6B-D6C7DFDC589F}" vid="{4A3C46E8-61CC-4603-A589-7422A47A8E4A}"/>
+    </a:ext>
+  </a:extLst>
+</a:theme>
+</file>
+
+<file path=ppt/webextensions/taskpanes.xml><?xml version="1.0" encoding="utf-8"?>
+<wetp:taskpanes xmlns:wetp="http://schemas.microsoft.com/office/webextensions/taskpanes/2010/11">
+  <wetp:taskpane dockstate="right" visibility="0" width="525" row="3">
+    <wetp:webextensionref xmlns:r="http://schemas.openxmlformats.org/officeDocument/2006/relationships" r:id="rId1"/>
+  </wetp:taskpane>
+</wetp:taskpanes>
+</file>
+
+<file path=ppt/webextensions/webextension1.xml><?xml version="1.0" encoding="utf-8"?>
+<we:webextension xmlns:we="http://schemas.microsoft.com/office/webextensions/webextension/2010/11" id="{95EE03D0-6F91-472E-A553-F1057586C6A3}">
+  <we:reference id="wa104379279" version="2.1.0.0" store="en-US" storeType="OMEX"/>
+  <we:alternateReferences>
+    <we:reference id="WA104379279" version="2.1.0.0" store="" storeType="OMEX"/>
+  </we:alternateReferences>
+  <we:properties/>
+  <we:bindings/>
+  <we:snapshot xmlns:r="http://schemas.openxmlformats.org/officeDocument/2006/relationships"/>
+</we:webextension>
 </file>
--- a/Exploring Potential Contributing Factors to Diabetes.pptx
+++ b/Exploring Potential Contributing Factors to Diabetes.pptx
@@ -144,12 +144,12 @@
   <pc:docChgLst>
     <pc:chgData name="Marsha Cole" userId="549ffbcad8f6772d" providerId="LiveId" clId="{3E559D2E-A028-4802-90C4-9CD664645BF2}"/>
     <pc:docChg chg="undo redo custSel delSld modSld modMainMaster">
-      <pc:chgData name="Marsha Cole" userId="549ffbcad8f6772d" providerId="LiveId" clId="{3E559D2E-A028-4802-90C4-9CD664645BF2}" dt="2024-02-14T04:48:55.672" v="2560" actId="1076"/>
+      <pc:chgData name="Marsha Cole" userId="549ffbcad8f6772d" providerId="LiveId" clId="{3E559D2E-A028-4802-90C4-9CD664645BF2}" dt="2024-02-15T00:11:49.287" v="2581" actId="404"/>
       <pc:docMkLst>
         <pc:docMk/>
       </pc:docMkLst>
-      <pc:sldChg chg="modSp mod setBg modNotesTx">
-        <pc:chgData name="Marsha Cole" userId="549ffbcad8f6772d" providerId="LiveId" clId="{3E559D2E-A028-4802-90C4-9CD664645BF2}" dt="2024-02-14T04:46:53.431" v="2537" actId="208"/>
+      <pc:sldChg chg="modSp mod modTransition setBg modNotesTx">
+        <pc:chgData name="Marsha Cole" userId="549ffbcad8f6772d" providerId="LiveId" clId="{3E559D2E-A028-4802-90C4-9CD664645BF2}" dt="2024-02-15T00:00:51.542" v="2562"/>
         <pc:sldMkLst>
           <pc:docMk/>
           <pc:sldMk cId="3422077527" sldId="257"/>
@@ -194,8 +194,8 @@
           </ac:spMkLst>
         </pc:spChg>
       </pc:sldChg>
-      <pc:sldChg chg="modSp mod modNotesTx">
-        <pc:chgData name="Marsha Cole" userId="549ffbcad8f6772d" providerId="LiveId" clId="{3E559D2E-A028-4802-90C4-9CD664645BF2}" dt="2024-02-14T04:45:56.727" v="2521" actId="1076"/>
+      <pc:sldChg chg="modSp mod modTransition modNotesTx">
+        <pc:chgData name="Marsha Cole" userId="549ffbcad8f6772d" providerId="LiveId" clId="{3E559D2E-A028-4802-90C4-9CD664645BF2}" dt="2024-02-15T00:00:51.542" v="2562"/>
         <pc:sldMkLst>
           <pc:docMk/>
           <pc:sldMk cId="2691476605" sldId="259"/>
@@ -217,8 +217,8 @@
           </ac:spMkLst>
         </pc:spChg>
       </pc:sldChg>
-      <pc:sldChg chg="addSp delSp modSp mod setBg">
-        <pc:chgData name="Marsha Cole" userId="549ffbcad8f6772d" providerId="LiveId" clId="{3E559D2E-A028-4802-90C4-9CD664645BF2}" dt="2024-02-13T02:18:37.342" v="881" actId="207"/>
+      <pc:sldChg chg="addSp delSp modSp mod modTransition setBg">
+        <pc:chgData name="Marsha Cole" userId="549ffbcad8f6772d" providerId="LiveId" clId="{3E559D2E-A028-4802-90C4-9CD664645BF2}" dt="2024-02-15T00:00:51.542" v="2562"/>
         <pc:sldMkLst>
           <pc:docMk/>
           <pc:sldMk cId="4230442415" sldId="260"/>
@@ -272,8 +272,8 @@
           </ac:picMkLst>
         </pc:picChg>
       </pc:sldChg>
-      <pc:sldChg chg="modSp mod">
-        <pc:chgData name="Marsha Cole" userId="549ffbcad8f6772d" providerId="LiveId" clId="{3E559D2E-A028-4802-90C4-9CD664645BF2}" dt="2024-02-14T04:46:23.697" v="2535" actId="1076"/>
+      <pc:sldChg chg="modSp mod modTransition">
+        <pc:chgData name="Marsha Cole" userId="549ffbcad8f6772d" providerId="LiveId" clId="{3E559D2E-A028-4802-90C4-9CD664645BF2}" dt="2024-02-15T00:00:51.542" v="2562"/>
         <pc:sldMkLst>
           <pc:docMk/>
           <pc:sldMk cId="101601641" sldId="261"/>
@@ -295,8 +295,8 @@
           </ac:spMkLst>
         </pc:spChg>
       </pc:sldChg>
-      <pc:sldChg chg="modSp mod">
-        <pc:chgData name="Marsha Cole" userId="549ffbcad8f6772d" providerId="LiveId" clId="{3E559D2E-A028-4802-90C4-9CD664645BF2}" dt="2024-02-14T04:47:58.224" v="2548" actId="1076"/>
+      <pc:sldChg chg="modSp mod modTransition">
+        <pc:chgData name="Marsha Cole" userId="549ffbcad8f6772d" providerId="LiveId" clId="{3E559D2E-A028-4802-90C4-9CD664645BF2}" dt="2024-02-15T00:00:51.542" v="2562"/>
         <pc:sldMkLst>
           <pc:docMk/>
           <pc:sldMk cId="958934862" sldId="262"/>
@@ -334,8 +334,8 @@
           </ac:picMkLst>
         </pc:picChg>
       </pc:sldChg>
-      <pc:sldChg chg="addSp delSp modSp mod">
-        <pc:chgData name="Marsha Cole" userId="549ffbcad8f6772d" providerId="LiveId" clId="{3E559D2E-A028-4802-90C4-9CD664645BF2}" dt="2024-02-14T04:48:07.646" v="2549" actId="1076"/>
+      <pc:sldChg chg="addSp delSp modSp mod modTransition">
+        <pc:chgData name="Marsha Cole" userId="549ffbcad8f6772d" providerId="LiveId" clId="{3E559D2E-A028-4802-90C4-9CD664645BF2}" dt="2024-02-15T00:00:51.542" v="2562"/>
         <pc:sldMkLst>
           <pc:docMk/>
           <pc:sldMk cId="3309570646" sldId="263"/>
@@ -381,8 +381,8 @@
           </ac:picMkLst>
         </pc:picChg>
       </pc:sldChg>
-      <pc:sldChg chg="addSp delSp modSp mod">
-        <pc:chgData name="Marsha Cole" userId="549ffbcad8f6772d" providerId="LiveId" clId="{3E559D2E-A028-4802-90C4-9CD664645BF2}" dt="2024-02-14T04:47:03" v="2538" actId="1076"/>
+      <pc:sldChg chg="addSp delSp modSp mod modTransition">
+        <pc:chgData name="Marsha Cole" userId="549ffbcad8f6772d" providerId="LiveId" clId="{3E559D2E-A028-4802-90C4-9CD664645BF2}" dt="2024-02-15T00:00:51.542" v="2562"/>
         <pc:sldMkLst>
           <pc:docMk/>
           <pc:sldMk cId="3036049857" sldId="264"/>
@@ -459,8 +459,8 @@
           </ac:spMkLst>
         </pc:spChg>
       </pc:sldChg>
-      <pc:sldChg chg="modSp mod">
-        <pc:chgData name="Marsha Cole" userId="549ffbcad8f6772d" providerId="LiveId" clId="{3E559D2E-A028-4802-90C4-9CD664645BF2}" dt="2024-02-14T04:48:17.793" v="2551" actId="14100"/>
+      <pc:sldChg chg="modSp mod modTransition">
+        <pc:chgData name="Marsha Cole" userId="549ffbcad8f6772d" providerId="LiveId" clId="{3E559D2E-A028-4802-90C4-9CD664645BF2}" dt="2024-02-15T00:00:51.542" v="2562"/>
         <pc:sldMkLst>
           <pc:docMk/>
           <pc:sldMk cId="1250063133" sldId="266"/>
@@ -498,14 +498,14 @@
           </ac:picMkLst>
         </pc:picChg>
       </pc:sldChg>
-      <pc:sldChg chg="addSp delSp modSp mod">
-        <pc:chgData name="Marsha Cole" userId="549ffbcad8f6772d" providerId="LiveId" clId="{3E559D2E-A028-4802-90C4-9CD664645BF2}" dt="2024-02-14T04:48:40.548" v="2558" actId="1076"/>
+      <pc:sldChg chg="addSp delSp modSp mod modTransition">
+        <pc:chgData name="Marsha Cole" userId="549ffbcad8f6772d" providerId="LiveId" clId="{3E559D2E-A028-4802-90C4-9CD664645BF2}" dt="2024-02-15T00:00:51.542" v="2562"/>
         <pc:sldMkLst>
           <pc:docMk/>
           <pc:sldMk cId="426189485" sldId="267"/>
         </pc:sldMkLst>
         <pc:spChg chg="mod">
-          <ac:chgData name="Marsha Cole" userId="549ffbcad8f6772d" providerId="LiveId" clId="{3E559D2E-A028-4802-90C4-9CD664645BF2}" dt="2024-02-14T04:48:33.225" v="2555" actId="1076"/>
+          <ac:chgData name="Marsha Cole" userId="549ffbcad8f6772d" providerId="LiveId" clId="{3E559D2E-A028-4802-90C4-9CD664645BF2}" dt="2024-02-14T06:14:08.073" v="2561" actId="14100"/>
           <ac:spMkLst>
             <pc:docMk/>
             <pc:sldMk cId="426189485" sldId="267"/>
@@ -545,8 +545,8 @@
           </ac:picMkLst>
         </pc:picChg>
       </pc:sldChg>
-      <pc:sldChg chg="addSp delSp modSp mod">
-        <pc:chgData name="Marsha Cole" userId="549ffbcad8f6772d" providerId="LiveId" clId="{3E559D2E-A028-4802-90C4-9CD664645BF2}" dt="2024-02-14T04:48:47.958" v="2559" actId="1076"/>
+      <pc:sldChg chg="addSp delSp modSp mod modTransition">
+        <pc:chgData name="Marsha Cole" userId="549ffbcad8f6772d" providerId="LiveId" clId="{3E559D2E-A028-4802-90C4-9CD664645BF2}" dt="2024-02-15T00:11:49.287" v="2581" actId="404"/>
         <pc:sldMkLst>
           <pc:docMk/>
           <pc:sldMk cId="2019232186" sldId="268"/>
@@ -560,7 +560,7 @@
           </ac:spMkLst>
         </pc:spChg>
         <pc:spChg chg="mod">
-          <ac:chgData name="Marsha Cole" userId="549ffbcad8f6772d" providerId="LiveId" clId="{3E559D2E-A028-4802-90C4-9CD664645BF2}" dt="2024-02-14T04:34:36.423" v="2498" actId="20577"/>
+          <ac:chgData name="Marsha Cole" userId="549ffbcad8f6772d" providerId="LiveId" clId="{3E559D2E-A028-4802-90C4-9CD664645BF2}" dt="2024-02-15T00:11:49.287" v="2581" actId="404"/>
           <ac:spMkLst>
             <pc:docMk/>
             <pc:sldMk cId="2019232186" sldId="268"/>
@@ -615,8 +615,8 @@
           </ac:picMkLst>
         </pc:picChg>
       </pc:sldChg>
-      <pc:sldChg chg="addSp modSp mod">
-        <pc:chgData name="Marsha Cole" userId="549ffbcad8f6772d" providerId="LiveId" clId="{3E559D2E-A028-4802-90C4-9CD664645BF2}" dt="2024-02-14T04:33:03.463" v="2491" actId="20577"/>
+      <pc:sldChg chg="addSp modSp mod modTransition">
+        <pc:chgData name="Marsha Cole" userId="549ffbcad8f6772d" providerId="LiveId" clId="{3E559D2E-A028-4802-90C4-9CD664645BF2}" dt="2024-02-15T00:00:51.542" v="2562"/>
         <pc:sldMkLst>
           <pc:docMk/>
           <pc:sldMk cId="1268331661" sldId="271"/>
@@ -654,8 +654,8 @@
           </ac:spMkLst>
         </pc:spChg>
       </pc:sldChg>
-      <pc:sldChg chg="modSp mod">
-        <pc:chgData name="Marsha Cole" userId="549ffbcad8f6772d" providerId="LiveId" clId="{3E559D2E-A028-4802-90C4-9CD664645BF2}" dt="2024-02-14T04:46:18.939" v="2534" actId="1035"/>
+      <pc:sldChg chg="modSp mod modTransition">
+        <pc:chgData name="Marsha Cole" userId="549ffbcad8f6772d" providerId="LiveId" clId="{3E559D2E-A028-4802-90C4-9CD664645BF2}" dt="2024-02-15T00:00:51.542" v="2562"/>
         <pc:sldMkLst>
           <pc:docMk/>
           <pc:sldMk cId="1200574377" sldId="272"/>
@@ -677,8 +677,8 @@
           </ac:spMkLst>
         </pc:spChg>
       </pc:sldChg>
-      <pc:sldChg chg="modSp mod">
-        <pc:chgData name="Marsha Cole" userId="549ffbcad8f6772d" providerId="LiveId" clId="{3E559D2E-A028-4802-90C4-9CD664645BF2}" dt="2024-02-14T04:48:55.672" v="2560" actId="1076"/>
+      <pc:sldChg chg="modSp mod modTransition">
+        <pc:chgData name="Marsha Cole" userId="549ffbcad8f6772d" providerId="LiveId" clId="{3E559D2E-A028-4802-90C4-9CD664645BF2}" dt="2024-02-15T00:00:51.542" v="2562"/>
         <pc:sldMkLst>
           <pc:docMk/>
           <pc:sldMk cId="788707490" sldId="273"/>
@@ -882,7 +882,7 @@
           <a:p>
             <a:fld id="{064B0D10-3400-4670-A253-40263541A0B0}" type="datetimeFigureOut">
               <a:rPr lang="en-US" smtClean="0"/>
-              <a:t>2/13/2024</a:t>
+              <a:t>2/14/2024</a:t>
             </a:fld>
             <a:endParaRPr lang="en-US"/>
           </a:p>
@@ -1516,7 +1516,7 @@
           <a:p>
             <a:fld id="{0B654851-5A1B-4C41-9DD7-365FC1C1E8B7}" type="datetimeFigureOut">
               <a:rPr lang="en-US" smtClean="0"/>
-              <a:t>2/13/2024</a:t>
+              <a:t>2/14/2024</a:t>
             </a:fld>
             <a:endParaRPr lang="en-US" dirty="0"/>
           </a:p>
@@ -1737,7 +1737,7 @@
           <a:p>
             <a:fld id="{0B654851-5A1B-4C41-9DD7-365FC1C1E8B7}" type="datetimeFigureOut">
               <a:rPr lang="en-US" smtClean="0"/>
-              <a:t>2/13/2024</a:t>
+              <a:t>2/14/2024</a:t>
             </a:fld>
             <a:endParaRPr lang="en-US" dirty="0"/>
           </a:p>
@@ -1917,7 +1917,7 @@
           <a:p>
             <a:fld id="{0B654851-5A1B-4C41-9DD7-365FC1C1E8B7}" type="datetimeFigureOut">
               <a:rPr lang="en-US" smtClean="0"/>
-              <a:t>2/13/2024</a:t>
+              <a:t>2/14/2024</a:t>
             </a:fld>
             <a:endParaRPr lang="en-US" dirty="0"/>
           </a:p>
@@ -2087,7 +2087,7 @@
           <a:p>
             <a:fld id="{0B654851-5A1B-4C41-9DD7-365FC1C1E8B7}" type="datetimeFigureOut">
               <a:rPr lang="en-US" smtClean="0"/>
-              <a:t>2/13/2024</a:t>
+              <a:t>2/14/2024</a:t>
             </a:fld>
             <a:endParaRPr lang="en-US" dirty="0"/>
           </a:p>
@@ -2338,7 +2338,7 @@
           <a:p>
             <a:fld id="{0B654851-5A1B-4C41-9DD7-365FC1C1E8B7}" type="datetimeFigureOut">
               <a:rPr lang="en-US" smtClean="0"/>
-              <a:t>2/13/2024</a:t>
+              <a:t>2/14/2024</a:t>
             </a:fld>
             <a:endParaRPr lang="en-US" dirty="0"/>
           </a:p>
@@ -2661,7 +2661,7 @@
           <a:p>
             <a:fld id="{0B654851-5A1B-4C41-9DD7-365FC1C1E8B7}" type="datetimeFigureOut">
               <a:rPr lang="en-US" smtClean="0"/>
-              <a:t>2/13/2024</a:t>
+              <a:t>2/14/2024</a:t>
             </a:fld>
             <a:endParaRPr lang="en-US" dirty="0"/>
           </a:p>
@@ -3085,7 +3085,7 @@
           <a:p>
             <a:fld id="{0B654851-5A1B-4C41-9DD7-365FC1C1E8B7}" type="datetimeFigureOut">
               <a:rPr lang="en-US" smtClean="0"/>
-              <a:t>2/13/2024</a:t>
+              <a:t>2/14/2024</a:t>
             </a:fld>
             <a:endParaRPr lang="en-US" dirty="0"/>
           </a:p>
@@ -3203,7 +3203,7 @@
           <a:p>
             <a:fld id="{0B654851-5A1B-4C41-9DD7-365FC1C1E8B7}" type="datetimeFigureOut">
               <a:rPr lang="en-US" smtClean="0"/>
-              <a:t>2/13/2024</a:t>
+              <a:t>2/14/2024</a:t>
             </a:fld>
             <a:endParaRPr lang="en-US" dirty="0"/>
           </a:p>
@@ -3298,7 +3298,7 @@
           <a:p>
             <a:fld id="{0B654851-5A1B-4C41-9DD7-365FC1C1E8B7}" type="datetimeFigureOut">
               <a:rPr lang="en-US" smtClean="0"/>
-              <a:t>2/13/2024</a:t>
+              <a:t>2/14/2024</a:t>
             </a:fld>
             <a:endParaRPr lang="en-US" dirty="0"/>
           </a:p>
@@ -3588,7 +3588,7 @@
           <a:p>
             <a:fld id="{0B654851-5A1B-4C41-9DD7-365FC1C1E8B7}" type="datetimeFigureOut">
               <a:rPr lang="en-US" smtClean="0"/>
-              <a:t>2/13/2024</a:t>
+              <a:t>2/14/2024</a:t>
             </a:fld>
             <a:endParaRPr lang="en-US" dirty="0"/>
           </a:p>
@@ -3859,7 +3859,7 @@
           <a:p>
             <a:fld id="{0B654851-5A1B-4C41-9DD7-365FC1C1E8B7}" type="datetimeFigureOut">
               <a:rPr lang="en-US" smtClean="0"/>
-              <a:t>2/13/2024</a:t>
+              <a:t>2/14/2024</a:t>
             </a:fld>
             <a:endParaRPr lang="en-US" dirty="0"/>
           </a:p>
@@ -4113,7 +4113,7 @@
           <a:p>
             <a:fld id="{0B654851-5A1B-4C41-9DD7-365FC1C1E8B7}" type="datetimeFigureOut">
               <a:rPr lang="en-US" smtClean="0"/>
-              <a:t>2/13/2024</a:t>
+              <a:t>2/14/2024</a:t>
             </a:fld>
             <a:endParaRPr lang="en-US" dirty="0"/>
           </a:p>
@@ -4820,6 +4820,14 @@
   <p:clrMapOvr>
     <a:masterClrMapping/>
   </p:clrMapOvr>
+  <mc:AlternateContent xmlns:mc="http://schemas.openxmlformats.org/markup-compatibility/2006">
+    <mc:Choice xmlns:p14="http://schemas.microsoft.com/office/powerpoint/2010/main" Requires="p14">
+      <p:transition spd="slow" p14:dur="2000" advTm="25619"/>
+    </mc:Choice>
+    <mc:Fallback>
+      <p:transition spd="slow" advTm="25619"/>
+    </mc:Fallback>
+  </mc:AlternateContent>
 </p:sld>
 </file>
 
@@ -4864,8 +4872,8 @@
         </p:nvSpPr>
         <p:spPr>
           <a:xfrm>
-            <a:off x="297712" y="343971"/>
-            <a:ext cx="5556241" cy="929017"/>
+            <a:off x="297713" y="343971"/>
+            <a:ext cx="5367982" cy="929017"/>
           </a:xfrm>
           <a:solidFill>
             <a:schemeClr val="accent1">
@@ -5197,6 +5205,14 @@
   <p:clrMapOvr>
     <a:masterClrMapping/>
   </p:clrMapOvr>
+  <mc:AlternateContent xmlns:mc="http://schemas.openxmlformats.org/markup-compatibility/2006">
+    <mc:Choice xmlns:p14="http://schemas.microsoft.com/office/powerpoint/2010/main" Requires="p14">
+      <p:transition spd="slow" p14:dur="2000" advTm="241"/>
+    </mc:Choice>
+    <mc:Fallback>
+      <p:transition spd="slow" advTm="241"/>
+    </mc:Fallback>
+  </mc:AlternateContent>
 </p:sld>
 </file>
 
@@ -5352,8 +5368,27 @@
                   </a:schemeClr>
                 </a:solidFill>
               </a:rPr>
-              <a:t>These findings underscore the need for multifaceted approaches to diabetes prevention and management, addressing the diverse factors influencing diabetes risk and outcomes comprehensively.</a:t>
-            </a:r>
+              <a:t>These findings underscore the need for multifaceted approaches to diabetes prevention and management, addressing the diverse factors influencing diabetes risk and outcomes comprehensively </a:t>
+            </a:r>
+            <a:r>
+              <a:rPr lang="en-US" sz="2000" dirty="0">
+                <a:solidFill>
+                  <a:schemeClr val="tx1">
+                    <a:lumMod val="95000"/>
+                    <a:lumOff val="5000"/>
+                  </a:schemeClr>
+                </a:solidFill>
+              </a:rPr>
+              <a:t>(Wu et al., 2014).</a:t>
+            </a:r>
+            <a:endParaRPr lang="en-US" dirty="0">
+              <a:solidFill>
+                <a:schemeClr val="tx1">
+                  <a:lumMod val="95000"/>
+                  <a:lumOff val="5000"/>
+                </a:schemeClr>
+              </a:solidFill>
+            </a:endParaRPr>
           </a:p>
         </p:txBody>
       </p:sp>
@@ -5367,6 +5402,14 @@
   <p:clrMapOvr>
     <a:masterClrMapping/>
   </p:clrMapOvr>
+  <mc:AlternateContent xmlns:mc="http://schemas.openxmlformats.org/markup-compatibility/2006">
+    <mc:Choice xmlns:p14="http://schemas.microsoft.com/office/powerpoint/2010/main" Requires="p14">
+      <p:transition spd="slow" p14:dur="2000" advTm="294"/>
+    </mc:Choice>
+    <mc:Fallback>
+      <p:transition spd="slow" advTm="294"/>
+    </mc:Fallback>
+  </mc:AlternateContent>
 </p:sld>
 </file>
 
@@ -5906,6 +5949,14 @@
   <p:clrMapOvr>
     <a:masterClrMapping/>
   </p:clrMapOvr>
+  <mc:AlternateContent xmlns:mc="http://schemas.openxmlformats.org/markup-compatibility/2006">
+    <mc:Choice xmlns:p14="http://schemas.microsoft.com/office/powerpoint/2010/main" Requires="p14">
+      <p:transition spd="slow" p14:dur="2000" advTm="715"/>
+    </mc:Choice>
+    <mc:Fallback>
+      <p:transition spd="slow" advTm="715"/>
+    </mc:Fallback>
+  </mc:AlternateContent>
 </p:sld>
 </file>
 
@@ -6091,6 +6142,14 @@
   <p:clrMapOvr>
     <a:masterClrMapping/>
   </p:clrMapOvr>
+  <mc:AlternateContent xmlns:mc="http://schemas.openxmlformats.org/markup-compatibility/2006">
+    <mc:Choice xmlns:p14="http://schemas.microsoft.com/office/powerpoint/2010/main" Requires="p14">
+      <p:transition spd="slow" p14:dur="2000" advTm="493"/>
+    </mc:Choice>
+    <mc:Fallback>
+      <p:transition spd="slow" advTm="493"/>
+    </mc:Fallback>
+  </mc:AlternateContent>
 </p:sld>
 </file>
 
@@ -6324,6 +6383,14 @@
   <p:clrMapOvr>
     <a:masterClrMapping/>
   </p:clrMapOvr>
+  <mc:AlternateContent xmlns:mc="http://schemas.openxmlformats.org/markup-compatibility/2006">
+    <mc:Choice xmlns:p14="http://schemas.microsoft.com/office/powerpoint/2010/main" Requires="p14">
+      <p:transition spd="slow" p14:dur="2000" advTm="750"/>
+    </mc:Choice>
+    <mc:Fallback>
+      <p:transition spd="slow" advTm="750"/>
+    </mc:Fallback>
+  </mc:AlternateContent>
 </p:sld>
 </file>
 
@@ -6502,6 +6569,14 @@
   <p:clrMapOvr>
     <a:masterClrMapping/>
   </p:clrMapOvr>
+  <mc:AlternateContent xmlns:mc="http://schemas.openxmlformats.org/markup-compatibility/2006">
+    <mc:Choice xmlns:p14="http://schemas.microsoft.com/office/powerpoint/2010/main" Requires="p14">
+      <p:transition spd="slow" p14:dur="2000" advTm="24074"/>
+    </mc:Choice>
+    <mc:Fallback>
+      <p:transition spd="slow" advTm="24074"/>
+    </mc:Fallback>
+  </mc:AlternateContent>
 </p:sld>
 </file>
 
@@ -6732,6 +6807,14 @@
   <p:clrMapOvr>
     <a:masterClrMapping/>
   </p:clrMapOvr>
+  <mc:AlternateContent xmlns:mc="http://schemas.openxmlformats.org/markup-compatibility/2006">
+    <mc:Choice xmlns:p14="http://schemas.microsoft.com/office/powerpoint/2010/main" Requires="p14">
+      <p:transition spd="slow" p14:dur="2000" advTm="16880"/>
+    </mc:Choice>
+    <mc:Fallback>
+      <p:transition spd="slow" advTm="16880"/>
+    </mc:Fallback>
+  </mc:AlternateContent>
 </p:sld>
 </file>
 
@@ -6920,6 +7003,14 @@
   <p:clrMapOvr>
     <a:masterClrMapping/>
   </p:clrMapOvr>
+  <mc:AlternateContent xmlns:mc="http://schemas.openxmlformats.org/markup-compatibility/2006">
+    <mc:Choice xmlns:p14="http://schemas.microsoft.com/office/powerpoint/2010/main" Requires="p14">
+      <p:transition spd="slow" p14:dur="2000" advTm="28291"/>
+    </mc:Choice>
+    <mc:Fallback>
+      <p:transition spd="slow" advTm="28291"/>
+    </mc:Fallback>
+  </mc:AlternateContent>
 </p:sld>
 </file>
 
@@ -7161,6 +7252,14 @@
   <p:clrMapOvr>
     <a:masterClrMapping/>
   </p:clrMapOvr>
+  <mc:AlternateContent xmlns:mc="http://schemas.openxmlformats.org/markup-compatibility/2006">
+    <mc:Choice xmlns:p14="http://schemas.microsoft.com/office/powerpoint/2010/main" Requires="p14">
+      <p:transition spd="slow" p14:dur="2000" advTm="1698"/>
+    </mc:Choice>
+    <mc:Fallback>
+      <p:transition spd="slow" advTm="1698"/>
+    </mc:Fallback>
+  </mc:AlternateContent>
 </p:sld>
 </file>
 
@@ -7476,6 +7575,14 @@
   <p:clrMapOvr>
     <a:masterClrMapping/>
   </p:clrMapOvr>
+  <mc:AlternateContent xmlns:mc="http://schemas.openxmlformats.org/markup-compatibility/2006">
+    <mc:Choice xmlns:p14="http://schemas.microsoft.com/office/powerpoint/2010/main" Requires="p14">
+      <p:transition spd="slow" p14:dur="2000" advTm="2206"/>
+    </mc:Choice>
+    <mc:Fallback>
+      <p:transition spd="slow" advTm="2206"/>
+    </mc:Fallback>
+  </mc:AlternateContent>
 </p:sld>
 </file>
 
@@ -7791,6 +7898,14 @@
   <p:clrMapOvr>
     <a:masterClrMapping/>
   </p:clrMapOvr>
+  <mc:AlternateContent xmlns:mc="http://schemas.openxmlformats.org/markup-compatibility/2006">
+    <mc:Choice xmlns:p14="http://schemas.microsoft.com/office/powerpoint/2010/main" Requires="p14">
+      <p:transition spd="slow" p14:dur="2000" advTm="838"/>
+    </mc:Choice>
+    <mc:Fallback>
+      <p:transition spd="slow" advTm="838"/>
+    </mc:Fallback>
+  </mc:AlternateContent>
 </p:sld>
 </file>
 
@@ -8079,6 +8194,14 @@
   <p:clrMapOvr>
     <a:masterClrMapping/>
   </p:clrMapOvr>
+  <mc:AlternateContent xmlns:mc="http://schemas.openxmlformats.org/markup-compatibility/2006">
+    <mc:Choice xmlns:p14="http://schemas.microsoft.com/office/powerpoint/2010/main" Requires="p14">
+      <p:transition spd="slow" p14:dur="2000" advTm="256"/>
+    </mc:Choice>
+    <mc:Fallback>
+      <p:transition spd="slow" advTm="256"/>
+    </mc:Fallback>
+  </mc:AlternateContent>
 </p:sld>
 </file>
 
